--- a/SWE_632_Tech_Talk__PureCSS.pptx
+++ b/SWE_632_Tech_Talk__PureCSS.pptx
@@ -5,21 +5,22 @@
     <p:sldMasterId id="2147483660" r:id="rId1"/>
   </p:sldMasterIdLst>
   <p:notesMasterIdLst>
-    <p:notesMasterId r:id="rId14"/>
+    <p:notesMasterId r:id="rId15"/>
   </p:notesMasterIdLst>
   <p:sldIdLst>
     <p:sldId id="256" r:id="rId2"/>
     <p:sldId id="257" r:id="rId3"/>
     <p:sldId id="266" r:id="rId4"/>
-    <p:sldId id="258" r:id="rId5"/>
-    <p:sldId id="259" r:id="rId6"/>
-    <p:sldId id="260" r:id="rId7"/>
-    <p:sldId id="261" r:id="rId8"/>
-    <p:sldId id="262" r:id="rId9"/>
-    <p:sldId id="263" r:id="rId10"/>
-    <p:sldId id="264" r:id="rId11"/>
-    <p:sldId id="267" r:id="rId12"/>
-    <p:sldId id="265" r:id="rId13"/>
+    <p:sldId id="268" r:id="rId5"/>
+    <p:sldId id="258" r:id="rId6"/>
+    <p:sldId id="259" r:id="rId7"/>
+    <p:sldId id="260" r:id="rId8"/>
+    <p:sldId id="261" r:id="rId9"/>
+    <p:sldId id="262" r:id="rId10"/>
+    <p:sldId id="267" r:id="rId11"/>
+    <p:sldId id="263" r:id="rId12"/>
+    <p:sldId id="264" r:id="rId13"/>
+    <p:sldId id="265" r:id="rId14"/>
   </p:sldIdLst>
   <p:sldSz cx="12192000" cy="6858000"/>
   <p:notesSz cx="6858000" cy="9144000"/>
@@ -120,7 +121,18 @@
   </p:defaultTextStyle>
   <p:extLst>
     <p:ext uri="{EFAFB233-063F-42B5-8137-9DF3F51BA10A}">
-      <p15:sldGuideLst xmlns="" xmlns:p15="http://schemas.microsoft.com/office/powerpoint/2012/main"/>
+      <p15:sldGuideLst xmlns:p15="http://schemas.microsoft.com/office/powerpoint/2012/main">
+        <p15:guide id="1" orient="horz" pos="2160">
+          <p15:clr>
+            <a:srgbClr val="A4A3A4"/>
+          </p15:clr>
+        </p15:guide>
+        <p15:guide id="2" pos="3840">
+          <p15:clr>
+            <a:srgbClr val="A4A3A4"/>
+          </p15:clr>
+        </p15:guide>
+      </p15:sldGuideLst>
     </p:ext>
   </p:extLst>
 </p:presentation>
@@ -208,7 +220,7 @@
           <a:p>
             <a:fld id="{1F3CD97B-9297-474E-B3F1-AAEE98B265C2}" type="datetimeFigureOut">
               <a:rPr lang="en-US" smtClean="0"/>
-              <a:t>14-Mar-18</a:t>
+              <a:t>3/19/18</a:t>
             </a:fld>
             <a:endParaRPr lang="en-US"/>
           </a:p>
@@ -274,38 +286,37 @@
           <a:p>
             <a:pPr lvl="0"/>
             <a:r>
-              <a:rPr lang="en-US" smtClean="0"/>
+              <a:rPr lang="en-US"/>
               <a:t>Click to edit Master text styles</a:t>
             </a:r>
           </a:p>
           <a:p>
             <a:pPr lvl="1"/>
             <a:r>
-              <a:rPr lang="en-US" smtClean="0"/>
+              <a:rPr lang="en-US"/>
               <a:t>Second level</a:t>
             </a:r>
           </a:p>
           <a:p>
             <a:pPr lvl="2"/>
             <a:r>
-              <a:rPr lang="en-US" smtClean="0"/>
+              <a:rPr lang="en-US"/>
               <a:t>Third level</a:t>
             </a:r>
           </a:p>
           <a:p>
             <a:pPr lvl="3"/>
             <a:r>
-              <a:rPr lang="en-US" smtClean="0"/>
+              <a:rPr lang="en-US"/>
               <a:t>Fourth level</a:t>
             </a:r>
           </a:p>
           <a:p>
             <a:pPr lvl="4"/>
             <a:r>
-              <a:rPr lang="en-US" smtClean="0"/>
+              <a:rPr lang="en-US"/>
               <a:t>Fifth level</a:t>
             </a:r>
-            <a:endParaRPr lang="en-US"/>
           </a:p>
         </p:txBody>
       </p:sp>
@@ -614,9 +625,7 @@
         </p:style>
         <p:txBody>
           <a:bodyPr rtlCol="0" anchor="ctr"/>
-          <a:lstStyle>
-            <a:extLst/>
-          </a:lstStyle>
+          <a:lstStyle/>
           <a:p>
             <a:pPr algn="ctr" eaLnBrk="1" latinLnBrk="0" hangingPunct="1"/>
             <a:endParaRPr kumimoji="0" lang="en-US"/>
@@ -660,10 +669,9 @@
           </a:lstStyle>
           <a:p>
             <a:r>
-              <a:rPr kumimoji="0" lang="en-US" smtClean="0"/>
+              <a:rPr kumimoji="0" lang="en-US"/>
               <a:t>Click to edit Master title style</a:t>
             </a:r>
-            <a:endParaRPr kumimoji="0" lang="en-US"/>
           </a:p>
         </p:txBody>
       </p:sp>
@@ -778,10 +786,9 @@
           </a:lstStyle>
           <a:p>
             <a:r>
-              <a:rPr kumimoji="0" lang="en-US" smtClean="0"/>
+              <a:rPr kumimoji="0" lang="en-US"/>
               <a:t>Click to edit Master subtitle style</a:t>
             </a:r>
-            <a:endParaRPr kumimoji="0" lang="en-US"/>
           </a:p>
         </p:txBody>
       </p:sp>
@@ -803,7 +810,7 @@
             <a:fld id="{5C2F51AC-1738-2043-BD99-BD04DC72ED2F}" type="datetimeFigureOut">
               <a:rPr lang="en-US" smtClean="0"/>
               <a:pPr/>
-              <a:t>14-Mar-18</a:t>
+              <a:t>3/19/18</a:t>
             </a:fld>
             <a:endParaRPr lang="en-US"/>
           </a:p>
@@ -897,9 +904,7 @@
         </p:style>
         <p:txBody>
           <a:bodyPr rtlCol="0" anchor="ctr"/>
-          <a:lstStyle>
-            <a:extLst/>
-          </a:lstStyle>
+          <a:lstStyle/>
           <a:p>
             <a:pPr algn="ctr" eaLnBrk="1" latinLnBrk="0" hangingPunct="1"/>
             <a:endParaRPr kumimoji="0" lang="en-US"/>
@@ -944,15 +949,12 @@
         <p:spPr/>
         <p:txBody>
           <a:bodyPr/>
-          <a:lstStyle>
-            <a:extLst/>
-          </a:lstStyle>
-          <a:p>
-            <a:r>
-              <a:rPr kumimoji="0" lang="en-US" smtClean="0"/>
+          <a:lstStyle/>
+          <a:p>
+            <a:r>
+              <a:rPr kumimoji="0" lang="en-US"/>
               <a:t>Click to edit Master title style</a:t>
             </a:r>
-            <a:endParaRPr kumimoji="0" lang="en-US"/>
           </a:p>
         </p:txBody>
       </p:sp>
@@ -969,41 +971,39 @@
         <p:spPr/>
         <p:txBody>
           <a:bodyPr vert="eaVert"/>
-          <a:lstStyle>
-            <a:extLst/>
-          </a:lstStyle>
+          <a:lstStyle/>
           <a:p>
             <a:pPr lvl="0" eaLnBrk="1" latinLnBrk="0" hangingPunct="1"/>
             <a:r>
-              <a:rPr lang="en-US" smtClean="0"/>
+              <a:rPr lang="en-US"/>
               <a:t>Click to edit Master text styles</a:t>
             </a:r>
           </a:p>
           <a:p>
             <a:pPr lvl="1" eaLnBrk="1" latinLnBrk="0" hangingPunct="1"/>
             <a:r>
-              <a:rPr lang="en-US" smtClean="0"/>
+              <a:rPr lang="en-US"/>
               <a:t>Second level</a:t>
             </a:r>
           </a:p>
           <a:p>
             <a:pPr lvl="2" eaLnBrk="1" latinLnBrk="0" hangingPunct="1"/>
             <a:r>
-              <a:rPr lang="en-US" smtClean="0"/>
+              <a:rPr lang="en-US"/>
               <a:t>Third level</a:t>
             </a:r>
           </a:p>
           <a:p>
             <a:pPr lvl="3" eaLnBrk="1" latinLnBrk="0" hangingPunct="1"/>
             <a:r>
-              <a:rPr lang="en-US" smtClean="0"/>
+              <a:rPr lang="en-US"/>
               <a:t>Fourth level</a:t>
             </a:r>
           </a:p>
           <a:p>
             <a:pPr lvl="4" eaLnBrk="1" latinLnBrk="0" hangingPunct="1"/>
             <a:r>
-              <a:rPr lang="en-US" smtClean="0"/>
+              <a:rPr lang="en-US"/>
               <a:t>Fifth level</a:t>
             </a:r>
             <a:endParaRPr kumimoji="0" lang="en-US"/>
@@ -1028,7 +1028,7 @@
             <a:fld id="{5C2F51AC-1738-2043-BD99-BD04DC72ED2F}" type="datetimeFigureOut">
               <a:rPr lang="en-US" smtClean="0"/>
               <a:pPr/>
-              <a:t>14-Mar-18</a:t>
+              <a:t>3/19/18</a:t>
             </a:fld>
             <a:endParaRPr lang="en-US"/>
           </a:p>
@@ -1147,9 +1147,7 @@
         </p:style>
         <p:txBody>
           <a:bodyPr rtlCol="0" anchor="ctr"/>
-          <a:lstStyle>
-            <a:extLst/>
-          </a:lstStyle>
+          <a:lstStyle/>
           <a:p>
             <a:pPr algn="ctr" eaLnBrk="1" latinLnBrk="0" hangingPunct="1"/>
             <a:endParaRPr kumimoji="0" lang="en-US"/>
@@ -1194,9 +1192,7 @@
         </p:style>
         <p:txBody>
           <a:bodyPr rtlCol="0" anchor="ctr"/>
-          <a:lstStyle>
-            <a:extLst/>
-          </a:lstStyle>
+          <a:lstStyle/>
           <a:p>
             <a:pPr algn="ctr" eaLnBrk="1" latinLnBrk="0" hangingPunct="1"/>
             <a:endParaRPr kumimoji="0" lang="en-US"/>
@@ -1221,15 +1217,12 @@
         </p:spPr>
         <p:txBody>
           <a:bodyPr vert="eaVert"/>
-          <a:lstStyle>
-            <a:extLst/>
-          </a:lstStyle>
-          <a:p>
-            <a:r>
-              <a:rPr kumimoji="0" lang="en-US" smtClean="0"/>
+          <a:lstStyle/>
+          <a:p>
+            <a:r>
+              <a:rPr kumimoji="0" lang="en-US"/>
               <a:t>Click to edit Master title style</a:t>
             </a:r>
-            <a:endParaRPr kumimoji="0" lang="en-US"/>
           </a:p>
         </p:txBody>
       </p:sp>
@@ -1251,41 +1244,39 @@
         </p:spPr>
         <p:txBody>
           <a:bodyPr vert="eaVert"/>
-          <a:lstStyle>
-            <a:extLst/>
-          </a:lstStyle>
+          <a:lstStyle/>
           <a:p>
             <a:pPr lvl="0" eaLnBrk="1" latinLnBrk="0" hangingPunct="1"/>
             <a:r>
-              <a:rPr lang="en-US" smtClean="0"/>
+              <a:rPr lang="en-US"/>
               <a:t>Click to edit Master text styles</a:t>
             </a:r>
           </a:p>
           <a:p>
             <a:pPr lvl="1" eaLnBrk="1" latinLnBrk="0" hangingPunct="1"/>
             <a:r>
-              <a:rPr lang="en-US" smtClean="0"/>
+              <a:rPr lang="en-US"/>
               <a:t>Second level</a:t>
             </a:r>
           </a:p>
           <a:p>
             <a:pPr lvl="2" eaLnBrk="1" latinLnBrk="0" hangingPunct="1"/>
             <a:r>
-              <a:rPr lang="en-US" smtClean="0"/>
+              <a:rPr lang="en-US"/>
               <a:t>Third level</a:t>
             </a:r>
           </a:p>
           <a:p>
             <a:pPr lvl="3" eaLnBrk="1" latinLnBrk="0" hangingPunct="1"/>
             <a:r>
-              <a:rPr lang="en-US" smtClean="0"/>
+              <a:rPr lang="en-US"/>
               <a:t>Fourth level</a:t>
             </a:r>
           </a:p>
           <a:p>
             <a:pPr lvl="4" eaLnBrk="1" latinLnBrk="0" hangingPunct="1"/>
             <a:r>
-              <a:rPr lang="en-US" smtClean="0"/>
+              <a:rPr lang="en-US"/>
               <a:t>Fifth level</a:t>
             </a:r>
             <a:endParaRPr kumimoji="0" lang="en-US"/>
@@ -1310,7 +1301,7 @@
             <a:fld id="{5C2F51AC-1738-2043-BD99-BD04DC72ED2F}" type="datetimeFigureOut">
               <a:rPr lang="en-US" smtClean="0"/>
               <a:pPr/>
-              <a:t>14-Mar-18</a:t>
+              <a:t>3/19/18</a:t>
             </a:fld>
             <a:endParaRPr lang="en-US"/>
           </a:p>
@@ -1407,15 +1398,12 @@
         </p:spPr>
         <p:txBody>
           <a:bodyPr/>
-          <a:lstStyle>
-            <a:extLst/>
-          </a:lstStyle>
-          <a:p>
-            <a:r>
-              <a:rPr kumimoji="0" lang="en-US" smtClean="0"/>
+          <a:lstStyle/>
+          <a:p>
+            <a:r>
+              <a:rPr kumimoji="0" lang="en-US"/>
               <a:t>Click to edit Master title style</a:t>
             </a:r>
-            <a:endParaRPr kumimoji="0" lang="en-US"/>
           </a:p>
         </p:txBody>
       </p:sp>
@@ -1432,41 +1420,39 @@
         <p:spPr/>
         <p:txBody>
           <a:bodyPr/>
-          <a:lstStyle>
-            <a:extLst/>
-          </a:lstStyle>
+          <a:lstStyle/>
           <a:p>
             <a:pPr lvl="0" eaLnBrk="1" latinLnBrk="0" hangingPunct="1"/>
             <a:r>
-              <a:rPr lang="en-US" smtClean="0"/>
+              <a:rPr lang="en-US"/>
               <a:t>Click to edit Master text styles</a:t>
             </a:r>
           </a:p>
           <a:p>
             <a:pPr lvl="1" eaLnBrk="1" latinLnBrk="0" hangingPunct="1"/>
             <a:r>
-              <a:rPr lang="en-US" smtClean="0"/>
+              <a:rPr lang="en-US"/>
               <a:t>Second level</a:t>
             </a:r>
           </a:p>
           <a:p>
             <a:pPr lvl="2" eaLnBrk="1" latinLnBrk="0" hangingPunct="1"/>
             <a:r>
-              <a:rPr lang="en-US" smtClean="0"/>
+              <a:rPr lang="en-US"/>
               <a:t>Third level</a:t>
             </a:r>
           </a:p>
           <a:p>
             <a:pPr lvl="3" eaLnBrk="1" latinLnBrk="0" hangingPunct="1"/>
             <a:r>
-              <a:rPr lang="en-US" smtClean="0"/>
+              <a:rPr lang="en-US"/>
               <a:t>Fourth level</a:t>
             </a:r>
           </a:p>
           <a:p>
             <a:pPr lvl="4" eaLnBrk="1" latinLnBrk="0" hangingPunct="1"/>
             <a:r>
-              <a:rPr lang="en-US" smtClean="0"/>
+              <a:rPr lang="en-US"/>
               <a:t>Fifth level</a:t>
             </a:r>
             <a:endParaRPr kumimoji="0" lang="en-US"/>
@@ -1491,7 +1477,7 @@
             <a:fld id="{5C2F51AC-1738-2043-BD99-BD04DC72ED2F}" type="datetimeFigureOut">
               <a:rPr lang="en-US" smtClean="0"/>
               <a:pPr/>
-              <a:t>14-Mar-18</a:t>
+              <a:t>3/19/18</a:t>
             </a:fld>
             <a:endParaRPr lang="en-US"/>
           </a:p>
@@ -1608,9 +1594,7 @@
         </p:style>
         <p:txBody>
           <a:bodyPr rtlCol="0" anchor="ctr"/>
-          <a:lstStyle>
-            <a:extLst/>
-          </a:lstStyle>
+          <a:lstStyle/>
           <a:p>
             <a:pPr algn="ctr" eaLnBrk="1" latinLnBrk="0" hangingPunct="1"/>
             <a:endParaRPr kumimoji="0" lang="en-US"/>
@@ -1662,9 +1646,7 @@
         </p:style>
         <p:txBody>
           <a:bodyPr rtlCol="0" anchor="ctr"/>
-          <a:lstStyle>
-            <a:extLst/>
-          </a:lstStyle>
+          <a:lstStyle/>
           <a:p>
             <a:pPr algn="ctr" eaLnBrk="1" latinLnBrk="0" hangingPunct="1"/>
             <a:endParaRPr kumimoji="0" lang="en-US"/>
@@ -1708,10 +1690,9 @@
           </a:lstStyle>
           <a:p>
             <a:r>
-              <a:rPr kumimoji="0" lang="en-US" smtClean="0"/>
+              <a:rPr kumimoji="0" lang="en-US"/>
               <a:t>Click to edit Master title style</a:t>
             </a:r>
-            <a:endParaRPr kumimoji="0" lang="en-US"/>
           </a:p>
         </p:txBody>
       </p:sp>
@@ -1827,7 +1808,7 @@
           <a:p>
             <a:pPr lvl="0" eaLnBrk="1" latinLnBrk="0" hangingPunct="1"/>
             <a:r>
-              <a:rPr kumimoji="0" lang="en-US" smtClean="0"/>
+              <a:rPr kumimoji="0" lang="en-US"/>
               <a:t>Click to edit Master text styles</a:t>
             </a:r>
           </a:p>
@@ -1851,7 +1832,7 @@
             <a:fld id="{5C2F51AC-1738-2043-BD99-BD04DC72ED2F}" type="datetimeFigureOut">
               <a:rPr lang="en-US" smtClean="0"/>
               <a:pPr/>
-              <a:t>14-Mar-18</a:t>
+              <a:t>3/19/18</a:t>
             </a:fld>
             <a:endParaRPr lang="en-US"/>
           </a:p>
@@ -1938,15 +1919,12 @@
         <p:spPr/>
         <p:txBody>
           <a:bodyPr/>
-          <a:lstStyle>
-            <a:extLst/>
-          </a:lstStyle>
-          <a:p>
-            <a:r>
-              <a:rPr kumimoji="0" lang="en-US" smtClean="0"/>
+          <a:lstStyle/>
+          <a:p>
+            <a:r>
+              <a:rPr kumimoji="0" lang="en-US"/>
               <a:t>Click to edit Master title style</a:t>
             </a:r>
-            <a:endParaRPr kumimoji="0" lang="en-US"/>
           </a:p>
         </p:txBody>
       </p:sp>
@@ -2001,35 +1979,35 @@
           <a:p>
             <a:pPr lvl="0" eaLnBrk="1" latinLnBrk="0" hangingPunct="1"/>
             <a:r>
-              <a:rPr lang="en-US" smtClean="0"/>
+              <a:rPr lang="en-US"/>
               <a:t>Click to edit Master text styles</a:t>
             </a:r>
           </a:p>
           <a:p>
             <a:pPr lvl="1" eaLnBrk="1" latinLnBrk="0" hangingPunct="1"/>
             <a:r>
-              <a:rPr lang="en-US" smtClean="0"/>
+              <a:rPr lang="en-US"/>
               <a:t>Second level</a:t>
             </a:r>
           </a:p>
           <a:p>
             <a:pPr lvl="2" eaLnBrk="1" latinLnBrk="0" hangingPunct="1"/>
             <a:r>
-              <a:rPr lang="en-US" smtClean="0"/>
+              <a:rPr lang="en-US"/>
               <a:t>Third level</a:t>
             </a:r>
           </a:p>
           <a:p>
             <a:pPr lvl="3" eaLnBrk="1" latinLnBrk="0" hangingPunct="1"/>
             <a:r>
-              <a:rPr lang="en-US" smtClean="0"/>
+              <a:rPr lang="en-US"/>
               <a:t>Fourth level</a:t>
             </a:r>
           </a:p>
           <a:p>
             <a:pPr lvl="4" eaLnBrk="1" latinLnBrk="0" hangingPunct="1"/>
             <a:r>
-              <a:rPr lang="en-US" smtClean="0"/>
+              <a:rPr lang="en-US"/>
               <a:t>Fifth level</a:t>
             </a:r>
             <a:endParaRPr kumimoji="0" lang="en-US"/>
@@ -2087,35 +2065,35 @@
           <a:p>
             <a:pPr lvl="0" eaLnBrk="1" latinLnBrk="0" hangingPunct="1"/>
             <a:r>
-              <a:rPr lang="en-US" smtClean="0"/>
+              <a:rPr lang="en-US"/>
               <a:t>Click to edit Master text styles</a:t>
             </a:r>
           </a:p>
           <a:p>
             <a:pPr lvl="1" eaLnBrk="1" latinLnBrk="0" hangingPunct="1"/>
             <a:r>
-              <a:rPr lang="en-US" smtClean="0"/>
+              <a:rPr lang="en-US"/>
               <a:t>Second level</a:t>
             </a:r>
           </a:p>
           <a:p>
             <a:pPr lvl="2" eaLnBrk="1" latinLnBrk="0" hangingPunct="1"/>
             <a:r>
-              <a:rPr lang="en-US" smtClean="0"/>
+              <a:rPr lang="en-US"/>
               <a:t>Third level</a:t>
             </a:r>
           </a:p>
           <a:p>
             <a:pPr lvl="3" eaLnBrk="1" latinLnBrk="0" hangingPunct="1"/>
             <a:r>
-              <a:rPr lang="en-US" smtClean="0"/>
+              <a:rPr lang="en-US"/>
               <a:t>Fourth level</a:t>
             </a:r>
           </a:p>
           <a:p>
             <a:pPr lvl="4" eaLnBrk="1" latinLnBrk="0" hangingPunct="1"/>
             <a:r>
-              <a:rPr lang="en-US" smtClean="0"/>
+              <a:rPr lang="en-US"/>
               <a:t>Fifth level</a:t>
             </a:r>
             <a:endParaRPr kumimoji="0" lang="en-US"/>
@@ -2140,7 +2118,7 @@
             <a:fld id="{5C2F51AC-1738-2043-BD99-BD04DC72ED2F}" type="datetimeFigureOut">
               <a:rPr lang="en-US" smtClean="0"/>
               <a:pPr/>
-              <a:t>14-Mar-18</a:t>
+              <a:t>3/19/18</a:t>
             </a:fld>
             <a:endParaRPr lang="en-US"/>
           </a:p>
@@ -2235,10 +2213,9 @@
           </a:lstStyle>
           <a:p>
             <a:r>
-              <a:rPr kumimoji="0" lang="en-US" smtClean="0"/>
+              <a:rPr kumimoji="0" lang="en-US"/>
               <a:t>Click to edit Master title style</a:t>
             </a:r>
-            <a:endParaRPr kumimoji="0" lang="en-US"/>
           </a:p>
         </p:txBody>
       </p:sp>
@@ -2302,7 +2279,7 @@
           <a:p>
             <a:pPr lvl="0" eaLnBrk="1" latinLnBrk="0" hangingPunct="1"/>
             <a:r>
-              <a:rPr kumimoji="0" lang="en-US" smtClean="0"/>
+              <a:rPr kumimoji="0" lang="en-US"/>
               <a:t>Click to edit Master text styles</a:t>
             </a:r>
           </a:p>
@@ -2359,35 +2336,35 @@
           <a:p>
             <a:pPr lvl="0" eaLnBrk="1" latinLnBrk="0" hangingPunct="1"/>
             <a:r>
-              <a:rPr lang="en-US" smtClean="0"/>
+              <a:rPr lang="en-US"/>
               <a:t>Click to edit Master text styles</a:t>
             </a:r>
           </a:p>
           <a:p>
             <a:pPr lvl="1" eaLnBrk="1" latinLnBrk="0" hangingPunct="1"/>
             <a:r>
-              <a:rPr lang="en-US" smtClean="0"/>
+              <a:rPr lang="en-US"/>
               <a:t>Second level</a:t>
             </a:r>
           </a:p>
           <a:p>
             <a:pPr lvl="2" eaLnBrk="1" latinLnBrk="0" hangingPunct="1"/>
             <a:r>
-              <a:rPr lang="en-US" smtClean="0"/>
+              <a:rPr lang="en-US"/>
               <a:t>Third level</a:t>
             </a:r>
           </a:p>
           <a:p>
             <a:pPr lvl="3" eaLnBrk="1" latinLnBrk="0" hangingPunct="1"/>
             <a:r>
-              <a:rPr lang="en-US" smtClean="0"/>
+              <a:rPr lang="en-US"/>
               <a:t>Fourth level</a:t>
             </a:r>
           </a:p>
           <a:p>
             <a:pPr lvl="4" eaLnBrk="1" latinLnBrk="0" hangingPunct="1"/>
             <a:r>
-              <a:rPr lang="en-US" smtClean="0"/>
+              <a:rPr lang="en-US"/>
               <a:t>Fifth level</a:t>
             </a:r>
             <a:endParaRPr kumimoji="0" lang="en-US"/>
@@ -2454,7 +2431,7 @@
           <a:p>
             <a:pPr lvl="0" eaLnBrk="1" latinLnBrk="0" hangingPunct="1"/>
             <a:r>
-              <a:rPr kumimoji="0" lang="en-US" smtClean="0"/>
+              <a:rPr kumimoji="0" lang="en-US"/>
               <a:t>Click to edit Master text styles</a:t>
             </a:r>
           </a:p>
@@ -2511,35 +2488,35 @@
           <a:p>
             <a:pPr lvl="0" eaLnBrk="1" latinLnBrk="0" hangingPunct="1"/>
             <a:r>
-              <a:rPr lang="en-US" smtClean="0"/>
+              <a:rPr lang="en-US"/>
               <a:t>Click to edit Master text styles</a:t>
             </a:r>
           </a:p>
           <a:p>
             <a:pPr lvl="1" eaLnBrk="1" latinLnBrk="0" hangingPunct="1"/>
             <a:r>
-              <a:rPr lang="en-US" smtClean="0"/>
+              <a:rPr lang="en-US"/>
               <a:t>Second level</a:t>
             </a:r>
           </a:p>
           <a:p>
             <a:pPr lvl="2" eaLnBrk="1" latinLnBrk="0" hangingPunct="1"/>
             <a:r>
-              <a:rPr lang="en-US" smtClean="0"/>
+              <a:rPr lang="en-US"/>
               <a:t>Third level</a:t>
             </a:r>
           </a:p>
           <a:p>
             <a:pPr lvl="3" eaLnBrk="1" latinLnBrk="0" hangingPunct="1"/>
             <a:r>
-              <a:rPr lang="en-US" smtClean="0"/>
+              <a:rPr lang="en-US"/>
               <a:t>Fourth level</a:t>
             </a:r>
           </a:p>
           <a:p>
             <a:pPr lvl="4" eaLnBrk="1" latinLnBrk="0" hangingPunct="1"/>
             <a:r>
-              <a:rPr lang="en-US" smtClean="0"/>
+              <a:rPr lang="en-US"/>
               <a:t>Fifth level</a:t>
             </a:r>
             <a:endParaRPr kumimoji="0" lang="en-US"/>
@@ -2564,7 +2541,7 @@
             <a:fld id="{5C2F51AC-1738-2043-BD99-BD04DC72ED2F}" type="datetimeFigureOut">
               <a:rPr lang="en-US" smtClean="0"/>
               <a:pPr/>
-              <a:t>14-Mar-18</a:t>
+              <a:t>3/19/18</a:t>
             </a:fld>
             <a:endParaRPr lang="en-US"/>
           </a:p>
@@ -2651,15 +2628,12 @@
         <p:spPr/>
         <p:txBody>
           <a:bodyPr/>
-          <a:lstStyle>
-            <a:extLst/>
-          </a:lstStyle>
-          <a:p>
-            <a:r>
-              <a:rPr kumimoji="0" lang="en-US" smtClean="0"/>
+          <a:lstStyle/>
+          <a:p>
+            <a:r>
+              <a:rPr kumimoji="0" lang="en-US"/>
               <a:t>Click to edit Master title style</a:t>
             </a:r>
-            <a:endParaRPr kumimoji="0" lang="en-US"/>
           </a:p>
         </p:txBody>
       </p:sp>
@@ -2681,7 +2655,7 @@
             <a:fld id="{5C2F51AC-1738-2043-BD99-BD04DC72ED2F}" type="datetimeFigureOut">
               <a:rPr lang="en-US" smtClean="0"/>
               <a:pPr/>
-              <a:t>14-Mar-18</a:t>
+              <a:t>3/19/18</a:t>
             </a:fld>
             <a:endParaRPr lang="en-US"/>
           </a:p>
@@ -2773,7 +2747,7 @@
             <a:fld id="{5C2F51AC-1738-2043-BD99-BD04DC72ED2F}" type="datetimeFigureOut">
               <a:rPr lang="en-US" smtClean="0"/>
               <a:pPr/>
-              <a:t>14-Mar-18</a:t>
+              <a:t>3/19/18</a:t>
             </a:fld>
             <a:endParaRPr lang="en-US"/>
           </a:p>
@@ -2876,10 +2850,9 @@
           </a:lstStyle>
           <a:p>
             <a:r>
-              <a:rPr kumimoji="0" lang="en-US" smtClean="0"/>
+              <a:rPr kumimoji="0" lang="en-US"/>
               <a:t>Click to edit Master title style</a:t>
             </a:r>
-            <a:endParaRPr kumimoji="0" lang="en-US"/>
           </a:p>
         </p:txBody>
       </p:sp>
@@ -2934,35 +2907,35 @@
           <a:p>
             <a:pPr lvl="0" eaLnBrk="1" latinLnBrk="0" hangingPunct="1"/>
             <a:r>
-              <a:rPr lang="en-US" smtClean="0"/>
+              <a:rPr lang="en-US"/>
               <a:t>Click to edit Master text styles</a:t>
             </a:r>
           </a:p>
           <a:p>
             <a:pPr lvl="1" eaLnBrk="1" latinLnBrk="0" hangingPunct="1"/>
             <a:r>
-              <a:rPr lang="en-US" smtClean="0"/>
+              <a:rPr lang="en-US"/>
               <a:t>Second level</a:t>
             </a:r>
           </a:p>
           <a:p>
             <a:pPr lvl="2" eaLnBrk="1" latinLnBrk="0" hangingPunct="1"/>
             <a:r>
-              <a:rPr lang="en-US" smtClean="0"/>
+              <a:rPr lang="en-US"/>
               <a:t>Third level</a:t>
             </a:r>
           </a:p>
           <a:p>
             <a:pPr lvl="3" eaLnBrk="1" latinLnBrk="0" hangingPunct="1"/>
             <a:r>
-              <a:rPr lang="en-US" smtClean="0"/>
+              <a:rPr lang="en-US"/>
               <a:t>Fourth level</a:t>
             </a:r>
           </a:p>
           <a:p>
             <a:pPr lvl="4" eaLnBrk="1" latinLnBrk="0" hangingPunct="1"/>
             <a:r>
-              <a:rPr lang="en-US" smtClean="0"/>
+              <a:rPr lang="en-US"/>
               <a:t>Fifth level</a:t>
             </a:r>
             <a:endParaRPr kumimoji="0" lang="en-US"/>
@@ -3029,7 +3002,7 @@
           <a:p>
             <a:pPr lvl="0" eaLnBrk="1" latinLnBrk="0" hangingPunct="1"/>
             <a:r>
-              <a:rPr kumimoji="0" lang="en-US" smtClean="0"/>
+              <a:rPr kumimoji="0" lang="en-US"/>
               <a:t>Click to edit Master text styles</a:t>
             </a:r>
           </a:p>
@@ -3053,7 +3026,7 @@
             <a:fld id="{5C2F51AC-1738-2043-BD99-BD04DC72ED2F}" type="datetimeFigureOut">
               <a:rPr lang="en-US" smtClean="0"/>
               <a:pPr/>
-              <a:t>14-Mar-18</a:t>
+              <a:t>3/19/18</a:t>
             </a:fld>
             <a:endParaRPr lang="en-US"/>
           </a:p>
@@ -3140,9 +3113,7 @@
         </p:style>
         <p:txBody>
           <a:bodyPr rtlCol="0" anchor="ctr"/>
-          <a:lstStyle>
-            <a:extLst/>
-          </a:lstStyle>
+          <a:lstStyle/>
           <a:p>
             <a:pPr algn="ctr" eaLnBrk="1" latinLnBrk="0" hangingPunct="1"/>
             <a:endParaRPr kumimoji="0" lang="en-US"/>
@@ -3187,9 +3158,7 @@
         </p:style>
         <p:txBody>
           <a:bodyPr rtlCol="0" anchor="ctr"/>
-          <a:lstStyle>
-            <a:extLst/>
-          </a:lstStyle>
+          <a:lstStyle/>
           <a:p>
             <a:pPr algn="ctr" eaLnBrk="1" latinLnBrk="0" hangingPunct="1"/>
             <a:endParaRPr kumimoji="0" lang="en-US"/>
@@ -3254,10 +3223,9 @@
           </a:lstStyle>
           <a:p>
             <a:r>
-              <a:rPr kumimoji="0" lang="en-US" smtClean="0"/>
+              <a:rPr kumimoji="0" lang="en-US"/>
               <a:t>Click to edit Master title style</a:t>
             </a:r>
-            <a:endParaRPr kumimoji="0" lang="en-US"/>
           </a:p>
         </p:txBody>
       </p:sp>
@@ -3325,7 +3293,7 @@
           </a:lstStyle>
           <a:p>
             <a:r>
-              <a:rPr kumimoji="0" lang="en-US" smtClean="0"/>
+              <a:rPr kumimoji="0" lang="en-US"/>
               <a:t>Click icon to add picture</a:t>
             </a:r>
             <a:endParaRPr kumimoji="0" lang="en-US" dirty="0"/>
@@ -3392,7 +3360,7 @@
           <a:p>
             <a:pPr lvl="0" eaLnBrk="1" latinLnBrk="0" hangingPunct="1"/>
             <a:r>
-              <a:rPr kumimoji="0" lang="en-US" smtClean="0"/>
+              <a:rPr kumimoji="0" lang="en-US"/>
               <a:t>Click to edit Master text styles</a:t>
             </a:r>
           </a:p>
@@ -3421,7 +3389,7 @@
             <a:fld id="{5C2F51AC-1738-2043-BD99-BD04DC72ED2F}" type="datetimeFigureOut">
               <a:rPr lang="en-US" smtClean="0"/>
               <a:pPr/>
-              <a:t>14-Mar-18</a:t>
+              <a:t>3/19/18</a:t>
             </a:fld>
             <a:endParaRPr lang="en-US"/>
           </a:p>
@@ -3465,9 +3433,7 @@
         </p:style>
         <p:txBody>
           <a:bodyPr rtlCol="0" anchor="ctr"/>
-          <a:lstStyle>
-            <a:extLst/>
-          </a:lstStyle>
+          <a:lstStyle/>
           <a:p>
             <a:pPr algn="ctr" eaLnBrk="1" latinLnBrk="0" hangingPunct="1"/>
             <a:endParaRPr kumimoji="0" lang="en-US"/>
@@ -3512,9 +3478,7 @@
         </p:style>
         <p:txBody>
           <a:bodyPr rtlCol="0" anchor="ctr"/>
-          <a:lstStyle>
-            <a:extLst/>
-          </a:lstStyle>
+          <a:lstStyle/>
           <a:p>
             <a:pPr algn="ctr" eaLnBrk="1" latinLnBrk="0" hangingPunct="1"/>
             <a:endParaRPr kumimoji="0" lang="en-US"/>
@@ -3659,9 +3623,7 @@
         </p:style>
         <p:txBody>
           <a:bodyPr rtlCol="0" anchor="ctr"/>
-          <a:lstStyle>
-            <a:extLst/>
-          </a:lstStyle>
+          <a:lstStyle/>
           <a:p>
             <a:pPr algn="ctr" eaLnBrk="1" latinLnBrk="0" hangingPunct="1"/>
             <a:endParaRPr kumimoji="0" lang="en-US"/>
@@ -3706,9 +3668,7 @@
         </p:style>
         <p:txBody>
           <a:bodyPr rtlCol="0" anchor="ctr"/>
-          <a:lstStyle>
-            <a:extLst/>
-          </a:lstStyle>
+          <a:lstStyle/>
           <a:p>
             <a:pPr algn="ctr" eaLnBrk="1" latinLnBrk="0" hangingPunct="1"/>
             <a:endParaRPr kumimoji="0" lang="en-US"/>
@@ -3747,15 +3707,12 @@
               <a:bevelT w="50800" h="10160"/>
             </a:sp3d>
           </a:bodyPr>
-          <a:lstStyle>
-            <a:extLst/>
-          </a:lstStyle>
-          <a:p>
-            <a:r>
-              <a:rPr kumimoji="0" lang="en-US" smtClean="0"/>
+          <a:lstStyle/>
+          <a:p>
+            <a:r>
+              <a:rPr kumimoji="0" lang="en-US"/>
               <a:t>Click to edit Master title style</a:t>
             </a:r>
-            <a:endParaRPr kumimoji="0" lang="en-US"/>
           </a:p>
         </p:txBody>
       </p:sp>
@@ -3782,44 +3739,41 @@
           <a:bodyPr vert="horz" lIns="54864" tIns="91440" rtlCol="0">
             <a:normAutofit/>
           </a:bodyPr>
-          <a:lstStyle>
-            <a:extLst/>
-          </a:lstStyle>
+          <a:lstStyle/>
           <a:p>
             <a:pPr lvl="0" eaLnBrk="1" latinLnBrk="0" hangingPunct="1"/>
             <a:r>
-              <a:rPr kumimoji="0" lang="en-US" smtClean="0"/>
+              <a:rPr kumimoji="0" lang="en-US"/>
               <a:t>Click to edit Master text styles</a:t>
             </a:r>
           </a:p>
           <a:p>
             <a:pPr lvl="1" eaLnBrk="1" latinLnBrk="0" hangingPunct="1"/>
             <a:r>
-              <a:rPr kumimoji="0" lang="en-US" smtClean="0"/>
+              <a:rPr kumimoji="0" lang="en-US"/>
               <a:t>Second level</a:t>
             </a:r>
           </a:p>
           <a:p>
             <a:pPr lvl="2" eaLnBrk="1" latinLnBrk="0" hangingPunct="1"/>
             <a:r>
-              <a:rPr kumimoji="0" lang="en-US" smtClean="0"/>
+              <a:rPr kumimoji="0" lang="en-US"/>
               <a:t>Third level</a:t>
             </a:r>
           </a:p>
           <a:p>
             <a:pPr lvl="3" eaLnBrk="1" latinLnBrk="0" hangingPunct="1"/>
             <a:r>
-              <a:rPr kumimoji="0" lang="en-US" smtClean="0"/>
+              <a:rPr kumimoji="0" lang="en-US"/>
               <a:t>Fourth level</a:t>
             </a:r>
           </a:p>
           <a:p>
             <a:pPr lvl="4" eaLnBrk="1" latinLnBrk="0" hangingPunct="1"/>
             <a:r>
-              <a:rPr kumimoji="0" lang="en-US" smtClean="0"/>
+              <a:rPr kumimoji="0" lang="en-US"/>
               <a:t>Fifth level</a:t>
             </a:r>
-            <a:endParaRPr kumimoji="0" lang="en-US"/>
           </a:p>
         </p:txBody>
       </p:sp>
@@ -3860,7 +3814,7 @@
             <a:fld id="{5C2F51AC-1738-2043-BD99-BD04DC72ED2F}" type="datetimeFigureOut">
               <a:rPr lang="en-US" smtClean="0"/>
               <a:pPr/>
-              <a:t>14-Mar-18</a:t>
+              <a:t>3/19/18</a:t>
             </a:fld>
             <a:endParaRPr lang="en-US"/>
           </a:p>
@@ -4272,7 +4226,7 @@
           <p:cNvPr id="2" name="Title 1">
             <a:extLst>
               <a:ext uri="{FF2B5EF4-FFF2-40B4-BE49-F238E27FC236}">
-                <a16:creationId xmlns="" xmlns:a16="http://schemas.microsoft.com/office/drawing/2014/main" id="{AF56BDE6-AA9D-7443-9376-7BE56EF7133A}"/>
+                <a16:creationId xmlns:a16="http://schemas.microsoft.com/office/drawing/2014/main" id="{AF56BDE6-AA9D-7443-9376-7BE56EF7133A}"/>
               </a:ext>
             </a:extLst>
           </p:cNvPr>
@@ -4302,7 +4256,7 @@
           <p:cNvPr id="3" name="Subtitle 2">
             <a:extLst>
               <a:ext uri="{FF2B5EF4-FFF2-40B4-BE49-F238E27FC236}">
-                <a16:creationId xmlns="" xmlns:a16="http://schemas.microsoft.com/office/drawing/2014/main" id="{E620C57D-E61C-124C-BDDE-62F354581BE1}"/>
+                <a16:creationId xmlns:a16="http://schemas.microsoft.com/office/drawing/2014/main" id="{E620C57D-E61C-124C-BDDE-62F354581BE1}"/>
               </a:ext>
             </a:extLst>
           </p:cNvPr>
@@ -4334,7 +4288,7 @@
     </p:spTree>
     <p:extLst>
       <p:ext uri="{BB962C8B-B14F-4D97-AF65-F5344CB8AC3E}">
-        <p14:creationId xmlns="" xmlns:p14="http://schemas.microsoft.com/office/powerpoint/2010/main" val="2283591009"/>
+        <p14:creationId xmlns:p14="http://schemas.microsoft.com/office/powerpoint/2010/main" val="2283591009"/>
       </p:ext>
     </p:extLst>
   </p:cSld>
@@ -4363,10 +4317,128 @@
       </p:grpSpPr>
       <p:sp>
         <p:nvSpPr>
+          <p:cNvPr id="2" name="Title 1"/>
+          <p:cNvSpPr>
+            <a:spLocks noGrp="1"/>
+          </p:cNvSpPr>
+          <p:nvPr>
+            <p:ph type="title"/>
+          </p:nvPr>
+        </p:nvSpPr>
+        <p:spPr/>
+        <p:txBody>
+          <a:bodyPr/>
+          <a:lstStyle/>
+          <a:p>
+            <a:r>
+              <a:rPr lang="en-US" dirty="0"/>
+              <a:t>Demo</a:t>
+            </a:r>
+          </a:p>
+        </p:txBody>
+      </p:sp>
+      <p:pic>
+        <p:nvPicPr>
+          <p:cNvPr id="38914" name="Picture 2"/>
+          <p:cNvPicPr>
+            <a:picLocks noChangeAspect="1" noChangeArrowheads="1"/>
+          </p:cNvPicPr>
+          <p:nvPr/>
+        </p:nvPicPr>
+        <p:blipFill>
+          <a:blip r:embed="rId2"/>
+          <a:srcRect/>
+          <a:stretch>
+            <a:fillRect/>
+          </a:stretch>
+        </p:blipFill>
+        <p:spPr bwMode="auto">
+          <a:xfrm>
+            <a:off x="2991121" y="1682152"/>
+            <a:ext cx="5858979" cy="4917057"/>
+          </a:xfrm>
+          <a:prstGeom prst="rect">
+            <a:avLst/>
+          </a:prstGeom>
+          <a:ln w="6350">
+            <a:solidFill>
+              <a:schemeClr val="tx1"/>
+            </a:solidFill>
+          </a:ln>
+          <a:effectLst>
+            <a:outerShdw blurRad="292100" dist="139700" dir="2700000" algn="tl" rotWithShape="0">
+              <a:srgbClr val="333333">
+                <a:alpha val="65000"/>
+              </a:srgbClr>
+            </a:outerShdw>
+          </a:effectLst>
+        </p:spPr>
+      </p:pic>
+      <p:sp>
+        <p:nvSpPr>
+          <p:cNvPr id="5" name="Rectangle 4"/>
+          <p:cNvSpPr/>
+          <p:nvPr/>
+        </p:nvSpPr>
+        <p:spPr>
+          <a:xfrm>
+            <a:off x="5779698" y="946511"/>
+            <a:ext cx="6412302" cy="369332"/>
+          </a:xfrm>
+          <a:prstGeom prst="rect">
+            <a:avLst/>
+          </a:prstGeom>
+        </p:spPr>
+        <p:txBody>
+          <a:bodyPr wrap="square">
+            <a:spAutoFit/>
+          </a:bodyPr>
+          <a:lstStyle/>
+          <a:p>
+            <a:r>
+              <a:rPr lang="en-US" b="1" dirty="0">
+                <a:hlinkClick r:id="rId3"/>
+              </a:rPr>
+              <a:t>http://ammonsdatasolutions.com/projects/swe_632_tech_talk</a:t>
+            </a:r>
+            <a:r>
+              <a:rPr lang="en-US" b="1" dirty="0"/>
+              <a:t> </a:t>
+            </a:r>
+          </a:p>
+        </p:txBody>
+      </p:sp>
+    </p:spTree>
+  </p:cSld>
+  <p:clrMapOvr>
+    <a:masterClrMapping/>
+  </p:clrMapOvr>
+</p:sld>
+</file>
+
+<file path=ppt/slides/slide11.xml><?xml version="1.0" encoding="utf-8"?>
+<p:sld xmlns:a="http://schemas.openxmlformats.org/drawingml/2006/main" xmlns:r="http://schemas.openxmlformats.org/officeDocument/2006/relationships" xmlns:p="http://schemas.openxmlformats.org/presentationml/2006/main">
+  <p:cSld>
+    <p:spTree>
+      <p:nvGrpSpPr>
+        <p:cNvPr id="1" name=""/>
+        <p:cNvGrpSpPr/>
+        <p:nvPr/>
+      </p:nvGrpSpPr>
+      <p:grpSpPr>
+        <a:xfrm>
+          <a:off x="0" y="0"/>
+          <a:ext cx="0" cy="0"/>
+          <a:chOff x="0" y="0"/>
+          <a:chExt cx="0" cy="0"/>
+        </a:xfrm>
+      </p:grpSpPr>
+      <p:sp>
+        <p:nvSpPr>
           <p:cNvPr id="2" name="Title 1">
             <a:extLst>
               <a:ext uri="{FF2B5EF4-FFF2-40B4-BE49-F238E27FC236}">
-                <a16:creationId xmlns="" xmlns:a16="http://schemas.microsoft.com/office/drawing/2014/main" id="{2107DA4C-FA60-814D-9141-D8A5FE2EA7A5}"/>
+                <a16:creationId xmlns:a16="http://schemas.microsoft.com/office/drawing/2014/main" id="{6859FF66-1696-3047-9E70-47E82CF971C6}"/>
               </a:ext>
             </a:extLst>
           </p:cNvPr>
@@ -4384,13 +4456,267 @@
           <a:p>
             <a:r>
               <a:rPr lang="en-US" dirty="0"/>
-              <a:t>Comparison to other </a:t>
-            </a:r>
-            <a:r>
-              <a:rPr lang="en-US" dirty="0" smtClean="0"/>
-              <a:t>CSS frameworks</a:t>
-            </a:r>
-            <a:endParaRPr lang="en-US" dirty="0"/>
+              <a:t>Pros and Cons</a:t>
+            </a:r>
+          </a:p>
+        </p:txBody>
+      </p:sp>
+      <p:sp>
+        <p:nvSpPr>
+          <p:cNvPr id="3" name="Content Placeholder 2">
+            <a:extLst>
+              <a:ext uri="{FF2B5EF4-FFF2-40B4-BE49-F238E27FC236}">
+                <a16:creationId xmlns:a16="http://schemas.microsoft.com/office/drawing/2014/main" id="{82707A08-4548-1949-A67F-4D5F8E3F8256}"/>
+              </a:ext>
+            </a:extLst>
+          </p:cNvPr>
+          <p:cNvSpPr>
+            <a:spLocks noGrp="1"/>
+          </p:cNvSpPr>
+          <p:nvPr>
+            <p:ph idx="1"/>
+          </p:nvPr>
+        </p:nvSpPr>
+        <p:spPr>
+          <a:xfrm>
+            <a:off x="609600" y="1775192"/>
+            <a:ext cx="11734800" cy="4625609"/>
+          </a:xfrm>
+        </p:spPr>
+        <p:txBody>
+          <a:bodyPr>
+            <a:normAutofit fontScale="92500" lnSpcReduction="10000"/>
+          </a:bodyPr>
+          <a:lstStyle/>
+          <a:p>
+            <a:r>
+              <a:rPr lang="en-US" b="1" dirty="0"/>
+              <a:t>Pros</a:t>
+            </a:r>
+            <a:r>
+              <a:rPr lang="en-US" dirty="0"/>
+              <a:t>:</a:t>
+            </a:r>
+          </a:p>
+          <a:p>
+            <a:pPr lvl="1"/>
+            <a:r>
+              <a:rPr lang="en-US" dirty="0"/>
+              <a:t>Very small footprint</a:t>
+            </a:r>
+          </a:p>
+          <a:p>
+            <a:pPr lvl="1"/>
+            <a:r>
+              <a:rPr lang="en-US" dirty="0"/>
+              <a:t>Cross-browser compatibility </a:t>
+            </a:r>
+            <a:r>
+              <a:rPr lang="en-US" sz="2000" i="1" dirty="0"/>
+              <a:t>(Normalize.css)</a:t>
+            </a:r>
+            <a:endParaRPr lang="en-US" i="1" dirty="0"/>
+          </a:p>
+          <a:p>
+            <a:pPr lvl="1"/>
+            <a:r>
+              <a:rPr lang="en-US" dirty="0"/>
+              <a:t>Easily extended</a:t>
+            </a:r>
+          </a:p>
+          <a:p>
+            <a:pPr lvl="1"/>
+            <a:r>
+              <a:rPr lang="en-US" dirty="0"/>
+              <a:t>Plays nice with other frameworks like Bootstrap</a:t>
+            </a:r>
+          </a:p>
+          <a:p>
+            <a:pPr lvl="1"/>
+            <a:r>
+              <a:rPr lang="en-US" dirty="0"/>
+              <a:t>Installation via </a:t>
+            </a:r>
+            <a:r>
+              <a:rPr lang="en-US" dirty="0" err="1"/>
+              <a:t>npm</a:t>
+            </a:r>
+            <a:r>
+              <a:rPr lang="en-US" dirty="0"/>
+              <a:t>, bower, composure, or CDN</a:t>
+            </a:r>
+          </a:p>
+          <a:p>
+            <a:pPr lvl="1"/>
+            <a:endParaRPr lang="en-US" sz="1800" dirty="0"/>
+          </a:p>
+          <a:p>
+            <a:r>
+              <a:rPr lang="en-US" b="1" dirty="0"/>
+              <a:t>Cons</a:t>
+            </a:r>
+            <a:r>
+              <a:rPr lang="en-US" dirty="0"/>
+              <a:t>:</a:t>
+            </a:r>
+          </a:p>
+          <a:p>
+            <a:pPr lvl="1"/>
+            <a:r>
+              <a:rPr lang="en-US" dirty="0"/>
+              <a:t>Fewer features </a:t>
+            </a:r>
+            <a:r>
+              <a:rPr lang="en-US" dirty="0" err="1"/>
+              <a:t>vs</a:t>
+            </a:r>
+            <a:r>
+              <a:rPr lang="en-US" dirty="0"/>
+              <a:t> larger CSS frameworks </a:t>
+            </a:r>
+            <a:r>
+              <a:rPr lang="en-US" i="1" dirty="0"/>
+              <a:t>(focuses on min. functional feature set)</a:t>
+            </a:r>
+          </a:p>
+          <a:p>
+            <a:pPr lvl="1"/>
+            <a:r>
+              <a:rPr lang="en-US" dirty="0"/>
+              <a:t>Not suited for beginners </a:t>
+            </a:r>
+            <a:r>
+              <a:rPr lang="en-US" i="1" dirty="0"/>
+              <a:t>(no ready-access to multitude of styles)</a:t>
+            </a:r>
+          </a:p>
+        </p:txBody>
+      </p:sp>
+      <p:grpSp>
+        <p:nvGrpSpPr>
+          <p:cNvPr id="8" name="Group 7"/>
+          <p:cNvGrpSpPr/>
+          <p:nvPr/>
+        </p:nvGrpSpPr>
+        <p:grpSpPr>
+          <a:xfrm>
+            <a:off x="8068838" y="1659717"/>
+            <a:ext cx="3812852" cy="1695958"/>
+            <a:chOff x="6946242" y="2094120"/>
+            <a:chExt cx="3319192" cy="1476378"/>
+          </a:xfrm>
+        </p:grpSpPr>
+        <p:pic>
+          <p:nvPicPr>
+            <p:cNvPr id="15366" name="Picture 6" descr="Image result for pros and cons"/>
+            <p:cNvPicPr>
+              <a:picLocks noChangeAspect="1" noChangeArrowheads="1"/>
+            </p:cNvPicPr>
+            <p:nvPr/>
+          </p:nvPicPr>
+          <p:blipFill>
+            <a:blip r:embed="rId2"/>
+            <a:srcRect/>
+            <a:stretch>
+              <a:fillRect/>
+            </a:stretch>
+          </p:blipFill>
+          <p:spPr bwMode="auto">
+            <a:xfrm>
+              <a:off x="6946242" y="2094120"/>
+              <a:ext cx="3319192" cy="1476378"/>
+            </a:xfrm>
+            <a:prstGeom prst="rect">
+              <a:avLst/>
+            </a:prstGeom>
+            <a:noFill/>
+          </p:spPr>
+        </p:pic>
+        <p:sp>
+          <p:nvSpPr>
+            <p:cNvPr id="7" name="Rectangle 6"/>
+            <p:cNvSpPr/>
+            <p:nvPr/>
+          </p:nvSpPr>
+          <p:spPr>
+            <a:xfrm>
+              <a:off x="8436634" y="2665562"/>
+              <a:ext cx="365890" cy="348307"/>
+            </a:xfrm>
+            <a:prstGeom prst="rect">
+              <a:avLst/>
+            </a:prstGeom>
+          </p:spPr>
+          <p:txBody>
+            <a:bodyPr wrap="none">
+              <a:spAutoFit/>
+            </a:bodyPr>
+            <a:lstStyle/>
+            <a:p>
+              <a:r>
+                <a:rPr lang="en-US" sz="2000" b="1" dirty="0" err="1"/>
+                <a:t>vs</a:t>
+              </a:r>
+              <a:endParaRPr lang="en-US" b="1" dirty="0"/>
+            </a:p>
+          </p:txBody>
+        </p:sp>
+      </p:grpSp>
+    </p:spTree>
+    <p:extLst>
+      <p:ext uri="{BB962C8B-B14F-4D97-AF65-F5344CB8AC3E}">
+        <p14:creationId xmlns:p14="http://schemas.microsoft.com/office/powerpoint/2010/main" val="2836895410"/>
+      </p:ext>
+    </p:extLst>
+  </p:cSld>
+  <p:clrMapOvr>
+    <a:masterClrMapping/>
+  </p:clrMapOvr>
+</p:sld>
+</file>
+
+<file path=ppt/slides/slide12.xml><?xml version="1.0" encoding="utf-8"?>
+<p:sld xmlns:a="http://schemas.openxmlformats.org/drawingml/2006/main" xmlns:r="http://schemas.openxmlformats.org/officeDocument/2006/relationships" xmlns:p="http://schemas.openxmlformats.org/presentationml/2006/main">
+  <p:cSld>
+    <p:spTree>
+      <p:nvGrpSpPr>
+        <p:cNvPr id="1" name=""/>
+        <p:cNvGrpSpPr/>
+        <p:nvPr/>
+      </p:nvGrpSpPr>
+      <p:grpSpPr>
+        <a:xfrm>
+          <a:off x="0" y="0"/>
+          <a:ext cx="0" cy="0"/>
+          <a:chOff x="0" y="0"/>
+          <a:chExt cx="0" cy="0"/>
+        </a:xfrm>
+      </p:grpSpPr>
+      <p:sp>
+        <p:nvSpPr>
+          <p:cNvPr id="2" name="Title 1">
+            <a:extLst>
+              <a:ext uri="{FF2B5EF4-FFF2-40B4-BE49-F238E27FC236}">
+                <a16:creationId xmlns:a16="http://schemas.microsoft.com/office/drawing/2014/main" id="{2107DA4C-FA60-814D-9141-D8A5FE2EA7A5}"/>
+              </a:ext>
+            </a:extLst>
+          </p:cNvPr>
+          <p:cNvSpPr>
+            <a:spLocks noGrp="1"/>
+          </p:cNvSpPr>
+          <p:nvPr>
+            <p:ph type="title"/>
+          </p:nvPr>
+        </p:nvSpPr>
+        <p:spPr/>
+        <p:txBody>
+          <a:bodyPr/>
+          <a:lstStyle/>
+          <a:p>
+            <a:r>
+              <a:rPr lang="en-US" dirty="0"/>
+              <a:t>Comparison to other CSS frameworks</a:t>
+            </a:r>
           </a:p>
         </p:txBody>
       </p:sp>
@@ -4413,11 +4739,41 @@
                 <a:tableStyleId>{5C22544A-7EE6-4342-B048-85BDC9FD1C3A}</a:tableStyleId>
               </a:tblPr>
               <a:tblGrid>
-                <a:gridCol w="1885111"/>
-                <a:gridCol w="2173249"/>
-                <a:gridCol w="2029727"/>
-                <a:gridCol w="2029727"/>
-                <a:gridCol w="2029727"/>
+                <a:gridCol w="1885111">
+                  <a:extLst>
+                    <a:ext uri="{9D8B030D-6E8A-4147-A177-3AD203B41FA5}">
+                      <a16:colId xmlns:a16="http://schemas.microsoft.com/office/drawing/2014/main" val="20000"/>
+                    </a:ext>
+                  </a:extLst>
+                </a:gridCol>
+                <a:gridCol w="2173249">
+                  <a:extLst>
+                    <a:ext uri="{9D8B030D-6E8A-4147-A177-3AD203B41FA5}">
+                      <a16:colId xmlns:a16="http://schemas.microsoft.com/office/drawing/2014/main" val="20001"/>
+                    </a:ext>
+                  </a:extLst>
+                </a:gridCol>
+                <a:gridCol w="2029727">
+                  <a:extLst>
+                    <a:ext uri="{9D8B030D-6E8A-4147-A177-3AD203B41FA5}">
+                      <a16:colId xmlns:a16="http://schemas.microsoft.com/office/drawing/2014/main" val="20002"/>
+                    </a:ext>
+                  </a:extLst>
+                </a:gridCol>
+                <a:gridCol w="2029727">
+                  <a:extLst>
+                    <a:ext uri="{9D8B030D-6E8A-4147-A177-3AD203B41FA5}">
+                      <a16:colId xmlns:a16="http://schemas.microsoft.com/office/drawing/2014/main" val="20003"/>
+                    </a:ext>
+                  </a:extLst>
+                </a:gridCol>
+                <a:gridCol w="2029727">
+                  <a:extLst>
+                    <a:ext uri="{9D8B030D-6E8A-4147-A177-3AD203B41FA5}">
+                      <a16:colId xmlns:a16="http://schemas.microsoft.com/office/drawing/2014/main" val="20004"/>
+                    </a:ext>
+                  </a:extLst>
+                </a:gridCol>
               </a:tblGrid>
               <a:tr h="477711">
                 <a:tc>
@@ -4426,10 +4782,9 @@
                     <a:lstStyle/>
                     <a:p>
                       <a:r>
-                        <a:rPr lang="en-US" b="1" dirty="0" smtClean="0"/>
+                        <a:rPr lang="en-US" b="1" dirty="0"/>
                         <a:t>Metric</a:t>
                       </a:r>
-                      <a:endParaRPr lang="en-US" b="1" dirty="0"/>
                     </a:p>
                   </a:txBody>
                   <a:tcPr/>
@@ -4441,7 +4796,7 @@
                     <a:p>
                       <a:pPr algn="ctr"/>
                       <a:r>
-                        <a:rPr lang="en-US" i="1" dirty="0" err="1" smtClean="0"/>
+                        <a:rPr lang="en-US" i="1" dirty="0" err="1"/>
                         <a:t>PureCSS</a:t>
                       </a:r>
                       <a:endParaRPr lang="en-US" i="1" dirty="0"/>
@@ -4456,10 +4811,9 @@
                     <a:p>
                       <a:pPr algn="ctr"/>
                       <a:r>
-                        <a:rPr lang="en-US" dirty="0" smtClean="0"/>
+                        <a:rPr lang="en-US" dirty="0"/>
                         <a:t>Bootstrap</a:t>
                       </a:r>
-                      <a:endParaRPr lang="en-US" dirty="0"/>
                     </a:p>
                   </a:txBody>
                   <a:tcPr/>
@@ -4487,7 +4841,7 @@
                         <a:defRPr/>
                       </a:pPr>
                       <a:r>
-                        <a:rPr lang="en-US" dirty="0" smtClean="0"/>
+                        <a:rPr lang="en-US" dirty="0"/>
                         <a:t>Foundation</a:t>
                       </a:r>
                     </a:p>
@@ -4517,13 +4871,18 @@
                         <a:defRPr/>
                       </a:pPr>
                       <a:r>
-                        <a:rPr lang="en-US" dirty="0" smtClean="0"/>
+                        <a:rPr lang="en-US" dirty="0"/>
                         <a:t>Materialize</a:t>
                       </a:r>
                     </a:p>
                   </a:txBody>
                   <a:tcPr/>
                 </a:tc>
+                <a:extLst>
+                  <a:ext uri="{0D108BD9-81ED-4DB2-BD59-A6C34878D82A}">
+                    <a16:rowId xmlns:a16="http://schemas.microsoft.com/office/drawing/2014/main" val="10000"/>
+                  </a:ext>
+                </a:extLst>
               </a:tr>
               <a:tr h="572882">
                 <a:tc>
@@ -4532,31 +4891,31 @@
                     <a:lstStyle/>
                     <a:p>
                       <a:r>
-                        <a:rPr lang="en-US" b="1" dirty="0" smtClean="0"/>
+                        <a:rPr lang="en-US" b="1" dirty="0"/>
                         <a:t>Size </a:t>
                       </a:r>
                       <a:r>
-                        <a:rPr lang="en-US" sz="1200" b="1" i="1" dirty="0" smtClean="0"/>
+                        <a:rPr lang="en-US" sz="1200" b="1" i="1" dirty="0"/>
                         <a:t>(no</a:t>
                       </a:r>
                       <a:r>
-                        <a:rPr lang="en-US" sz="1200" b="1" i="1" baseline="0" dirty="0" smtClean="0"/>
+                        <a:rPr lang="en-US" sz="1200" b="1" i="1" baseline="0" dirty="0"/>
                         <a:t> </a:t>
                       </a:r>
                       <a:r>
-                        <a:rPr lang="en-US" sz="1200" b="1" i="1" dirty="0" err="1" smtClean="0"/>
+                        <a:rPr lang="en-US" sz="1200" b="1" i="1" dirty="0" err="1"/>
                         <a:t>minif</a:t>
                       </a:r>
                       <a:r>
-                        <a:rPr lang="en-US" sz="1200" b="1" i="1" dirty="0" smtClean="0"/>
+                        <a:rPr lang="en-US" sz="1200" b="1" i="1" dirty="0"/>
                         <a:t>/</a:t>
                       </a:r>
                       <a:r>
-                        <a:rPr lang="en-US" sz="1200" b="1" i="1" dirty="0" err="1" smtClean="0"/>
+                        <a:rPr lang="en-US" sz="1200" b="1" i="1" dirty="0" err="1"/>
                         <a:t>gzip</a:t>
                       </a:r>
                       <a:r>
-                        <a:rPr lang="en-US" sz="1200" b="1" i="1" dirty="0" smtClean="0"/>
+                        <a:rPr lang="en-US" sz="1200" b="1" i="1" dirty="0"/>
                         <a:t>)</a:t>
                       </a:r>
                       <a:endParaRPr lang="en-US" b="1" i="1" dirty="0"/>
@@ -4571,18 +4930,18 @@
                     <a:p>
                       <a:pPr algn="ctr"/>
                       <a:r>
-                        <a:rPr lang="en-US" i="1" dirty="0" smtClean="0"/>
+                        <a:rPr lang="en-US" i="1" dirty="0"/>
                         <a:t>Small</a:t>
                       </a:r>
                       <a:r>
-                        <a:rPr lang="en-US" i="1" baseline="0" dirty="0" smtClean="0"/>
+                        <a:rPr lang="en-US" i="1" baseline="0" dirty="0"/>
                         <a:t> </a:t>
                       </a:r>
                     </a:p>
                     <a:p>
                       <a:pPr algn="ctr"/>
                       <a:r>
-                        <a:rPr lang="en-US" sz="1600" i="1" dirty="0" smtClean="0"/>
+                        <a:rPr lang="en-US" sz="1600" i="1" dirty="0"/>
                         <a:t>(~80KB)</a:t>
                       </a:r>
                       <a:endParaRPr lang="en-US" i="1" dirty="0"/>
@@ -4597,14 +4956,14 @@
                     <a:p>
                       <a:pPr algn="ctr"/>
                       <a:r>
-                        <a:rPr lang="en-US" dirty="0" smtClean="0"/>
+                        <a:rPr lang="en-US" dirty="0"/>
                         <a:t>Large </a:t>
                       </a:r>
                     </a:p>
                     <a:p>
                       <a:pPr algn="ctr"/>
                       <a:r>
-                        <a:rPr lang="en-US" sz="1600" dirty="0" smtClean="0"/>
+                        <a:rPr lang="en-US" sz="1600" dirty="0"/>
                         <a:t>(~300KB)</a:t>
                       </a:r>
                       <a:endParaRPr lang="en-US" dirty="0"/>
@@ -4619,18 +4978,18 @@
                     <a:p>
                       <a:pPr algn="ctr"/>
                       <a:r>
-                        <a:rPr lang="en-US" dirty="0" smtClean="0"/>
+                        <a:rPr lang="en-US" dirty="0"/>
                         <a:t>Extreme</a:t>
                       </a:r>
                     </a:p>
                     <a:p>
                       <a:pPr algn="ctr"/>
                       <a:r>
-                        <a:rPr lang="en-US" sz="1600" dirty="0" smtClean="0"/>
+                        <a:rPr lang="en-US" sz="1600" dirty="0"/>
                         <a:t>(&gt;</a:t>
                       </a:r>
                       <a:r>
-                        <a:rPr lang="en-US" sz="1600" baseline="0" dirty="0" smtClean="0"/>
+                        <a:rPr lang="en-US" sz="1600" baseline="0" dirty="0"/>
                         <a:t> 500KB)</a:t>
                       </a:r>
                       <a:endParaRPr lang="en-US" sz="1600" dirty="0"/>
@@ -4661,7 +5020,7 @@
                         <a:defRPr/>
                       </a:pPr>
                       <a:r>
-                        <a:rPr lang="en-US" dirty="0" smtClean="0"/>
+                        <a:rPr lang="en-US" dirty="0"/>
                         <a:t>Very Large </a:t>
                       </a:r>
                     </a:p>
@@ -4684,21 +5043,26 @@
                         <a:defRPr/>
                       </a:pPr>
                       <a:r>
-                        <a:rPr lang="en-US" sz="1600" dirty="0" smtClean="0"/>
+                        <a:rPr lang="en-US" sz="1600" dirty="0"/>
                         <a:t>(&gt;</a:t>
                       </a:r>
                       <a:r>
-                        <a:rPr lang="en-US" sz="1600" baseline="0" dirty="0" smtClean="0"/>
+                        <a:rPr lang="en-US" sz="1600" baseline="0" dirty="0"/>
                         <a:t> </a:t>
                       </a:r>
                       <a:r>
-                        <a:rPr lang="en-US" sz="1600" dirty="0" smtClean="0"/>
+                        <a:rPr lang="en-US" sz="1600" dirty="0"/>
                         <a:t>300KB w/o fonts)</a:t>
                       </a:r>
                     </a:p>
                   </a:txBody>
                   <a:tcPr anchor="ctr"/>
                 </a:tc>
+                <a:extLst>
+                  <a:ext uri="{0D108BD9-81ED-4DB2-BD59-A6C34878D82A}">
+                    <a16:rowId xmlns:a16="http://schemas.microsoft.com/office/drawing/2014/main" val="10001"/>
+                  </a:ext>
+                </a:extLst>
               </a:tr>
               <a:tr h="572882">
                 <a:tc>
@@ -4707,10 +5071,9 @@
                     <a:lstStyle/>
                     <a:p>
                       <a:r>
-                        <a:rPr lang="en-US" b="1" dirty="0" smtClean="0"/>
+                        <a:rPr lang="en-US" b="1" dirty="0"/>
                         <a:t>Complexity /  Learning Curve</a:t>
                       </a:r>
-                      <a:endParaRPr lang="en-US" b="1" dirty="0"/>
                     </a:p>
                   </a:txBody>
                   <a:tcPr anchor="ctr"/>
@@ -4722,10 +5085,9 @@
                     <a:p>
                       <a:pPr algn="ctr"/>
                       <a:r>
-                        <a:rPr lang="en-US" i="1" dirty="0" smtClean="0"/>
+                        <a:rPr lang="en-US" i="1" dirty="0"/>
                         <a:t>Low</a:t>
                       </a:r>
-                      <a:endParaRPr lang="en-US" i="1" dirty="0"/>
                     </a:p>
                   </a:txBody>
                   <a:tcPr anchor="ctr"/>
@@ -4737,10 +5099,9 @@
                     <a:p>
                       <a:pPr algn="ctr"/>
                       <a:r>
-                        <a:rPr lang="en-US" dirty="0" smtClean="0"/>
+                        <a:rPr lang="en-US" dirty="0"/>
                         <a:t>Medium</a:t>
                       </a:r>
-                      <a:endParaRPr lang="en-US" dirty="0"/>
                     </a:p>
                   </a:txBody>
                   <a:tcPr anchor="ctr"/>
@@ -4752,10 +5113,9 @@
                     <a:p>
                       <a:pPr algn="ctr"/>
                       <a:r>
-                        <a:rPr lang="en-US" dirty="0" smtClean="0"/>
+                        <a:rPr lang="en-US" dirty="0"/>
                         <a:t>Low-Medium</a:t>
                       </a:r>
-                      <a:endParaRPr lang="en-US" dirty="0"/>
                     </a:p>
                   </a:txBody>
                   <a:tcPr anchor="ctr"/>
@@ -4767,14 +5127,18 @@
                     <a:p>
                       <a:pPr algn="ctr"/>
                       <a:r>
-                        <a:rPr lang="en-US" dirty="0" smtClean="0"/>
+                        <a:rPr lang="en-US" dirty="0"/>
                         <a:t>Low-Medium</a:t>
                       </a:r>
-                      <a:endParaRPr lang="en-US" dirty="0"/>
                     </a:p>
                   </a:txBody>
                   <a:tcPr anchor="ctr"/>
                 </a:tc>
+                <a:extLst>
+                  <a:ext uri="{0D108BD9-81ED-4DB2-BD59-A6C34878D82A}">
+                    <a16:rowId xmlns:a16="http://schemas.microsoft.com/office/drawing/2014/main" val="10002"/>
+                  </a:ext>
+                </a:extLst>
               </a:tr>
               <a:tr h="572882">
                 <a:tc>
@@ -4783,16 +5147,15 @@
                     <a:lstStyle/>
                     <a:p>
                       <a:r>
-                        <a:rPr lang="en-US" b="1" dirty="0" smtClean="0"/>
+                        <a:rPr lang="en-US" b="1" dirty="0"/>
                         <a:t>Extendibility /</a:t>
                       </a:r>
                     </a:p>
                     <a:p>
                       <a:r>
-                        <a:rPr lang="en-US" b="1" dirty="0" smtClean="0"/>
+                        <a:rPr lang="en-US" b="1" dirty="0"/>
                         <a:t>Customizability</a:t>
                       </a:r>
-                      <a:endParaRPr lang="en-US" b="1" dirty="0"/>
                     </a:p>
                   </a:txBody>
                   <a:tcPr anchor="ctr"/>
@@ -4804,10 +5167,9 @@
                     <a:p>
                       <a:pPr algn="ctr"/>
                       <a:r>
-                        <a:rPr lang="en-US" i="1" dirty="0" smtClean="0"/>
+                        <a:rPr lang="en-US" i="1" dirty="0"/>
                         <a:t>Extreme</a:t>
                       </a:r>
-                      <a:endParaRPr lang="en-US" i="1" dirty="0"/>
                     </a:p>
                   </a:txBody>
                   <a:tcPr anchor="ctr"/>
@@ -4819,10 +5181,9 @@
                     <a:p>
                       <a:pPr algn="ctr"/>
                       <a:r>
-                        <a:rPr lang="en-US" dirty="0" smtClean="0"/>
+                        <a:rPr lang="en-US" dirty="0"/>
                         <a:t>Medium-High</a:t>
                       </a:r>
-                      <a:endParaRPr lang="en-US" dirty="0"/>
                     </a:p>
                   </a:txBody>
                   <a:tcPr anchor="ctr"/>
@@ -4834,10 +5195,9 @@
                     <a:p>
                       <a:pPr algn="ctr"/>
                       <a:r>
-                        <a:rPr lang="en-US" dirty="0" smtClean="0"/>
+                        <a:rPr lang="en-US" dirty="0"/>
                         <a:t>Very high</a:t>
                       </a:r>
-                      <a:endParaRPr lang="en-US" dirty="0"/>
                     </a:p>
                   </a:txBody>
                   <a:tcPr anchor="ctr"/>
@@ -4849,14 +5209,18 @@
                     <a:p>
                       <a:pPr algn="ctr"/>
                       <a:r>
-                        <a:rPr lang="en-US" dirty="0" smtClean="0"/>
+                        <a:rPr lang="en-US" dirty="0"/>
                         <a:t>Low</a:t>
                       </a:r>
-                      <a:endParaRPr lang="en-US" dirty="0"/>
                     </a:p>
                   </a:txBody>
                   <a:tcPr anchor="ctr"/>
                 </a:tc>
+                <a:extLst>
+                  <a:ext uri="{0D108BD9-81ED-4DB2-BD59-A6C34878D82A}">
+                    <a16:rowId xmlns:a16="http://schemas.microsoft.com/office/drawing/2014/main" val="10003"/>
+                  </a:ext>
+                </a:extLst>
               </a:tr>
               <a:tr h="572882">
                 <a:tc>
@@ -4865,11 +5229,11 @@
                     <a:lstStyle/>
                     <a:p>
                       <a:r>
-                        <a:rPr lang="en-US" b="1" dirty="0" smtClean="0"/>
+                        <a:rPr lang="en-US" b="1" dirty="0"/>
                         <a:t>Support</a:t>
                       </a:r>
                       <a:r>
-                        <a:rPr lang="en-US" b="1" baseline="0" dirty="0" smtClean="0"/>
+                        <a:rPr lang="en-US" b="1" baseline="0" dirty="0"/>
                         <a:t> and Documentation</a:t>
                       </a:r>
                       <a:endParaRPr lang="en-US" b="1" dirty="0"/>
@@ -4884,10 +5248,9 @@
                     <a:p>
                       <a:pPr algn="ctr"/>
                       <a:r>
-                        <a:rPr lang="en-US" i="1" dirty="0" smtClean="0"/>
+                        <a:rPr lang="en-US" i="1" dirty="0"/>
                         <a:t>Simple, minimal</a:t>
                       </a:r>
-                      <a:endParaRPr lang="en-US" i="1" dirty="0"/>
                     </a:p>
                   </a:txBody>
                   <a:tcPr anchor="ctr"/>
@@ -4899,10 +5262,9 @@
                     <a:p>
                       <a:pPr algn="ctr"/>
                       <a:r>
-                        <a:rPr lang="en-US" dirty="0" smtClean="0"/>
+                        <a:rPr lang="en-US" dirty="0"/>
                         <a:t>Extensive</a:t>
                       </a:r>
-                      <a:endParaRPr lang="en-US" dirty="0"/>
                     </a:p>
                   </a:txBody>
                   <a:tcPr anchor="ctr"/>
@@ -4914,10 +5276,9 @@
                     <a:p>
                       <a:pPr algn="ctr"/>
                       <a:r>
-                        <a:rPr lang="en-US" dirty="0" smtClean="0"/>
+                        <a:rPr lang="en-US" dirty="0"/>
                         <a:t>Good</a:t>
                       </a:r>
-                      <a:endParaRPr lang="en-US" dirty="0"/>
                     </a:p>
                   </a:txBody>
                   <a:tcPr anchor="ctr"/>
@@ -4929,14 +5290,18 @@
                     <a:p>
                       <a:pPr algn="ctr"/>
                       <a:r>
-                        <a:rPr lang="en-US" dirty="0" smtClean="0"/>
+                        <a:rPr lang="en-US" dirty="0"/>
                         <a:t>Good</a:t>
                       </a:r>
-                      <a:endParaRPr lang="en-US" dirty="0"/>
                     </a:p>
                   </a:txBody>
                   <a:tcPr anchor="ctr"/>
                 </a:tc>
+                <a:extLst>
+                  <a:ext uri="{0D108BD9-81ED-4DB2-BD59-A6C34878D82A}">
+                    <a16:rowId xmlns:a16="http://schemas.microsoft.com/office/drawing/2014/main" val="10004"/>
+                  </a:ext>
+                </a:extLst>
               </a:tr>
               <a:tr h="572882">
                 <a:tc>
@@ -4945,10 +5310,9 @@
                     <a:lstStyle/>
                     <a:p>
                       <a:r>
-                        <a:rPr lang="en-US" b="1" dirty="0" smtClean="0"/>
+                        <a:rPr lang="en-US" b="1" dirty="0"/>
                         <a:t>Popularity</a:t>
                       </a:r>
-                      <a:endParaRPr lang="en-US" b="1" dirty="0"/>
                     </a:p>
                   </a:txBody>
                   <a:tcPr anchor="ctr"/>
@@ -4960,18 +5324,18 @@
                     <a:p>
                       <a:pPr algn="ctr"/>
                       <a:r>
-                        <a:rPr lang="en-US" i="1" dirty="0" smtClean="0"/>
+                        <a:rPr lang="en-US" i="1" dirty="0"/>
                         <a:t>Medium</a:t>
                       </a:r>
                     </a:p>
                     <a:p>
                       <a:pPr algn="ctr"/>
                       <a:r>
-                        <a:rPr lang="en-US" i="1" dirty="0" smtClean="0"/>
+                        <a:rPr lang="en-US" i="1" dirty="0"/>
                         <a:t>(~18K</a:t>
                       </a:r>
                       <a:r>
-                        <a:rPr lang="en-US" i="1" baseline="0" dirty="0" smtClean="0"/>
+                        <a:rPr lang="en-US" i="1" baseline="0" dirty="0"/>
                         <a:t> GH stars)</a:t>
                       </a:r>
                       <a:endParaRPr lang="en-US" i="1" dirty="0"/>
@@ -4986,25 +5350,24 @@
                     <a:p>
                       <a:pPr algn="ctr"/>
                       <a:r>
-                        <a:rPr lang="en-US" dirty="0" smtClean="0"/>
+                        <a:rPr lang="en-US" dirty="0"/>
                         <a:t>Very high</a:t>
                       </a:r>
                     </a:p>
                     <a:p>
                       <a:pPr algn="ctr"/>
                       <a:r>
-                        <a:rPr lang="en-US" dirty="0" smtClean="0"/>
+                        <a:rPr lang="en-US" dirty="0"/>
                         <a:t>(~123K</a:t>
                       </a:r>
                       <a:r>
-                        <a:rPr lang="en-US" baseline="0" dirty="0" smtClean="0"/>
+                        <a:rPr lang="en-US" baseline="0" dirty="0"/>
                         <a:t> GH stars</a:t>
                       </a:r>
                       <a:r>
-                        <a:rPr lang="en-US" dirty="0" smtClean="0"/>
+                        <a:rPr lang="en-US" dirty="0"/>
                         <a:t>)</a:t>
                       </a:r>
-                      <a:endParaRPr lang="en-US" dirty="0"/>
                     </a:p>
                   </a:txBody>
                   <a:tcPr anchor="ctr"/>
@@ -5016,17 +5379,16 @@
                     <a:p>
                       <a:pPr algn="ctr"/>
                       <a:r>
-                        <a:rPr lang="en-US" dirty="0" smtClean="0"/>
+                        <a:rPr lang="en-US" dirty="0"/>
                         <a:t>High</a:t>
                       </a:r>
                     </a:p>
                     <a:p>
                       <a:pPr algn="ctr"/>
                       <a:r>
-                        <a:rPr lang="en-US" dirty="0" smtClean="0"/>
+                        <a:rPr lang="en-US" dirty="0"/>
                         <a:t>(~30K GH stars)</a:t>
                       </a:r>
-                      <a:endParaRPr lang="en-US" dirty="0"/>
                     </a:p>
                   </a:txBody>
                   <a:tcPr anchor="ctr"/>
@@ -5038,21 +5400,25 @@
                     <a:p>
                       <a:pPr algn="ctr"/>
                       <a:r>
-                        <a:rPr lang="en-US" dirty="0" smtClean="0"/>
+                        <a:rPr lang="en-US" dirty="0"/>
                         <a:t>High </a:t>
                       </a:r>
                     </a:p>
                     <a:p>
                       <a:pPr algn="ctr"/>
                       <a:r>
-                        <a:rPr lang="en-US" dirty="0" smtClean="0"/>
+                        <a:rPr lang="en-US" dirty="0"/>
                         <a:t>(~32K GH stars)</a:t>
                       </a:r>
-                      <a:endParaRPr lang="en-US" dirty="0"/>
                     </a:p>
                   </a:txBody>
                   <a:tcPr anchor="ctr"/>
                 </a:tc>
+                <a:extLst>
+                  <a:ext uri="{0D108BD9-81ED-4DB2-BD59-A6C34878D82A}">
+                    <a16:rowId xmlns:a16="http://schemas.microsoft.com/office/drawing/2014/main" val="10005"/>
+                  </a:ext>
+                </a:extLst>
               </a:tr>
               <a:tr h="572882">
                 <a:tc>
@@ -5061,10 +5427,9 @@
                     <a:lstStyle/>
                     <a:p>
                       <a:r>
-                        <a:rPr lang="en-US" b="1" dirty="0" smtClean="0"/>
+                        <a:rPr lang="en-US" b="1" dirty="0"/>
                         <a:t>Feature set</a:t>
                       </a:r>
-                      <a:endParaRPr lang="en-US" b="1" dirty="0"/>
                     </a:p>
                   </a:txBody>
                   <a:tcPr anchor="ctr"/>
@@ -5076,27 +5441,27 @@
                     <a:p>
                       <a:pPr algn="ctr"/>
                       <a:r>
-                        <a:rPr lang="en-US" i="1" dirty="0" smtClean="0"/>
+                        <a:rPr lang="en-US" i="1" dirty="0"/>
                         <a:t>Minimal:</a:t>
                       </a:r>
                       <a:r>
-                        <a:rPr lang="en-US" i="1" baseline="0" dirty="0" smtClean="0"/>
+                        <a:rPr lang="en-US" i="1" baseline="0" dirty="0"/>
                         <a:t> </a:t>
                       </a:r>
                       <a:r>
-                        <a:rPr lang="en-US" i="1" dirty="0" smtClean="0"/>
+                        <a:rPr lang="en-US" i="1" dirty="0"/>
                         <a:t>all</a:t>
                       </a:r>
                       <a:r>
-                        <a:rPr lang="en-US" i="1" baseline="0" dirty="0" smtClean="0"/>
+                        <a:rPr lang="en-US" i="1" baseline="0" dirty="0"/>
                         <a:t> </a:t>
                       </a:r>
                       <a:r>
-                        <a:rPr lang="en-US" i="1" baseline="0" dirty="0" err="1" smtClean="0"/>
+                        <a:rPr lang="en-US" i="1" baseline="0" dirty="0" err="1"/>
                         <a:t>req’d</a:t>
                       </a:r>
                       <a:r>
-                        <a:rPr lang="en-US" i="1" baseline="0" dirty="0" smtClean="0"/>
+                        <a:rPr lang="en-US" i="1" baseline="0" dirty="0"/>
                         <a:t> basics, no JS</a:t>
                       </a:r>
                       <a:endParaRPr lang="en-US" i="1" dirty="0"/>
@@ -5111,10 +5476,9 @@
                     <a:p>
                       <a:pPr algn="ctr"/>
                       <a:r>
-                        <a:rPr lang="en-US" dirty="0" smtClean="0"/>
+                        <a:rPr lang="en-US" dirty="0"/>
                         <a:t>Large</a:t>
                       </a:r>
-                      <a:endParaRPr lang="en-US" dirty="0"/>
                     </a:p>
                   </a:txBody>
                   <a:tcPr anchor="ctr"/>
@@ -5126,10 +5490,9 @@
                     <a:p>
                       <a:pPr algn="ctr"/>
                       <a:r>
-                        <a:rPr lang="en-US" dirty="0" smtClean="0"/>
+                        <a:rPr lang="en-US" dirty="0"/>
                         <a:t>Very extensive</a:t>
                       </a:r>
-                      <a:endParaRPr lang="en-US" dirty="0"/>
                     </a:p>
                   </a:txBody>
                   <a:tcPr anchor="ctr"/>
@@ -5141,7 +5504,7 @@
                     <a:p>
                       <a:pPr algn="ctr"/>
                       <a:r>
-                        <a:rPr lang="en-US" baseline="0" dirty="0" smtClean="0"/>
+                        <a:rPr lang="en-US" baseline="0" dirty="0"/>
                         <a:t>Extensive</a:t>
                       </a:r>
                       <a:endParaRPr lang="en-US" dirty="0"/>
@@ -5149,6 +5512,11 @@
                   </a:txBody>
                   <a:tcPr anchor="ctr"/>
                 </a:tc>
+                <a:extLst>
+                  <a:ext uri="{0D108BD9-81ED-4DB2-BD59-A6C34878D82A}">
+                    <a16:rowId xmlns:a16="http://schemas.microsoft.com/office/drawing/2014/main" val="10006"/>
+                  </a:ext>
+                </a:extLst>
               </a:tr>
             </a:tbl>
           </a:graphicData>
@@ -5273,7 +5641,7 @@
     </p:spTree>
     <p:extLst>
       <p:ext uri="{BB962C8B-B14F-4D97-AF65-F5344CB8AC3E}">
-        <p14:creationId xmlns="" xmlns:p14="http://schemas.microsoft.com/office/powerpoint/2010/main" val="487972692"/>
+        <p14:creationId xmlns:p14="http://schemas.microsoft.com/office/powerpoint/2010/main" val="487972692"/>
       </p:ext>
     </p:extLst>
   </p:cSld>
@@ -5283,7 +5651,7 @@
 </p:sld>
 </file>
 
-<file path=ppt/slides/slide11.xml><?xml version="1.0" encoding="utf-8"?>
+<file path=ppt/slides/slide13.xml><?xml version="1.0" encoding="utf-8"?>
 <p:sld xmlns:a="http://schemas.openxmlformats.org/drawingml/2006/main" xmlns:r="http://schemas.openxmlformats.org/officeDocument/2006/relationships" xmlns:p="http://schemas.openxmlformats.org/presentationml/2006/main">
   <p:cSld>
     <p:spTree>
@@ -5302,130 +5670,10 @@
       </p:grpSpPr>
       <p:sp>
         <p:nvSpPr>
-          <p:cNvPr id="2" name="Title 1"/>
-          <p:cNvSpPr>
-            <a:spLocks noGrp="1"/>
-          </p:cNvSpPr>
-          <p:nvPr>
-            <p:ph type="title"/>
-          </p:nvPr>
-        </p:nvSpPr>
-        <p:spPr/>
-        <p:txBody>
-          <a:bodyPr/>
-          <a:lstStyle/>
-          <a:p>
-            <a:r>
-              <a:rPr lang="en-US" dirty="0" smtClean="0"/>
-              <a:t>Demo</a:t>
-            </a:r>
-            <a:endParaRPr lang="en-US" dirty="0"/>
-          </a:p>
-        </p:txBody>
-      </p:sp>
-      <p:pic>
-        <p:nvPicPr>
-          <p:cNvPr id="38914" name="Picture 2"/>
-          <p:cNvPicPr>
-            <a:picLocks noChangeAspect="1" noChangeArrowheads="1"/>
-          </p:cNvPicPr>
-          <p:nvPr/>
-        </p:nvPicPr>
-        <p:blipFill>
-          <a:blip r:embed="rId2"/>
-          <a:srcRect/>
-          <a:stretch>
-            <a:fillRect/>
-          </a:stretch>
-        </p:blipFill>
-        <p:spPr bwMode="auto">
-          <a:xfrm>
-            <a:off x="2991121" y="1682152"/>
-            <a:ext cx="5858979" cy="4917057"/>
-          </a:xfrm>
-          <a:prstGeom prst="rect">
-            <a:avLst/>
-          </a:prstGeom>
-          <a:ln w="6350">
-            <a:solidFill>
-              <a:schemeClr val="tx1"/>
-            </a:solidFill>
-          </a:ln>
-          <a:effectLst>
-            <a:outerShdw blurRad="292100" dist="139700" dir="2700000" algn="tl" rotWithShape="0">
-              <a:srgbClr val="333333">
-                <a:alpha val="65000"/>
-              </a:srgbClr>
-            </a:outerShdw>
-          </a:effectLst>
-        </p:spPr>
-      </p:pic>
-      <p:sp>
-        <p:nvSpPr>
-          <p:cNvPr id="5" name="Rectangle 4"/>
-          <p:cNvSpPr/>
-          <p:nvPr/>
-        </p:nvSpPr>
-        <p:spPr>
-          <a:xfrm>
-            <a:off x="5779698" y="946511"/>
-            <a:ext cx="6412302" cy="369332"/>
-          </a:xfrm>
-          <a:prstGeom prst="rect">
-            <a:avLst/>
-          </a:prstGeom>
-        </p:spPr>
-        <p:txBody>
-          <a:bodyPr wrap="square">
-            <a:spAutoFit/>
-          </a:bodyPr>
-          <a:lstStyle/>
-          <a:p>
-            <a:r>
-              <a:rPr lang="en-US" b="1" dirty="0" smtClean="0">
-                <a:hlinkClick r:id="rId3"/>
-              </a:rPr>
-              <a:t>http://ammonsdatasolutions.com/projects/swe_632_tech_talk</a:t>
-            </a:r>
-            <a:r>
-              <a:rPr lang="en-US" b="1" dirty="0" smtClean="0"/>
-              <a:t> </a:t>
-            </a:r>
-            <a:endParaRPr lang="en-US" b="1" dirty="0"/>
-          </a:p>
-        </p:txBody>
-      </p:sp>
-    </p:spTree>
-  </p:cSld>
-  <p:clrMapOvr>
-    <a:masterClrMapping/>
-  </p:clrMapOvr>
-</p:sld>
-</file>
-
-<file path=ppt/slides/slide12.xml><?xml version="1.0" encoding="utf-8"?>
-<p:sld xmlns:a="http://schemas.openxmlformats.org/drawingml/2006/main" xmlns:r="http://schemas.openxmlformats.org/officeDocument/2006/relationships" xmlns:p="http://schemas.openxmlformats.org/presentationml/2006/main">
-  <p:cSld>
-    <p:spTree>
-      <p:nvGrpSpPr>
-        <p:cNvPr id="1" name=""/>
-        <p:cNvGrpSpPr/>
-        <p:nvPr/>
-      </p:nvGrpSpPr>
-      <p:grpSpPr>
-        <a:xfrm>
-          <a:off x="0" y="0"/>
-          <a:ext cx="0" cy="0"/>
-          <a:chOff x="0" y="0"/>
-          <a:chExt cx="0" cy="0"/>
-        </a:xfrm>
-      </p:grpSpPr>
-      <p:sp>
-        <p:nvSpPr>
           <p:cNvPr id="2" name="Title 1">
             <a:extLst>
               <a:ext uri="{FF2B5EF4-FFF2-40B4-BE49-F238E27FC236}">
-                <a16:creationId xmlns="" xmlns:a16="http://schemas.microsoft.com/office/drawing/2014/main" id="{26A81BBF-6FA6-2548-9AB0-2294C54AA705}"/>
+                <a16:creationId xmlns:a16="http://schemas.microsoft.com/office/drawing/2014/main" id="{26A81BBF-6FA6-2548-9AB0-2294C54AA705}"/>
               </a:ext>
             </a:extLst>
           </p:cNvPr>
@@ -5453,7 +5701,7 @@
           <p:cNvPr id="3" name="Content Placeholder 2">
             <a:extLst>
               <a:ext uri="{FF2B5EF4-FFF2-40B4-BE49-F238E27FC236}">
-                <a16:creationId xmlns="" xmlns:a16="http://schemas.microsoft.com/office/drawing/2014/main" id="{DEDA2CCA-E03C-E548-BCEF-ECB070299086}"/>
+                <a16:creationId xmlns:a16="http://schemas.microsoft.com/office/drawing/2014/main" id="{DEDA2CCA-E03C-E548-BCEF-ECB070299086}"/>
               </a:ext>
             </a:extLst>
           </p:cNvPr>
@@ -5477,19 +5725,13 @@
               <a:rPr lang="en-US" dirty="0">
                 <a:hlinkClick r:id="rId2"/>
               </a:rPr>
-              <a:t>https://</a:t>
-            </a:r>
-            <a:r>
-              <a:rPr lang="en-US" dirty="0" smtClean="0">
-                <a:hlinkClick r:id="rId2"/>
-              </a:rPr>
-              <a:t>purecss.io/layouts</a:t>
+              <a:t>https://purecss.io/layouts</a:t>
             </a:r>
             <a:endParaRPr lang="en-US" dirty="0"/>
           </a:p>
           <a:p>
             <a:r>
-              <a:rPr lang="en-US" dirty="0" err="1" smtClean="0"/>
+              <a:rPr lang="en-US" dirty="0" err="1"/>
               <a:t>GitHub</a:t>
             </a:r>
             <a:r>
@@ -5500,13 +5742,7 @@
               <a:rPr lang="en-US" dirty="0">
                 <a:hlinkClick r:id="rId3"/>
               </a:rPr>
-              <a:t>https://</a:t>
-            </a:r>
-            <a:r>
-              <a:rPr lang="en-US" dirty="0" smtClean="0">
-                <a:hlinkClick r:id="rId3"/>
-              </a:rPr>
-              <a:t>github.com/pure-css/pure</a:t>
+              <a:t>https://github.com/pure-css/pure</a:t>
             </a:r>
             <a:endParaRPr lang="en-US" dirty="0"/>
           </a:p>
@@ -5519,13 +5755,7 @@
               <a:rPr lang="en-US" dirty="0">
                 <a:hlinkClick r:id="rId4"/>
               </a:rPr>
-              <a:t>http://</a:t>
-            </a:r>
-            <a:r>
-              <a:rPr lang="en-US" dirty="0" smtClean="0">
-                <a:hlinkClick r:id="rId4"/>
-              </a:rPr>
-              <a:t>blog.purecss.io</a:t>
+              <a:t>http://blog.purecss.io</a:t>
             </a:r>
             <a:endParaRPr lang="en-US" dirty="0"/>
           </a:p>
@@ -5538,13 +5768,7 @@
               <a:rPr lang="en-US" dirty="0">
                 <a:hlinkClick r:id="rId5"/>
               </a:rPr>
-              <a:t>https://</a:t>
-            </a:r>
-            <a:r>
-              <a:rPr lang="en-US" dirty="0" smtClean="0">
-                <a:hlinkClick r:id="rId5"/>
-              </a:rPr>
-              <a:t>smacss.com</a:t>
+              <a:t>https://smacss.com</a:t>
             </a:r>
             <a:endParaRPr lang="en-US" dirty="0"/>
           </a:p>
@@ -5552,7 +5776,7 @@
             <a:pPr marL="0" indent="0">
               <a:buNone/>
             </a:pPr>
-            <a:endParaRPr lang="en-US" dirty="0" smtClean="0"/>
+            <a:endParaRPr lang="en-US" dirty="0"/>
           </a:p>
           <a:p>
             <a:pPr lvl="1">
@@ -5564,18 +5788,18 @@
             <a:pPr lvl="1">
               <a:buNone/>
             </a:pPr>
-            <a:endParaRPr lang="en-US" sz="1600" b="1" dirty="0" smtClean="0"/>
+            <a:endParaRPr lang="en-US" sz="1600" b="1" dirty="0"/>
           </a:p>
           <a:p>
             <a:pPr lvl="1">
               <a:buNone/>
             </a:pPr>
             <a:r>
-              <a:rPr lang="en-US" b="1" dirty="0" smtClean="0"/>
+              <a:rPr lang="en-US" b="1" dirty="0"/>
               <a:t>				 		</a:t>
             </a:r>
             <a:r>
-              <a:rPr lang="en-US" sz="3600" b="1" dirty="0" smtClean="0"/>
+              <a:rPr lang="en-US" sz="3600" b="1" dirty="0"/>
               <a:t>QUESTIONS?</a:t>
             </a:r>
             <a:endParaRPr lang="en-US" b="1" dirty="0"/>
@@ -5651,7 +5875,7 @@
     </p:spTree>
     <p:extLst>
       <p:ext uri="{BB962C8B-B14F-4D97-AF65-F5344CB8AC3E}">
-        <p14:creationId xmlns="" xmlns:p14="http://schemas.microsoft.com/office/powerpoint/2010/main" val="2171569107"/>
+        <p14:creationId xmlns:p14="http://schemas.microsoft.com/office/powerpoint/2010/main" val="2171569107"/>
       </p:ext>
     </p:extLst>
   </p:cSld>
@@ -5683,7 +5907,7 @@
           <p:cNvPr id="2" name="Title 1">
             <a:extLst>
               <a:ext uri="{FF2B5EF4-FFF2-40B4-BE49-F238E27FC236}">
-                <a16:creationId xmlns="" xmlns:a16="http://schemas.microsoft.com/office/drawing/2014/main" id="{4B9EAB72-62DF-874C-98AE-FBA4C0BFB269}"/>
+                <a16:creationId xmlns:a16="http://schemas.microsoft.com/office/drawing/2014/main" id="{4B9EAB72-62DF-874C-98AE-FBA4C0BFB269}"/>
               </a:ext>
             </a:extLst>
           </p:cNvPr>
@@ -5711,7 +5935,7 @@
           <p:cNvPr id="3" name="Content Placeholder 2">
             <a:extLst>
               <a:ext uri="{FF2B5EF4-FFF2-40B4-BE49-F238E27FC236}">
-                <a16:creationId xmlns="" xmlns:a16="http://schemas.microsoft.com/office/drawing/2014/main" id="{4B6FCBD5-97C6-964E-B036-1ADB3EAC1DAE}"/>
+                <a16:creationId xmlns:a16="http://schemas.microsoft.com/office/drawing/2014/main" id="{4B6FCBD5-97C6-964E-B036-1ADB3EAC1DAE}"/>
               </a:ext>
             </a:extLst>
           </p:cNvPr>
@@ -5742,13 +5966,7 @@
               <a:rPr lang="en-US" sz="2800" dirty="0">
                 <a:hlinkClick r:id="rId3"/>
               </a:rPr>
-              <a:t>https://</a:t>
-            </a:r>
-            <a:r>
-              <a:rPr lang="en-US" sz="2800" dirty="0" smtClean="0">
-                <a:hlinkClick r:id="rId3"/>
-              </a:rPr>
-              <a:t>purecss.io</a:t>
+              <a:t>https://purecss.io</a:t>
             </a:r>
             <a:endParaRPr lang="en-US" sz="2800" dirty="0"/>
           </a:p>
@@ -5756,37 +5974,19 @@
             <a:pPr lvl="1"/>
             <a:r>
               <a:rPr lang="en-US" sz="2400" dirty="0"/>
-              <a:t>Developed at </a:t>
-            </a:r>
-            <a:r>
-              <a:rPr lang="en-US" sz="2400" dirty="0" smtClean="0"/>
-              <a:t>Yahoo!</a:t>
-            </a:r>
-            <a:endParaRPr lang="en-US" sz="2400" dirty="0"/>
+              <a:t>Developed at Yahoo!</a:t>
+            </a:r>
           </a:p>
           <a:p>
             <a:pPr lvl="1"/>
             <a:r>
               <a:rPr lang="en-US" sz="2400" dirty="0"/>
-              <a:t>Open </a:t>
-            </a:r>
-            <a:r>
-              <a:rPr lang="en-US" sz="2400" dirty="0" smtClean="0"/>
-              <a:t>source: </a:t>
-            </a:r>
-            <a:r>
-              <a:rPr lang="en-US" sz="2400" i="1" dirty="0" smtClean="0"/>
-              <a:t>Yahoo</a:t>
+              <a:t>Open source: </a:t>
             </a:r>
             <a:r>
               <a:rPr lang="en-US" sz="2400" i="1" dirty="0"/>
-              <a:t>! Inc. </a:t>
-            </a:r>
-            <a:r>
-              <a:rPr lang="en-US" sz="2400" i="1" dirty="0" smtClean="0"/>
-              <a:t>BSD license</a:t>
-            </a:r>
-            <a:endParaRPr lang="en-US" sz="2400" i="1" dirty="0"/>
+              <a:t>Yahoo! Inc. BSD license</a:t>
+            </a:r>
           </a:p>
           <a:p>
             <a:r>
@@ -5797,19 +5997,15 @@
           <a:p>
             <a:pPr lvl="1"/>
             <a:r>
-              <a:rPr lang="en-US" sz="2400" b="1" dirty="0" smtClean="0"/>
-              <a:t>~</a:t>
-            </a:r>
-            <a:r>
-              <a:rPr lang="en-US" sz="2400" b="1" dirty="0" smtClean="0"/>
-              <a:t>4</a:t>
-            </a:r>
-            <a:r>
-              <a:rPr lang="en-US" sz="2000" b="1" dirty="0" smtClean="0"/>
+              <a:rPr lang="en-US" sz="2400" b="1" dirty="0"/>
+              <a:t>~4</a:t>
+            </a:r>
+            <a:r>
+              <a:rPr lang="en-US" sz="2000" b="1" dirty="0"/>
               <a:t>KB</a:t>
             </a:r>
             <a:r>
-              <a:rPr lang="en-US" sz="2400" b="1" dirty="0" smtClean="0"/>
+              <a:rPr lang="en-US" sz="2400" b="1" dirty="0"/>
               <a:t> </a:t>
             </a:r>
             <a:r>
@@ -5817,10 +6013,10 @@
               <a:t>minified &amp; </a:t>
             </a:r>
             <a:r>
-              <a:rPr lang="en-US" sz="2400" dirty="0" err="1" smtClean="0"/>
+              <a:rPr lang="en-US" sz="2400" dirty="0" err="1"/>
               <a:t>gzipped</a:t>
             </a:r>
-            <a:endParaRPr lang="en-US" sz="2400" dirty="0" smtClean="0"/>
+            <a:endParaRPr lang="en-US" sz="2400" dirty="0"/>
           </a:p>
           <a:p>
             <a:pPr lvl="1">
@@ -5830,53 +6026,41 @@
           </a:p>
           <a:p>
             <a:r>
-              <a:rPr lang="en-US" sz="2800" dirty="0" smtClean="0"/>
+              <a:rPr lang="en-US" sz="2800" dirty="0"/>
               <a:t>Mobile-first</a:t>
             </a:r>
-            <a:endParaRPr lang="en-US" sz="600" dirty="0" smtClean="0"/>
-          </a:p>
-          <a:p>
-            <a:r>
-              <a:rPr lang="en-US" sz="2800" dirty="0" smtClean="0"/>
+            <a:endParaRPr lang="en-US" sz="600" dirty="0"/>
+          </a:p>
+          <a:p>
+            <a:r>
+              <a:rPr lang="en-US" sz="2800" dirty="0"/>
               <a:t>No JavaScript needed</a:t>
             </a:r>
           </a:p>
           <a:p>
             <a:r>
-              <a:rPr lang="en-US" sz="2800" dirty="0" err="1" smtClean="0"/>
+              <a:rPr lang="en-US" sz="2800" dirty="0" err="1"/>
               <a:t>GitHub</a:t>
             </a:r>
             <a:r>
-              <a:rPr lang="en-US" sz="2800" dirty="0" smtClean="0"/>
+              <a:rPr lang="en-US" sz="2800" dirty="0"/>
               <a:t> popularity</a:t>
             </a:r>
           </a:p>
           <a:p>
             <a:pPr lvl="1"/>
             <a:r>
-              <a:rPr lang="en-US" sz="2400" b="1" dirty="0" smtClean="0"/>
-              <a:t>&gt; 18,000 </a:t>
-            </a:r>
-            <a:r>
-              <a:rPr lang="en-US" sz="2400" b="1" dirty="0" smtClean="0"/>
-              <a:t>s</a:t>
-            </a:r>
-            <a:r>
-              <a:rPr lang="en-US" sz="2400" b="1" dirty="0" smtClean="0"/>
-              <a:t>tars</a:t>
+              <a:rPr lang="en-US" sz="2400" b="1" dirty="0"/>
+              <a:t>&gt; 18,000 stars</a:t>
             </a:r>
           </a:p>
           <a:p>
             <a:pPr lvl="1"/>
             <a:r>
-              <a:rPr lang="en-US" sz="2400" b="1" dirty="0" smtClean="0"/>
-              <a:t>&gt; </a:t>
-            </a:r>
-            <a:r>
-              <a:rPr lang="en-US" sz="2400" b="1" dirty="0" smtClean="0"/>
-              <a:t>2,000 forks</a:t>
-            </a:r>
-            <a:endParaRPr lang="en-US" sz="2400" dirty="0" smtClean="0"/>
+              <a:rPr lang="en-US" sz="2400" b="1" dirty="0"/>
+              <a:t>&gt; 2,000 forks</a:t>
+            </a:r>
+            <a:endParaRPr lang="en-US" sz="2400" dirty="0"/>
           </a:p>
         </p:txBody>
       </p:sp>
@@ -6151,7 +6335,7 @@
     </p:spTree>
     <p:extLst>
       <p:ext uri="{BB962C8B-B14F-4D97-AF65-F5344CB8AC3E}">
-        <p14:creationId xmlns="" xmlns:p14="http://schemas.microsoft.com/office/powerpoint/2010/main" val="2377193226"/>
+        <p14:creationId xmlns:p14="http://schemas.microsoft.com/office/powerpoint/2010/main" val="2377193226"/>
       </p:ext>
     </p:extLst>
   </p:cSld>
@@ -6183,7 +6367,7 @@
           <p:cNvPr id="2" name="Title 1">
             <a:extLst>
               <a:ext uri="{FF2B5EF4-FFF2-40B4-BE49-F238E27FC236}">
-                <a16:creationId xmlns="" xmlns:a16="http://schemas.microsoft.com/office/drawing/2014/main" id="{EB08D3B5-14CD-3B47-8E50-2A2BEAFA128F}"/>
+                <a16:creationId xmlns:a16="http://schemas.microsoft.com/office/drawing/2014/main" id="{EB08D3B5-14CD-3B47-8E50-2A2BEAFA128F}"/>
               </a:ext>
             </a:extLst>
           </p:cNvPr>
@@ -6211,7 +6395,7 @@
           <p:cNvPr id="3" name="Content Placeholder 2">
             <a:extLst>
               <a:ext uri="{FF2B5EF4-FFF2-40B4-BE49-F238E27FC236}">
-                <a16:creationId xmlns="" xmlns:a16="http://schemas.microsoft.com/office/drawing/2014/main" id="{3517BAD1-D04D-3C45-A9B9-C2CD5241AA54}"/>
+                <a16:creationId xmlns:a16="http://schemas.microsoft.com/office/drawing/2014/main" id="{3517BAD1-D04D-3C45-A9B9-C2CD5241AA54}"/>
               </a:ext>
             </a:extLst>
           </p:cNvPr>
@@ -6266,18 +6450,14 @@
           <a:p>
             <a:pPr lvl="1"/>
             <a:r>
-              <a:rPr lang="en-US" i="1" dirty="0" smtClean="0"/>
-              <a:t>Uses Categories of </a:t>
-            </a:r>
-            <a:r>
-              <a:rPr lang="en-US" i="1" dirty="0" smtClean="0"/>
-              <a:t>Rules:</a:t>
+              <a:rPr lang="en-US" i="1" dirty="0"/>
+              <a:t>Uses Categories of Rules:</a:t>
             </a:r>
           </a:p>
           <a:p>
             <a:pPr lvl="2"/>
             <a:r>
-              <a:rPr lang="en-US" b="1" dirty="0" smtClean="0"/>
+              <a:rPr lang="en-US" b="1" dirty="0"/>
               <a:t>Base </a:t>
             </a:r>
             <a:r>
@@ -6325,7 +6505,7 @@
               <a:t>Theme </a:t>
             </a:r>
             <a:r>
-              <a:rPr lang="en-US" dirty="0" smtClean="0"/>
+              <a:rPr lang="en-US" dirty="0"/>
               <a:t>Rules</a:t>
             </a:r>
           </a:p>
@@ -6347,19 +6527,19 @@
             </a:r>
             <a:r>
               <a:rPr lang="en-US" dirty="0"/>
-              <a:t> – CSS </a:t>
-            </a:r>
-            <a:r>
-              <a:rPr lang="en-US" dirty="0" smtClean="0"/>
-              <a:t>reset</a:t>
+              <a:t> – CSS reset</a:t>
+            </a:r>
+          </a:p>
+          <a:p>
+            <a:r>
+              <a:rPr lang="en-US" dirty="0"/>
+              <a:t>Pure Layout Rules: Grid, fixed </a:t>
+            </a:r>
+            <a:r>
+              <a:rPr lang="en-US"/>
+              <a:t>and responsive</a:t>
             </a:r>
             <a:endParaRPr lang="en-US" dirty="0"/>
-          </a:p>
-          <a:p>
-            <a:r>
-              <a:rPr lang="en-US" dirty="0"/>
-              <a:t>Pure Layout Rules: Grid</a:t>
-            </a:r>
           </a:p>
           <a:p>
             <a:r>
@@ -6417,16 +6597,10 @@
           <a:lstStyle/>
           <a:p>
             <a:r>
-              <a:rPr lang="en-US" dirty="0" smtClean="0">
+              <a:rPr lang="en-US" dirty="0">
                 <a:hlinkClick r:id="rId3"/>
               </a:rPr>
-              <a:t>https://</a:t>
-            </a:r>
-            <a:r>
-              <a:rPr lang="en-US" dirty="0" smtClean="0">
-                <a:hlinkClick r:id="rId3"/>
-              </a:rPr>
-              <a:t>smacss.com</a:t>
+              <a:t>https://smacss.com</a:t>
             </a:r>
             <a:endParaRPr lang="en-US" dirty="0"/>
           </a:p>
@@ -6435,7 +6609,7 @@
     </p:spTree>
     <p:extLst>
       <p:ext uri="{BB962C8B-B14F-4D97-AF65-F5344CB8AC3E}">
-        <p14:creationId xmlns="" xmlns:p14="http://schemas.microsoft.com/office/powerpoint/2010/main" val="2209903663"/>
+        <p14:creationId xmlns:p14="http://schemas.microsoft.com/office/powerpoint/2010/main" val="2209903663"/>
       </p:ext>
     </p:extLst>
   </p:cSld>
@@ -6467,7 +6641,7 @@
           <p:cNvPr id="2" name="Title 1">
             <a:extLst>
               <a:ext uri="{FF2B5EF4-FFF2-40B4-BE49-F238E27FC236}">
-                <a16:creationId xmlns="" xmlns:a16="http://schemas.microsoft.com/office/drawing/2014/main" id="{FC13A0CC-3266-8A4D-84C0-01CD149821D1}"/>
+                <a16:creationId xmlns:a16="http://schemas.microsoft.com/office/drawing/2014/main" id="{DE18EAE7-24FA-7D44-8A9F-6D175D7CE4E4}"/>
               </a:ext>
             </a:extLst>
           </p:cNvPr>
@@ -6485,7 +6659,7 @@
           <a:p>
             <a:r>
               <a:rPr lang="en-US" dirty="0"/>
-              <a:t>Grids</a:t>
+              <a:t>Naming Convention</a:t>
             </a:r>
           </a:p>
         </p:txBody>
@@ -6495,7 +6669,453 @@
           <p:cNvPr id="3" name="Content Placeholder 2">
             <a:extLst>
               <a:ext uri="{FF2B5EF4-FFF2-40B4-BE49-F238E27FC236}">
-                <a16:creationId xmlns="" xmlns:a16="http://schemas.microsoft.com/office/drawing/2014/main" id="{A1621560-55AB-744A-91E9-93F91A64EF39}"/>
+                <a16:creationId xmlns:a16="http://schemas.microsoft.com/office/drawing/2014/main" id="{A63F996D-9651-CD4D-A726-4941C2C62431}"/>
+              </a:ext>
+            </a:extLst>
+          </p:cNvPr>
+          <p:cNvSpPr>
+            <a:spLocks noGrp="1"/>
+          </p:cNvSpPr>
+          <p:nvPr>
+            <p:ph idx="1"/>
+          </p:nvPr>
+        </p:nvSpPr>
+        <p:spPr/>
+        <p:txBody>
+          <a:bodyPr>
+            <a:normAutofit fontScale="92500"/>
+          </a:bodyPr>
+          <a:lstStyle/>
+          <a:p>
+            <a:r>
+              <a:rPr lang="en-US" dirty="0"/>
+              <a:t>Class name format: </a:t>
+            </a:r>
+            <a:r>
+              <a:rPr lang="en-US" sz="2400" b="1" dirty="0">
+                <a:latin typeface="Consolas" pitchFamily="49" charset="0"/>
+                <a:cs typeface="Courier New" pitchFamily="49" charset="0"/>
+              </a:rPr>
+              <a:t>&lt;</a:t>
+            </a:r>
+            <a:r>
+              <a:rPr lang="en-US" sz="2400" b="1" dirty="0">
+                <a:solidFill>
+                  <a:schemeClr val="accent2">
+                    <a:lumMod val="50000"/>
+                  </a:schemeClr>
+                </a:solidFill>
+                <a:latin typeface="Consolas" pitchFamily="49" charset="0"/>
+                <a:cs typeface="Courier New" pitchFamily="49" charset="0"/>
+              </a:rPr>
+              <a:t>framework</a:t>
+            </a:r>
+            <a:r>
+              <a:rPr lang="en-US" sz="2400" b="1" dirty="0">
+                <a:latin typeface="Consolas" pitchFamily="49" charset="0"/>
+                <a:cs typeface="Courier New" pitchFamily="49" charset="0"/>
+              </a:rPr>
+              <a:t>&gt;-&lt;</a:t>
+            </a:r>
+            <a:r>
+              <a:rPr lang="en-US" sz="2400" b="1" dirty="0">
+                <a:solidFill>
+                  <a:schemeClr val="accent3">
+                    <a:lumMod val="50000"/>
+                  </a:schemeClr>
+                </a:solidFill>
+                <a:latin typeface="Consolas" pitchFamily="49" charset="0"/>
+                <a:cs typeface="Courier New" pitchFamily="49" charset="0"/>
+              </a:rPr>
+              <a:t>module</a:t>
+            </a:r>
+            <a:r>
+              <a:rPr lang="en-US" sz="2400" b="1" dirty="0">
+                <a:latin typeface="Consolas" pitchFamily="49" charset="0"/>
+                <a:cs typeface="Courier New" pitchFamily="49" charset="0"/>
+              </a:rPr>
+              <a:t>&gt;(-&lt;</a:t>
+            </a:r>
+            <a:r>
+              <a:rPr lang="en-US" sz="2400" b="1" dirty="0">
+                <a:solidFill>
+                  <a:schemeClr val="accent4">
+                    <a:lumMod val="50000"/>
+                  </a:schemeClr>
+                </a:solidFill>
+                <a:latin typeface="Consolas" pitchFamily="49" charset="0"/>
+                <a:cs typeface="Courier New" pitchFamily="49" charset="0"/>
+              </a:rPr>
+              <a:t>specialization</a:t>
+            </a:r>
+            <a:r>
+              <a:rPr lang="en-US" sz="2400" b="1" dirty="0">
+                <a:latin typeface="Consolas" pitchFamily="49" charset="0"/>
+                <a:cs typeface="Courier New" pitchFamily="49" charset="0"/>
+              </a:rPr>
+              <a:t>&gt;)</a:t>
+            </a:r>
+          </a:p>
+          <a:p>
+            <a:r>
+              <a:rPr lang="en-US" dirty="0"/>
+              <a:t>All classes prefixed with </a:t>
+            </a:r>
+            <a:r>
+              <a:rPr lang="en-US" sz="2400" b="1" dirty="0">
+                <a:solidFill>
+                  <a:schemeClr val="accent2">
+                    <a:lumMod val="50000"/>
+                  </a:schemeClr>
+                </a:solidFill>
+                <a:latin typeface="Consolas" pitchFamily="49" charset="0"/>
+                <a:cs typeface="Courier New" pitchFamily="49" charset="0"/>
+              </a:rPr>
+              <a:t>pure</a:t>
+            </a:r>
+            <a:r>
+              <a:rPr lang="en-US" sz="2400" b="1" dirty="0">
+                <a:latin typeface="Consolas" pitchFamily="49" charset="0"/>
+                <a:cs typeface="Courier New" pitchFamily="49" charset="0"/>
+              </a:rPr>
+              <a:t>-*</a:t>
+            </a:r>
+          </a:p>
+          <a:p>
+            <a:r>
+              <a:rPr lang="en-US" dirty="0"/>
+              <a:t>Followed by module name: </a:t>
+            </a:r>
+            <a:r>
+              <a:rPr lang="en-US" sz="2400" b="1" dirty="0">
+                <a:solidFill>
+                  <a:schemeClr val="accent2">
+                    <a:lumMod val="50000"/>
+                  </a:schemeClr>
+                </a:solidFill>
+                <a:latin typeface="Consolas" pitchFamily="49" charset="0"/>
+                <a:cs typeface="Courier New" pitchFamily="49" charset="0"/>
+              </a:rPr>
+              <a:t>pure</a:t>
+            </a:r>
+            <a:r>
+              <a:rPr lang="en-US" sz="2400" b="1" dirty="0">
+                <a:latin typeface="Consolas" pitchFamily="49" charset="0"/>
+                <a:cs typeface="Courier New" pitchFamily="49" charset="0"/>
+              </a:rPr>
+              <a:t>-</a:t>
+            </a:r>
+            <a:r>
+              <a:rPr lang="en-US" sz="2400" b="1" dirty="0">
+                <a:solidFill>
+                  <a:schemeClr val="accent3">
+                    <a:lumMod val="50000"/>
+                  </a:schemeClr>
+                </a:solidFill>
+                <a:latin typeface="Consolas" pitchFamily="49" charset="0"/>
+                <a:cs typeface="Courier New" pitchFamily="49" charset="0"/>
+              </a:rPr>
+              <a:t>table</a:t>
+            </a:r>
+            <a:r>
+              <a:rPr lang="en-US" dirty="0"/>
+              <a:t>, </a:t>
+            </a:r>
+            <a:r>
+              <a:rPr lang="en-US" sz="2400" b="1" dirty="0">
+                <a:solidFill>
+                  <a:schemeClr val="accent2">
+                    <a:lumMod val="50000"/>
+                  </a:schemeClr>
+                </a:solidFill>
+                <a:latin typeface="Consolas" pitchFamily="49" charset="0"/>
+                <a:cs typeface="Courier New" pitchFamily="49" charset="0"/>
+              </a:rPr>
+              <a:t>pure</a:t>
+            </a:r>
+            <a:r>
+              <a:rPr lang="en-US" sz="2400" b="1" dirty="0">
+                <a:latin typeface="Consolas" pitchFamily="49" charset="0"/>
+                <a:cs typeface="Courier New" pitchFamily="49" charset="0"/>
+              </a:rPr>
+              <a:t>-</a:t>
+            </a:r>
+            <a:r>
+              <a:rPr lang="en-US" sz="2400" b="1" dirty="0">
+                <a:solidFill>
+                  <a:schemeClr val="accent3">
+                    <a:lumMod val="50000"/>
+                  </a:schemeClr>
+                </a:solidFill>
+                <a:latin typeface="Consolas" pitchFamily="49" charset="0"/>
+                <a:cs typeface="Courier New" pitchFamily="49" charset="0"/>
+              </a:rPr>
+              <a:t>button</a:t>
+            </a:r>
+            <a:endParaRPr lang="en-US" dirty="0"/>
+          </a:p>
+          <a:p>
+            <a:r>
+              <a:rPr lang="en-US" dirty="0"/>
+              <a:t>Specializations: </a:t>
+            </a:r>
+            <a:r>
+              <a:rPr lang="en-US" sz="2400" b="1" dirty="0">
+                <a:solidFill>
+                  <a:schemeClr val="accent2">
+                    <a:lumMod val="50000"/>
+                  </a:schemeClr>
+                </a:solidFill>
+                <a:latin typeface="Consolas" pitchFamily="49" charset="0"/>
+                <a:cs typeface="Courier New" pitchFamily="49" charset="0"/>
+              </a:rPr>
+              <a:t>pure</a:t>
+            </a:r>
+            <a:r>
+              <a:rPr lang="en-US" sz="2400" b="1" dirty="0">
+                <a:latin typeface="Consolas" pitchFamily="49" charset="0"/>
+                <a:cs typeface="Courier New" pitchFamily="49" charset="0"/>
+              </a:rPr>
+              <a:t>-</a:t>
+            </a:r>
+            <a:r>
+              <a:rPr lang="en-US" sz="2400" b="1" dirty="0">
+                <a:solidFill>
+                  <a:schemeClr val="accent3">
+                    <a:lumMod val="50000"/>
+                  </a:schemeClr>
+                </a:solidFill>
+                <a:latin typeface="Consolas" pitchFamily="49" charset="0"/>
+                <a:cs typeface="Courier New" pitchFamily="49" charset="0"/>
+              </a:rPr>
+              <a:t>table</a:t>
+            </a:r>
+            <a:r>
+              <a:rPr lang="en-US" sz="2400" b="1" dirty="0">
+                <a:latin typeface="Consolas" pitchFamily="49" charset="0"/>
+                <a:cs typeface="Courier New" pitchFamily="49" charset="0"/>
+              </a:rPr>
+              <a:t>-</a:t>
+            </a:r>
+            <a:r>
+              <a:rPr lang="en-US" sz="2400" b="1" dirty="0">
+                <a:solidFill>
+                  <a:schemeClr val="accent4">
+                    <a:lumMod val="50000"/>
+                  </a:schemeClr>
+                </a:solidFill>
+                <a:latin typeface="Consolas" pitchFamily="49" charset="0"/>
+                <a:cs typeface="Courier New" pitchFamily="49" charset="0"/>
+              </a:rPr>
+              <a:t>bordered</a:t>
+            </a:r>
+            <a:r>
+              <a:rPr lang="en-US" dirty="0"/>
+              <a:t>, </a:t>
+            </a:r>
+            <a:r>
+              <a:rPr lang="en-US" sz="2400" b="1" dirty="0">
+                <a:solidFill>
+                  <a:schemeClr val="accent2">
+                    <a:lumMod val="50000"/>
+                  </a:schemeClr>
+                </a:solidFill>
+                <a:latin typeface="Consolas" pitchFamily="49" charset="0"/>
+                <a:cs typeface="Courier New" pitchFamily="49" charset="0"/>
+              </a:rPr>
+              <a:t>pure</a:t>
+            </a:r>
+            <a:r>
+              <a:rPr lang="en-US" sz="2400" b="1" dirty="0">
+                <a:latin typeface="Consolas" pitchFamily="49" charset="0"/>
+                <a:cs typeface="Courier New" pitchFamily="49" charset="0"/>
+              </a:rPr>
+              <a:t>-</a:t>
+            </a:r>
+            <a:r>
+              <a:rPr lang="en-US" sz="2400" b="1" dirty="0">
+                <a:solidFill>
+                  <a:schemeClr val="accent3">
+                    <a:lumMod val="50000"/>
+                  </a:schemeClr>
+                </a:solidFill>
+                <a:latin typeface="Consolas" pitchFamily="49" charset="0"/>
+                <a:cs typeface="Courier New" pitchFamily="49" charset="0"/>
+              </a:rPr>
+              <a:t>button</a:t>
+            </a:r>
+            <a:r>
+              <a:rPr lang="en-US" sz="2400" b="1" dirty="0">
+                <a:latin typeface="Consolas" pitchFamily="49" charset="0"/>
+                <a:cs typeface="Courier New" pitchFamily="49" charset="0"/>
+              </a:rPr>
+              <a:t>-</a:t>
+            </a:r>
+            <a:r>
+              <a:rPr lang="en-US" sz="2400" b="1" dirty="0">
+                <a:solidFill>
+                  <a:schemeClr val="accent4">
+                    <a:lumMod val="50000"/>
+                  </a:schemeClr>
+                </a:solidFill>
+                <a:latin typeface="Consolas" pitchFamily="49" charset="0"/>
+                <a:cs typeface="Courier New" pitchFamily="49" charset="0"/>
+              </a:rPr>
+              <a:t>primary</a:t>
+            </a:r>
+          </a:p>
+          <a:p>
+            <a:r>
+              <a:rPr lang="en-US" dirty="0"/>
+              <a:t>Include both module class and specialization class</a:t>
+            </a:r>
+          </a:p>
+          <a:p>
+            <a:r>
+              <a:rPr lang="en-US" dirty="0"/>
+              <a:t>Examples:</a:t>
+            </a:r>
+          </a:p>
+          <a:p>
+            <a:pPr lvl="1"/>
+            <a:r>
+              <a:rPr lang="en-US" sz="3000" dirty="0"/>
+              <a:t>Bordered Table:	</a:t>
+            </a:r>
+            <a:r>
+              <a:rPr lang="en-US" sz="2400" b="1" dirty="0">
+                <a:latin typeface="Consolas" pitchFamily="49" charset="0"/>
+                <a:cs typeface="Courier New" pitchFamily="49" charset="0"/>
+              </a:rPr>
+              <a:t>&lt;table class=“pure-table pure-table-bordered”&gt;</a:t>
+            </a:r>
+          </a:p>
+          <a:p>
+            <a:pPr lvl="1"/>
+            <a:r>
+              <a:rPr lang="en-US" sz="3000" dirty="0"/>
+              <a:t>Primary Button:	</a:t>
+            </a:r>
+            <a:r>
+              <a:rPr lang="en-US" sz="2400" b="1" dirty="0">
+                <a:latin typeface="Consolas" pitchFamily="49" charset="0"/>
+                <a:cs typeface="Courier New" pitchFamily="49" charset="0"/>
+              </a:rPr>
+              <a:t>&lt;a class=“pure-button pure-button-primary”&gt;</a:t>
+            </a:r>
+          </a:p>
+          <a:p>
+            <a:pPr lvl="1"/>
+            <a:r>
+              <a:rPr lang="en-US" sz="3000" dirty="0" err="1"/>
+              <a:t>Horiz</a:t>
+            </a:r>
+            <a:r>
+              <a:rPr lang="en-US" sz="3000" dirty="0"/>
+              <a:t>. Menu:		</a:t>
+            </a:r>
+            <a:r>
+              <a:rPr lang="en-US" sz="2400" b="1" dirty="0">
+                <a:latin typeface="Consolas" pitchFamily="49" charset="0"/>
+                <a:cs typeface="Courier New" pitchFamily="49" charset="0"/>
+              </a:rPr>
+              <a:t>&lt;</a:t>
+            </a:r>
+            <a:r>
+              <a:rPr lang="en-US" sz="2400" b="1" dirty="0" err="1">
+                <a:latin typeface="Consolas" pitchFamily="49" charset="0"/>
+                <a:cs typeface="Courier New" pitchFamily="49" charset="0"/>
+              </a:rPr>
+              <a:t>ul</a:t>
+            </a:r>
+            <a:r>
+              <a:rPr lang="en-US" sz="2400" b="1" dirty="0">
+                <a:latin typeface="Consolas" pitchFamily="49" charset="0"/>
+                <a:cs typeface="Courier New" pitchFamily="49" charset="0"/>
+              </a:rPr>
+              <a:t> class=“pure-menu pure-menu-horizontal”&gt;</a:t>
+            </a:r>
+          </a:p>
+          <a:p>
+            <a:pPr lvl="1"/>
+            <a:endParaRPr lang="en-US" dirty="0"/>
+          </a:p>
+          <a:p>
+            <a:pPr lvl="1"/>
+            <a:endParaRPr lang="en-US" dirty="0"/>
+          </a:p>
+          <a:p>
+            <a:pPr marL="118872" indent="0">
+              <a:buNone/>
+            </a:pPr>
+            <a:endParaRPr lang="en-US" dirty="0"/>
+          </a:p>
+        </p:txBody>
+      </p:sp>
+    </p:spTree>
+    <p:extLst>
+      <p:ext uri="{BB962C8B-B14F-4D97-AF65-F5344CB8AC3E}">
+        <p14:creationId xmlns:p14="http://schemas.microsoft.com/office/powerpoint/2010/main" val="952837153"/>
+      </p:ext>
+    </p:extLst>
+  </p:cSld>
+  <p:clrMapOvr>
+    <a:masterClrMapping/>
+  </p:clrMapOvr>
+</p:sld>
+</file>
+
+<file path=ppt/slides/slide5.xml><?xml version="1.0" encoding="utf-8"?>
+<p:sld xmlns:a="http://schemas.openxmlformats.org/drawingml/2006/main" xmlns:r="http://schemas.openxmlformats.org/officeDocument/2006/relationships" xmlns:p="http://schemas.openxmlformats.org/presentationml/2006/main">
+  <p:cSld>
+    <p:spTree>
+      <p:nvGrpSpPr>
+        <p:cNvPr id="1" name=""/>
+        <p:cNvGrpSpPr/>
+        <p:nvPr/>
+      </p:nvGrpSpPr>
+      <p:grpSpPr>
+        <a:xfrm>
+          <a:off x="0" y="0"/>
+          <a:ext cx="0" cy="0"/>
+          <a:chOff x="0" y="0"/>
+          <a:chExt cx="0" cy="0"/>
+        </a:xfrm>
+      </p:grpSpPr>
+      <p:sp>
+        <p:nvSpPr>
+          <p:cNvPr id="2" name="Title 1">
+            <a:extLst>
+              <a:ext uri="{FF2B5EF4-FFF2-40B4-BE49-F238E27FC236}">
+                <a16:creationId xmlns:a16="http://schemas.microsoft.com/office/drawing/2014/main" id="{FC13A0CC-3266-8A4D-84C0-01CD149821D1}"/>
+              </a:ext>
+            </a:extLst>
+          </p:cNvPr>
+          <p:cNvSpPr>
+            <a:spLocks noGrp="1"/>
+          </p:cNvSpPr>
+          <p:nvPr>
+            <p:ph type="title"/>
+          </p:nvPr>
+        </p:nvSpPr>
+        <p:spPr/>
+        <p:txBody>
+          <a:bodyPr/>
+          <a:lstStyle/>
+          <a:p>
+            <a:r>
+              <a:rPr lang="en-US" dirty="0"/>
+              <a:t>Grids</a:t>
+            </a:r>
+          </a:p>
+        </p:txBody>
+      </p:sp>
+      <p:sp>
+        <p:nvSpPr>
+          <p:cNvPr id="3" name="Content Placeholder 2">
+            <a:extLst>
+              <a:ext uri="{FF2B5EF4-FFF2-40B4-BE49-F238E27FC236}">
+                <a16:creationId xmlns:a16="http://schemas.microsoft.com/office/drawing/2014/main" id="{A1621560-55AB-744A-91E9-93F91A64EF39}"/>
               </a:ext>
             </a:extLst>
           </p:cNvPr>
@@ -6523,18 +7143,11 @@
               <a:t>Classes: </a:t>
             </a:r>
             <a:r>
-              <a:rPr lang="en-US" sz="2400" b="1" dirty="0" smtClean="0">
-                <a:latin typeface="Consolas" pitchFamily="49" charset="0"/>
-                <a:cs typeface="Courier New" pitchFamily="49" charset="0"/>
-              </a:rPr>
-              <a:t>pure-g</a:t>
-            </a:r>
-            <a:r>
               <a:rPr lang="en-US" sz="2400" b="1" dirty="0">
                 <a:latin typeface="Consolas" pitchFamily="49" charset="0"/>
                 <a:cs typeface="Courier New" pitchFamily="49" charset="0"/>
               </a:rPr>
-              <a:t>, pure-u-*</a:t>
+              <a:t>pure-g, pure-u-*</a:t>
             </a:r>
             <a:endParaRPr lang="en-US" sz="2000" b="1" dirty="0">
               <a:latin typeface="Consolas" pitchFamily="49" charset="0"/>
@@ -6543,16 +7156,12 @@
           </a:p>
           <a:p>
             <a:r>
-              <a:rPr lang="en-US" sz="2800" b="1" dirty="0" smtClean="0"/>
+              <a:rPr lang="en-US" sz="2800" b="1" dirty="0"/>
               <a:t>5</a:t>
             </a:r>
             <a:r>
-              <a:rPr lang="en-US" sz="2800" dirty="0" smtClean="0"/>
-              <a:t>ths-based </a:t>
-            </a:r>
-            <a:r>
               <a:rPr lang="en-US" sz="2800" dirty="0"/>
-              <a:t>and </a:t>
+              <a:t>ths-based and </a:t>
             </a:r>
             <a:r>
               <a:rPr lang="en-US" sz="2800" b="1" dirty="0"/>
@@ -6565,54 +7174,36 @@
           </a:p>
           <a:p>
             <a:r>
-              <a:rPr lang="en-US" sz="2800" dirty="0" smtClean="0"/>
-              <a:t>Units </a:t>
-            </a:r>
-            <a:r>
               <a:rPr lang="en-US" sz="2800" dirty="0"/>
-              <a:t>are </a:t>
-            </a:r>
-            <a:r>
-              <a:rPr lang="en-US" sz="2800" dirty="0" smtClean="0"/>
-              <a:t>fractions (</a:t>
-            </a:r>
-            <a:r>
-              <a:rPr lang="en-US" sz="2800" b="1" dirty="0" smtClean="0"/>
+              <a:t>Units are fractions (</a:t>
+            </a:r>
+            <a:r>
+              <a:rPr lang="en-US" sz="2800" b="1" dirty="0"/>
               <a:t>1/3</a:t>
             </a:r>
             <a:r>
-              <a:rPr lang="en-US" sz="2800" dirty="0" smtClean="0"/>
+              <a:rPr lang="en-US" sz="2800" dirty="0"/>
               <a:t>s, </a:t>
             </a:r>
             <a:r>
-              <a:rPr lang="en-US" sz="2800" b="1" dirty="0" smtClean="0"/>
+              <a:rPr lang="en-US" sz="2800" b="1" dirty="0"/>
               <a:t>1/5</a:t>
             </a:r>
             <a:r>
-              <a:rPr lang="en-US" sz="2800" dirty="0" smtClean="0"/>
+              <a:rPr lang="en-US" sz="2800" dirty="0"/>
               <a:t>s, etc.)</a:t>
             </a:r>
-            <a:endParaRPr lang="en-US" sz="2800" dirty="0"/>
-          </a:p>
-          <a:p>
-            <a:r>
-              <a:rPr lang="en-US" sz="2800" dirty="0" smtClean="0"/>
-              <a:t>Responsive, </a:t>
-            </a:r>
-            <a:r>
-              <a:rPr lang="en-US" sz="2800" dirty="0" smtClean="0"/>
-              <a:t>mobile-first</a:t>
-            </a:r>
-            <a:endParaRPr lang="en-US" sz="2800" dirty="0" smtClean="0"/>
-          </a:p>
-          <a:p>
-            <a:r>
-              <a:rPr lang="en-US" sz="2800" dirty="0" smtClean="0"/>
-              <a:t>Default </a:t>
-            </a:r>
+          </a:p>
+          <a:p>
             <a:r>
               <a:rPr lang="en-US" sz="2800" dirty="0"/>
-              <a:t>media queries:</a:t>
+              <a:t>Responsive, mobile-first</a:t>
+            </a:r>
+          </a:p>
+          <a:p>
+            <a:r>
+              <a:rPr lang="en-US" sz="2800" dirty="0"/>
+              <a:t>Default media queries:</a:t>
             </a:r>
           </a:p>
           <a:p>
@@ -6762,13 +7353,8 @@
           <a:p>
             <a:r>
               <a:rPr lang="en-US" sz="2800" dirty="0"/>
-              <a:t>Customizable media </a:t>
-            </a:r>
-            <a:r>
-              <a:rPr lang="en-US" sz="2800" dirty="0" smtClean="0"/>
-              <a:t>queries</a:t>
-            </a:r>
-            <a:endParaRPr lang="en-US" sz="2800" dirty="0"/>
+              <a:t>Customizable media queries</a:t>
+            </a:r>
           </a:p>
         </p:txBody>
       </p:sp>
@@ -6845,7 +7431,7 @@
     </p:spTree>
     <p:extLst>
       <p:ext uri="{BB962C8B-B14F-4D97-AF65-F5344CB8AC3E}">
-        <p14:creationId xmlns="" xmlns:p14="http://schemas.microsoft.com/office/powerpoint/2010/main" val="1037686022"/>
+        <p14:creationId xmlns:p14="http://schemas.microsoft.com/office/powerpoint/2010/main" val="1037686022"/>
       </p:ext>
     </p:extLst>
   </p:cSld>
@@ -6855,7 +7441,7 @@
 </p:sld>
 </file>
 
-<file path=ppt/slides/slide5.xml><?xml version="1.0" encoding="utf-8"?>
+<file path=ppt/slides/slide6.xml><?xml version="1.0" encoding="utf-8"?>
 <p:sld xmlns:a="http://schemas.openxmlformats.org/drawingml/2006/main" xmlns:r="http://schemas.openxmlformats.org/officeDocument/2006/relationships" xmlns:p="http://schemas.openxmlformats.org/presentationml/2006/main">
   <p:cSld>
     <p:spTree>
@@ -6877,7 +7463,7 @@
           <p:cNvPr id="2" name="Title 1">
             <a:extLst>
               <a:ext uri="{FF2B5EF4-FFF2-40B4-BE49-F238E27FC236}">
-                <a16:creationId xmlns="" xmlns:a16="http://schemas.microsoft.com/office/drawing/2014/main" id="{98C91ED6-D288-8846-8722-99BEDCA15A40}"/>
+                <a16:creationId xmlns:a16="http://schemas.microsoft.com/office/drawing/2014/main" id="{98C91ED6-D288-8846-8722-99BEDCA15A40}"/>
               </a:ext>
             </a:extLst>
           </p:cNvPr>
@@ -6905,7 +7491,7 @@
           <p:cNvPr id="3" name="Content Placeholder 2">
             <a:extLst>
               <a:ext uri="{FF2B5EF4-FFF2-40B4-BE49-F238E27FC236}">
-                <a16:creationId xmlns="" xmlns:a16="http://schemas.microsoft.com/office/drawing/2014/main" id="{67F659D4-5B3E-F14F-844F-08CF4A03F689}"/>
+                <a16:creationId xmlns:a16="http://schemas.microsoft.com/office/drawing/2014/main" id="{67F659D4-5B3E-F14F-844F-08CF4A03F689}"/>
               </a:ext>
             </a:extLst>
           </p:cNvPr>
@@ -6929,127 +7515,111 @@
           <a:lstStyle/>
           <a:p>
             <a:r>
-              <a:rPr lang="en-US" dirty="0" smtClean="0"/>
+              <a:rPr lang="en-US" dirty="0"/>
               <a:t>Default:</a:t>
             </a:r>
             <a:r>
-              <a:rPr lang="en-US" b="1" dirty="0" smtClean="0"/>
+              <a:rPr lang="en-US" b="1" dirty="0"/>
               <a:t> 	</a:t>
             </a:r>
             <a:r>
-              <a:rPr lang="en-US" sz="2400" b="1" dirty="0" err="1" smtClean="0">
+              <a:rPr lang="en-US" sz="2400" b="1" dirty="0" err="1">
                 <a:latin typeface="Consolas" pitchFamily="49" charset="0"/>
                 <a:cs typeface="Courier New" pitchFamily="49" charset="0"/>
               </a:rPr>
               <a:t>form.pure</a:t>
             </a:r>
             <a:r>
-              <a:rPr lang="en-US" sz="2400" b="1" dirty="0" smtClean="0">
+              <a:rPr lang="en-US" sz="2400" b="1" dirty="0">
                 <a:latin typeface="Consolas" pitchFamily="49" charset="0"/>
                 <a:cs typeface="Courier New" pitchFamily="49" charset="0"/>
               </a:rPr>
               <a:t>-form</a:t>
             </a:r>
-            <a:endParaRPr lang="en-US" sz="2400" b="1" dirty="0">
-              <a:latin typeface="Consolas" pitchFamily="49" charset="0"/>
-              <a:cs typeface="Courier New" pitchFamily="49" charset="0"/>
-            </a:endParaRPr>
           </a:p>
           <a:p>
             <a:r>
               <a:rPr lang="en-US" dirty="0"/>
-              <a:t>Stacked: </a:t>
-            </a:r>
-            <a:r>
-              <a:rPr lang="en-US" dirty="0" smtClean="0"/>
-              <a:t>	</a:t>
-            </a:r>
-            <a:r>
-              <a:rPr lang="en-US" sz="2400" b="1" dirty="0" err="1" smtClean="0">
+              <a:t>Stacked: 	</a:t>
+            </a:r>
+            <a:r>
+              <a:rPr lang="en-US" sz="2400" b="1" dirty="0" err="1">
                 <a:latin typeface="Consolas" pitchFamily="49" charset="0"/>
                 <a:cs typeface="Courier New" pitchFamily="49" charset="0"/>
               </a:rPr>
               <a:t>form.pure</a:t>
             </a:r>
             <a:r>
-              <a:rPr lang="en-US" sz="2400" b="1" dirty="0" smtClean="0">
+              <a:rPr lang="en-US" sz="2400" b="1" dirty="0">
                 <a:latin typeface="Consolas" pitchFamily="49" charset="0"/>
                 <a:cs typeface="Courier New" pitchFamily="49" charset="0"/>
               </a:rPr>
               <a:t>-</a:t>
             </a:r>
             <a:r>
-              <a:rPr lang="en-US" sz="2400" b="1" dirty="0" err="1" smtClean="0">
+              <a:rPr lang="en-US" sz="2400" b="1" dirty="0" err="1">
                 <a:latin typeface="Consolas" pitchFamily="49" charset="0"/>
                 <a:cs typeface="Courier New" pitchFamily="49" charset="0"/>
               </a:rPr>
               <a:t>form.pure</a:t>
             </a:r>
             <a:r>
-              <a:rPr lang="en-US" sz="2400" b="1" dirty="0" smtClean="0">
+              <a:rPr lang="en-US" sz="2400" b="1" dirty="0">
                 <a:latin typeface="Consolas" pitchFamily="49" charset="0"/>
                 <a:cs typeface="Courier New" pitchFamily="49" charset="0"/>
               </a:rPr>
               <a:t>-form-</a:t>
             </a:r>
             <a:r>
-              <a:rPr lang="en-US" sz="2400" b="1" i="1" dirty="0" smtClean="0">
+              <a:rPr lang="en-US" sz="2400" b="1" i="1" dirty="0">
                 <a:latin typeface="Consolas" pitchFamily="49" charset="0"/>
                 <a:cs typeface="Courier New" pitchFamily="49" charset="0"/>
               </a:rPr>
               <a:t>stacked</a:t>
             </a:r>
-            <a:endParaRPr lang="en-US" sz="2400" b="1" i="1" dirty="0">
-              <a:latin typeface="Consolas" pitchFamily="49" charset="0"/>
-              <a:cs typeface="Courier New" pitchFamily="49" charset="0"/>
-            </a:endParaRPr>
           </a:p>
           <a:p>
             <a:r>
               <a:rPr lang="en-US" dirty="0"/>
-              <a:t>Aligned: </a:t>
-            </a:r>
-            <a:r>
-              <a:rPr lang="en-US" dirty="0" smtClean="0"/>
-              <a:t>	</a:t>
-            </a:r>
-            <a:r>
-              <a:rPr lang="en-US" sz="2400" b="1" dirty="0" err="1" smtClean="0">
+              <a:t>Aligned: 	</a:t>
+            </a:r>
+            <a:r>
+              <a:rPr lang="en-US" sz="2400" b="1" dirty="0" err="1">
                 <a:latin typeface="Consolas" pitchFamily="49" charset="0"/>
                 <a:cs typeface="Courier New" pitchFamily="49" charset="0"/>
               </a:rPr>
               <a:t>form.pure</a:t>
             </a:r>
             <a:r>
-              <a:rPr lang="en-US" sz="2400" b="1" dirty="0" smtClean="0">
+              <a:rPr lang="en-US" sz="2400" b="1" dirty="0">
                 <a:latin typeface="Consolas" pitchFamily="49" charset="0"/>
                 <a:cs typeface="Courier New" pitchFamily="49" charset="0"/>
               </a:rPr>
               <a:t>-</a:t>
             </a:r>
             <a:r>
-              <a:rPr lang="en-US" sz="2400" b="1" dirty="0" err="1" smtClean="0">
+              <a:rPr lang="en-US" sz="2400" b="1" dirty="0" err="1">
                 <a:latin typeface="Consolas" pitchFamily="49" charset="0"/>
                 <a:cs typeface="Courier New" pitchFamily="49" charset="0"/>
               </a:rPr>
               <a:t>form.pure</a:t>
             </a:r>
             <a:r>
-              <a:rPr lang="en-US" sz="2400" b="1" dirty="0" smtClean="0">
+              <a:rPr lang="en-US" sz="2400" b="1" dirty="0">
                 <a:latin typeface="Consolas" pitchFamily="49" charset="0"/>
                 <a:cs typeface="Courier New" pitchFamily="49" charset="0"/>
               </a:rPr>
               <a:t>-form-</a:t>
             </a:r>
             <a:r>
-              <a:rPr lang="en-US" sz="2400" b="1" i="1" dirty="0" smtClean="0">
+              <a:rPr lang="en-US" sz="2400" b="1" i="1" dirty="0">
                 <a:latin typeface="Consolas" pitchFamily="49" charset="0"/>
                 <a:cs typeface="Courier New" pitchFamily="49" charset="0"/>
               </a:rPr>
               <a:t>aligned</a:t>
             </a:r>
             <a:r>
-              <a:rPr lang="en-US" sz="2400" b="1" dirty="0" smtClean="0">
+              <a:rPr lang="en-US" sz="2400" b="1" dirty="0">
                 <a:latin typeface="Consolas" pitchFamily="49" charset="0"/>
                 <a:cs typeface="Courier New" pitchFamily="49" charset="0"/>
               </a:rPr>
@@ -7061,81 +7631,47 @@
               <a:buNone/>
             </a:pPr>
             <a:r>
-              <a:rPr lang="en-US" sz="2400" b="1" dirty="0" smtClean="0">
-                <a:latin typeface="Consolas" pitchFamily="49" charset="0"/>
-                <a:cs typeface="Courier New" pitchFamily="49" charset="0"/>
-              </a:rPr>
-              <a:t>	</a:t>
-            </a:r>
-            <a:r>
-              <a:rPr lang="en-US" sz="2400" b="1" dirty="0" smtClean="0">
-                <a:latin typeface="Consolas" pitchFamily="49" charset="0"/>
-                <a:cs typeface="Courier New" pitchFamily="49" charset="0"/>
-              </a:rPr>
-              <a:t>			</a:t>
-            </a:r>
-            <a:r>
-              <a:rPr lang="en-US" sz="2400" b="1" dirty="0" smtClean="0">
-                <a:latin typeface="Consolas" pitchFamily="49" charset="0"/>
-                <a:cs typeface="Courier New" pitchFamily="49" charset="0"/>
-              </a:rPr>
-              <a:t>pure-control-group</a:t>
-            </a:r>
-            <a:endParaRPr lang="en-US" sz="2400" b="1" dirty="0">
-              <a:latin typeface="Consolas" pitchFamily="49" charset="0"/>
-              <a:cs typeface="Courier New" pitchFamily="49" charset="0"/>
-            </a:endParaRPr>
+              <a:rPr lang="en-US" sz="2400" b="1" dirty="0">
+                <a:latin typeface="Consolas" pitchFamily="49" charset="0"/>
+                <a:cs typeface="Courier New" pitchFamily="49" charset="0"/>
+              </a:rPr>
+              <a:t>				pure-control-group</a:t>
+            </a:r>
           </a:p>
           <a:p>
             <a:r>
               <a:rPr lang="en-US" dirty="0"/>
-              <a:t>Grouped inputs: </a:t>
-            </a:r>
-            <a:r>
-              <a:rPr lang="en-US" dirty="0" smtClean="0"/>
-              <a:t>	</a:t>
-            </a:r>
-            <a:r>
-              <a:rPr lang="en-US" sz="2400" b="1" dirty="0" err="1" smtClean="0">
+              <a:t>Grouped inputs: 	</a:t>
+            </a:r>
+            <a:r>
+              <a:rPr lang="en-US" sz="2400" b="1" dirty="0" err="1">
                 <a:latin typeface="Consolas" pitchFamily="49" charset="0"/>
                 <a:cs typeface="Courier New" pitchFamily="49" charset="0"/>
               </a:rPr>
               <a:t>fieldset.pure</a:t>
             </a:r>
             <a:r>
-              <a:rPr lang="en-US" sz="2400" b="1" dirty="0" smtClean="0">
+              <a:rPr lang="en-US" sz="2400" b="1" dirty="0">
                 <a:latin typeface="Consolas" pitchFamily="49" charset="0"/>
                 <a:cs typeface="Courier New" pitchFamily="49" charset="0"/>
               </a:rPr>
               <a:t>-group</a:t>
             </a:r>
-            <a:endParaRPr lang="en-US" sz="2400" b="1" dirty="0">
-              <a:latin typeface="Consolas" pitchFamily="49" charset="0"/>
-              <a:cs typeface="Courier New" pitchFamily="49" charset="0"/>
-            </a:endParaRPr>
-          </a:p>
-          <a:p>
-            <a:r>
-              <a:rPr lang="en-US" dirty="0" smtClean="0"/>
-              <a:t>Sized </a:t>
-            </a:r>
+          </a:p>
+          <a:p>
             <a:r>
               <a:rPr lang="en-US" dirty="0"/>
-              <a:t>inputs: </a:t>
-            </a:r>
-            <a:r>
-              <a:rPr lang="en-US" dirty="0" smtClean="0"/>
-              <a:t>		</a:t>
-            </a:r>
-            <a:r>
-              <a:rPr lang="en-US" sz="2400" b="1" dirty="0" err="1" smtClean="0">
+              <a:t>Sized inputs: 		</a:t>
+            </a:r>
+            <a:r>
+              <a:rPr lang="en-US" sz="2400" b="1" dirty="0" err="1">
                 <a:latin typeface="Consolas" pitchFamily="49" charset="0"/>
                 <a:cs typeface="Courier New" pitchFamily="49" charset="0"/>
               </a:rPr>
               <a:t>input.pure</a:t>
             </a:r>
             <a:r>
-              <a:rPr lang="en-US" sz="2400" b="1" dirty="0" smtClean="0">
+              <a:rPr lang="en-US" sz="2400" b="1" dirty="0">
                 <a:latin typeface="Consolas" pitchFamily="49" charset="0"/>
                 <a:cs typeface="Courier New" pitchFamily="49" charset="0"/>
               </a:rPr>
@@ -7143,109 +7679,89 @@
             </a:r>
           </a:p>
           <a:p>
-            <a:endParaRPr lang="en-US" sz="1100" b="1" dirty="0" smtClean="0">
+            <a:endParaRPr lang="en-US" sz="1100" b="1" dirty="0">
               <a:latin typeface="Courier New" pitchFamily="49" charset="0"/>
               <a:cs typeface="Courier New" pitchFamily="49" charset="0"/>
             </a:endParaRPr>
           </a:p>
           <a:p>
             <a:r>
-              <a:rPr lang="en-US" dirty="0" smtClean="0"/>
-              <a:t>Required</a:t>
-            </a:r>
-            <a:r>
               <a:rPr lang="en-US" dirty="0"/>
-              <a:t>: </a:t>
-            </a:r>
-            <a:r>
-              <a:rPr lang="en-US" dirty="0" smtClean="0"/>
-              <a:t>	</a:t>
-            </a:r>
-            <a:r>
-              <a:rPr lang="en-US" sz="2800" dirty="0" smtClean="0"/>
+              <a:t>Required: 	</a:t>
+            </a:r>
+            <a:r>
+              <a:rPr lang="en-US" sz="2800" dirty="0"/>
               <a:t>add</a:t>
             </a:r>
             <a:r>
-              <a:rPr lang="en-US" dirty="0" smtClean="0"/>
+              <a:rPr lang="en-US" dirty="0"/>
               <a:t> </a:t>
             </a:r>
             <a:r>
-              <a:rPr lang="en-US" sz="2400" b="1" dirty="0" smtClean="0">
+              <a:rPr lang="en-US" sz="2400" b="1" dirty="0">
                 <a:latin typeface="Consolas" pitchFamily="49" charset="0"/>
                 <a:cs typeface="Courier New" pitchFamily="49" charset="0"/>
               </a:rPr>
               <a:t>required</a:t>
             </a:r>
             <a:r>
-              <a:rPr lang="en-US" sz="2400" dirty="0" smtClean="0"/>
+              <a:rPr lang="en-US" sz="2400" dirty="0"/>
+              <a:t>  </a:t>
+            </a:r>
+            <a:r>
+              <a:rPr lang="en-US" sz="2800" dirty="0"/>
+              <a:t>attribute</a:t>
+            </a:r>
+            <a:endParaRPr lang="en-US" dirty="0"/>
+          </a:p>
+          <a:p>
+            <a:r>
+              <a:rPr lang="en-US" dirty="0"/>
+              <a:t>Disabled: 	</a:t>
+            </a:r>
+            <a:r>
+              <a:rPr lang="en-US" sz="2800" dirty="0"/>
+              <a:t>add </a:t>
+            </a:r>
+            <a:r>
+              <a:rPr lang="en-US" sz="2400" b="1" dirty="0">
+                <a:latin typeface="Consolas" pitchFamily="49" charset="0"/>
+                <a:cs typeface="Courier New" pitchFamily="49" charset="0"/>
+              </a:rPr>
+              <a:t>disabled</a:t>
+            </a:r>
+            <a:r>
+              <a:rPr lang="en-US" sz="2400" dirty="0"/>
+              <a:t>  </a:t>
+            </a:r>
+            <a:r>
+              <a:rPr lang="en-US" sz="2800" dirty="0"/>
+              <a:t>attribute</a:t>
+            </a:r>
+            <a:endParaRPr lang="en-US" dirty="0"/>
+          </a:p>
+          <a:p>
+            <a:r>
+              <a:rPr lang="en-US" dirty="0"/>
+              <a:t>Read-only: 	</a:t>
+            </a:r>
+            <a:r>
+              <a:rPr lang="en-US" sz="2800" dirty="0"/>
+              <a:t>add </a:t>
+            </a:r>
+            <a:r>
+              <a:rPr lang="en-US" sz="2400" b="1" dirty="0" err="1">
+                <a:latin typeface="Consolas" pitchFamily="49" charset="0"/>
+                <a:cs typeface="Courier New" pitchFamily="49" charset="0"/>
+              </a:rPr>
+              <a:t>readonly</a:t>
+            </a:r>
+            <a:r>
+              <a:rPr lang="en-US" dirty="0"/>
               <a:t> </a:t>
             </a:r>
             <a:r>
-              <a:rPr lang="en-US" sz="2400" dirty="0" smtClean="0"/>
-              <a:t> </a:t>
-            </a:r>
-            <a:r>
-              <a:rPr lang="en-US" sz="2800" dirty="0" smtClean="0"/>
-              <a:t>attribute</a:t>
-            </a:r>
-            <a:endParaRPr lang="en-US" dirty="0"/>
-          </a:p>
-          <a:p>
-            <a:r>
-              <a:rPr lang="en-US" dirty="0"/>
-              <a:t>Disabled: </a:t>
-            </a:r>
-            <a:r>
-              <a:rPr lang="en-US" dirty="0" smtClean="0"/>
-              <a:t>	</a:t>
-            </a:r>
-            <a:r>
-              <a:rPr lang="en-US" sz="2800" dirty="0" smtClean="0"/>
-              <a:t>add </a:t>
-            </a:r>
-            <a:r>
-              <a:rPr lang="en-US" sz="2400" b="1" dirty="0" smtClean="0">
-                <a:latin typeface="Consolas" pitchFamily="49" charset="0"/>
-                <a:cs typeface="Courier New" pitchFamily="49" charset="0"/>
-              </a:rPr>
-              <a:t>disabled</a:t>
-            </a:r>
-            <a:r>
-              <a:rPr lang="en-US" sz="2400" dirty="0" smtClean="0"/>
-              <a:t>  </a:t>
-            </a:r>
-            <a:r>
-              <a:rPr lang="en-US" sz="2800" dirty="0" smtClean="0"/>
-              <a:t>attribute</a:t>
-            </a:r>
-            <a:endParaRPr lang="en-US" dirty="0"/>
-          </a:p>
-          <a:p>
-            <a:r>
-              <a:rPr lang="en-US" dirty="0"/>
-              <a:t>Read-only: </a:t>
-            </a:r>
-            <a:r>
-              <a:rPr lang="en-US" dirty="0" smtClean="0"/>
-              <a:t>	</a:t>
-            </a:r>
-            <a:r>
-              <a:rPr lang="en-US" sz="2800" dirty="0" smtClean="0"/>
-              <a:t>add </a:t>
-            </a:r>
-            <a:r>
-              <a:rPr lang="en-US" sz="2400" b="1" dirty="0" err="1" smtClean="0">
-                <a:latin typeface="Consolas" pitchFamily="49" charset="0"/>
-                <a:cs typeface="Courier New" pitchFamily="49" charset="0"/>
-              </a:rPr>
-              <a:t>readonly</a:t>
-            </a:r>
-            <a:r>
-              <a:rPr lang="en-US" dirty="0" smtClean="0"/>
-              <a:t> </a:t>
-            </a:r>
-            <a:r>
-              <a:rPr lang="en-US" sz="2800" dirty="0" smtClean="0"/>
+              <a:rPr lang="en-US" sz="2800" dirty="0"/>
               <a:t>attribute</a:t>
             </a:r>
             <a:endParaRPr lang="en-US" dirty="0"/>
@@ -7290,7 +7806,7 @@
     </p:spTree>
     <p:extLst>
       <p:ext uri="{BB962C8B-B14F-4D97-AF65-F5344CB8AC3E}">
-        <p14:creationId xmlns="" xmlns:p14="http://schemas.microsoft.com/office/powerpoint/2010/main" val="1103349925"/>
+        <p14:creationId xmlns:p14="http://schemas.microsoft.com/office/powerpoint/2010/main" val="1103349925"/>
       </p:ext>
     </p:extLst>
   </p:cSld>
@@ -7300,7 +7816,7 @@
 </p:sld>
 </file>
 
-<file path=ppt/slides/slide6.xml><?xml version="1.0" encoding="utf-8"?>
+<file path=ppt/slides/slide7.xml><?xml version="1.0" encoding="utf-8"?>
 <p:sld xmlns:a="http://schemas.openxmlformats.org/drawingml/2006/main" xmlns:r="http://schemas.openxmlformats.org/officeDocument/2006/relationships" xmlns:p="http://schemas.openxmlformats.org/presentationml/2006/main">
   <p:cSld>
     <p:spTree>
@@ -7322,7 +7838,7 @@
           <p:cNvPr id="2" name="Title 1">
             <a:extLst>
               <a:ext uri="{FF2B5EF4-FFF2-40B4-BE49-F238E27FC236}">
-                <a16:creationId xmlns="" xmlns:a16="http://schemas.microsoft.com/office/drawing/2014/main" id="{DE31C0A8-7354-B446-BCEC-341ED8E0AA5E}"/>
+                <a16:creationId xmlns:a16="http://schemas.microsoft.com/office/drawing/2014/main" id="{DE31C0A8-7354-B446-BCEC-341ED8E0AA5E}"/>
               </a:ext>
             </a:extLst>
           </p:cNvPr>
@@ -7350,7 +7866,7 @@
           <p:cNvPr id="3" name="Content Placeholder 2">
             <a:extLst>
               <a:ext uri="{FF2B5EF4-FFF2-40B4-BE49-F238E27FC236}">
-                <a16:creationId xmlns="" xmlns:a16="http://schemas.microsoft.com/office/drawing/2014/main" id="{DDE47306-5692-424C-9EE0-9AEB3CA7A75E}"/>
+                <a16:creationId xmlns:a16="http://schemas.microsoft.com/office/drawing/2014/main" id="{DDE47306-5692-424C-9EE0-9AEB3CA7A75E}"/>
               </a:ext>
             </a:extLst>
           </p:cNvPr>
@@ -7369,86 +7885,42 @@
           <a:lstStyle/>
           <a:p>
             <a:r>
-              <a:rPr lang="en-US" dirty="0" smtClean="0"/>
+              <a:rPr lang="en-US" dirty="0"/>
               <a:t>Default: 	</a:t>
             </a:r>
             <a:r>
-              <a:rPr lang="en-US" sz="2400" b="1" dirty="0" err="1" smtClean="0">
+              <a:rPr lang="en-US" sz="2400" b="1" dirty="0" err="1">
                 <a:latin typeface="Consolas" pitchFamily="49" charset="0"/>
                 <a:cs typeface="Courier New" pitchFamily="49" charset="0"/>
               </a:rPr>
               <a:t>a.pure</a:t>
             </a:r>
             <a:r>
-              <a:rPr lang="en-US" sz="2400" b="1" dirty="0" smtClean="0">
+              <a:rPr lang="en-US" sz="2400" b="1" dirty="0">
+                <a:latin typeface="Consolas" pitchFamily="49" charset="0"/>
+                <a:cs typeface="Courier New" pitchFamily="49" charset="0"/>
+              </a:rPr>
+              <a:t>-button, </a:t>
+            </a:r>
+            <a:r>
+              <a:rPr lang="en-US" sz="2400" b="1" dirty="0" err="1">
+                <a:latin typeface="Consolas" pitchFamily="49" charset="0"/>
+                <a:cs typeface="Courier New" pitchFamily="49" charset="0"/>
+              </a:rPr>
+              <a:t>button.pure</a:t>
+            </a:r>
+            <a:r>
+              <a:rPr lang="en-US" sz="2400" b="1" dirty="0">
                 <a:latin typeface="Consolas" pitchFamily="49" charset="0"/>
                 <a:cs typeface="Courier New" pitchFamily="49" charset="0"/>
               </a:rPr>
               <a:t>-button</a:t>
             </a:r>
-            <a:r>
-              <a:rPr lang="en-US" sz="2400" b="1" dirty="0">
-                <a:latin typeface="Consolas" pitchFamily="49" charset="0"/>
-                <a:cs typeface="Courier New" pitchFamily="49" charset="0"/>
-              </a:rPr>
-              <a:t>, </a:t>
-            </a:r>
-            <a:r>
-              <a:rPr lang="en-US" sz="2400" b="1" dirty="0" err="1" smtClean="0">
-                <a:latin typeface="Consolas" pitchFamily="49" charset="0"/>
-                <a:cs typeface="Courier New" pitchFamily="49" charset="0"/>
-              </a:rPr>
-              <a:t>button.pure</a:t>
-            </a:r>
-            <a:r>
-              <a:rPr lang="en-US" sz="2400" b="1" dirty="0" smtClean="0">
-                <a:latin typeface="Consolas" pitchFamily="49" charset="0"/>
-                <a:cs typeface="Courier New" pitchFamily="49" charset="0"/>
-              </a:rPr>
-              <a:t>-button</a:t>
-            </a:r>
-          </a:p>
-          <a:p>
-            <a:pPr lvl="1"/>
-            <a:endParaRPr lang="en-US" sz="500" dirty="0" smtClean="0"/>
-          </a:p>
-          <a:p>
-            <a:pPr lvl="1"/>
-            <a:r>
-              <a:rPr lang="en-US" sz="2400" dirty="0" smtClean="0"/>
-              <a:t>Pattern</a:t>
-            </a:r>
-            <a:r>
-              <a:rPr lang="en-US" sz="2000" dirty="0" smtClean="0"/>
-              <a:t>:   	</a:t>
-            </a:r>
-            <a:r>
-              <a:rPr lang="en-US" sz="2000" b="1" i="1" dirty="0" smtClean="0">
-                <a:latin typeface="Consolas" pitchFamily="49" charset="0"/>
-                <a:cs typeface="Courier New" pitchFamily="49" charset="0"/>
-              </a:rPr>
-              <a:t>&lt;element&gt;</a:t>
-            </a:r>
-            <a:r>
-              <a:rPr lang="en-US" sz="2000" b="1" dirty="0" smtClean="0">
-                <a:latin typeface="Consolas" pitchFamily="49" charset="0"/>
-                <a:cs typeface="Courier New" pitchFamily="49" charset="0"/>
-              </a:rPr>
-              <a:t>.pure-button</a:t>
-            </a:r>
-            <a:r>
-              <a:rPr lang="en-US" sz="2000" b="1" i="1" dirty="0" smtClean="0">
-                <a:latin typeface="Consolas" pitchFamily="49" charset="0"/>
-                <a:cs typeface="Courier New" pitchFamily="49" charset="0"/>
-              </a:rPr>
-              <a:t>[.&lt;button-type&gt;]</a:t>
-            </a:r>
-            <a:endParaRPr lang="en-US" sz="2000" b="1" i="1" dirty="0" smtClean="0">
-              <a:latin typeface="Consolas" pitchFamily="49" charset="0"/>
-              <a:cs typeface="Courier New" pitchFamily="49" charset="0"/>
-            </a:endParaRPr>
-          </a:p>
-          <a:p>
+          </a:p>
+          <a:p>
+            <a:pPr marL="118872" indent="0">
+              <a:buNone/>
+            </a:pPr>
             <a:endParaRPr lang="en-US" sz="1400" b="1" dirty="0">
               <a:latin typeface="Courier New" pitchFamily="49" charset="0"/>
               <a:cs typeface="Courier New" pitchFamily="49" charset="0"/>
@@ -7457,35 +7929,31 @@
           <a:p>
             <a:r>
               <a:rPr lang="en-US" dirty="0"/>
-              <a:t>Disabled: </a:t>
-            </a:r>
-            <a:r>
-              <a:rPr lang="en-US" dirty="0" smtClean="0"/>
-              <a:t> 	</a:t>
-            </a:r>
-            <a:r>
-              <a:rPr lang="en-US" sz="2400" b="1" dirty="0" smtClean="0">
+              <a:t>Disabled:  	</a:t>
+            </a:r>
+            <a:r>
+              <a:rPr lang="en-US" sz="2400" b="1" dirty="0">
                 <a:latin typeface="Consolas" pitchFamily="49" charset="0"/>
                 <a:cs typeface="Courier New" pitchFamily="49" charset="0"/>
               </a:rPr>
               <a:t>.pure-</a:t>
             </a:r>
             <a:r>
-              <a:rPr lang="en-US" sz="2400" b="1" dirty="0" err="1" smtClean="0">
+              <a:rPr lang="en-US" sz="2400" b="1" dirty="0" err="1">
                 <a:latin typeface="Consolas" pitchFamily="49" charset="0"/>
                 <a:cs typeface="Courier New" pitchFamily="49" charset="0"/>
               </a:rPr>
               <a:t>button.pure</a:t>
             </a:r>
             <a:r>
-              <a:rPr lang="en-US" sz="2400" b="1" dirty="0" smtClean="0">
+              <a:rPr lang="en-US" sz="2400" b="1" dirty="0">
                 <a:latin typeface="Consolas" pitchFamily="49" charset="0"/>
                 <a:cs typeface="Courier New" pitchFamily="49" charset="0"/>
               </a:rPr>
               <a:t>-button-</a:t>
             </a:r>
             <a:r>
-              <a:rPr lang="en-US" sz="2400" b="1" i="1" dirty="0" smtClean="0">
+              <a:rPr lang="en-US" sz="2400" b="1" i="1" dirty="0">
                 <a:latin typeface="Consolas" pitchFamily="49" charset="0"/>
                 <a:cs typeface="Courier New" pitchFamily="49" charset="0"/>
               </a:rPr>
@@ -7501,39 +7969,31 @@
           <a:p>
             <a:r>
               <a:rPr lang="en-US" dirty="0"/>
-              <a:t>Active: </a:t>
-            </a:r>
-            <a:r>
-              <a:rPr lang="en-US" dirty="0" smtClean="0"/>
-              <a:t>	</a:t>
-            </a:r>
-            <a:r>
-              <a:rPr lang="en-US" dirty="0" smtClean="0"/>
-              <a:t>    	</a:t>
-            </a:r>
-            <a:r>
-              <a:rPr lang="en-US" sz="2400" b="1" dirty="0" smtClean="0">
+              <a:t>Active: 	    	</a:t>
+            </a:r>
+            <a:r>
+              <a:rPr lang="en-US" sz="2400" b="1" dirty="0">
                 <a:latin typeface="Consolas" pitchFamily="49" charset="0"/>
                 <a:cs typeface="Courier New" pitchFamily="49" charset="0"/>
               </a:rPr>
               <a:t>.pure-</a:t>
             </a:r>
             <a:r>
-              <a:rPr lang="en-US" sz="2400" b="1" dirty="0" err="1" smtClean="0">
+              <a:rPr lang="en-US" sz="2400" b="1" dirty="0" err="1">
                 <a:latin typeface="Consolas" pitchFamily="49" charset="0"/>
                 <a:cs typeface="Courier New" pitchFamily="49" charset="0"/>
               </a:rPr>
               <a:t>button.pure</a:t>
             </a:r>
             <a:r>
-              <a:rPr lang="en-US" sz="2400" b="1" dirty="0" smtClean="0">
+              <a:rPr lang="en-US" sz="2400" b="1" dirty="0">
                 <a:latin typeface="Consolas" pitchFamily="49" charset="0"/>
                 <a:cs typeface="Courier New" pitchFamily="49" charset="0"/>
               </a:rPr>
               <a:t>-button-</a:t>
             </a:r>
             <a:r>
-              <a:rPr lang="en-US" sz="2400" b="1" i="1" dirty="0" smtClean="0">
+              <a:rPr lang="en-US" sz="2400" b="1" i="1" dirty="0">
                 <a:latin typeface="Consolas" pitchFamily="49" charset="0"/>
                 <a:cs typeface="Courier New" pitchFamily="49" charset="0"/>
               </a:rPr>
@@ -7548,32 +8008,32 @@
           </a:p>
           <a:p>
             <a:r>
-              <a:rPr lang="en-US" dirty="0" smtClean="0"/>
+              <a:rPr lang="en-US" dirty="0"/>
               <a:t>Primary:	</a:t>
             </a:r>
             <a:r>
-              <a:rPr lang="en-US" sz="2400" b="1" dirty="0" smtClean="0">
+              <a:rPr lang="en-US" sz="2400" b="1" dirty="0">
                 <a:latin typeface="Consolas" pitchFamily="49" charset="0"/>
                 <a:cs typeface="Courier New" pitchFamily="49" charset="0"/>
               </a:rPr>
               <a:t>.pure-</a:t>
             </a:r>
             <a:r>
-              <a:rPr lang="en-US" sz="2400" b="1" dirty="0" err="1" smtClean="0">
+              <a:rPr lang="en-US" sz="2400" b="1" dirty="0" err="1">
                 <a:latin typeface="Consolas" pitchFamily="49" charset="0"/>
                 <a:cs typeface="Courier New" pitchFamily="49" charset="0"/>
               </a:rPr>
               <a:t>button.pure</a:t>
             </a:r>
             <a:r>
-              <a:rPr lang="en-US" sz="2400" b="1" dirty="0" smtClean="0">
+              <a:rPr lang="en-US" sz="2400" b="1" dirty="0">
                 <a:latin typeface="Consolas" pitchFamily="49" charset="0"/>
                 <a:cs typeface="Courier New" pitchFamily="49" charset="0"/>
               </a:rPr>
               <a:t>-button-</a:t>
             </a:r>
             <a:r>
-              <a:rPr lang="en-US" sz="2400" b="1" i="1" dirty="0" smtClean="0">
+              <a:rPr lang="en-US" sz="2400" b="1" i="1" dirty="0">
                 <a:latin typeface="Consolas" pitchFamily="49" charset="0"/>
                 <a:cs typeface="Courier New" pitchFamily="49" charset="0"/>
               </a:rPr>
@@ -7589,30 +8049,22 @@
           <a:p>
             <a:r>
               <a:rPr lang="en-US" dirty="0"/>
-              <a:t>Grouped: </a:t>
-            </a:r>
-            <a:r>
-              <a:rPr lang="en-US" dirty="0" smtClean="0"/>
-              <a:t>  	</a:t>
-            </a:r>
-            <a:r>
-              <a:rPr lang="en-US" sz="2400" b="1" dirty="0" err="1" smtClean="0">
+              <a:t>Grouped:   	</a:t>
+            </a:r>
+            <a:r>
+              <a:rPr lang="en-US" sz="2400" b="1" dirty="0" err="1">
                 <a:latin typeface="Consolas" pitchFamily="49" charset="0"/>
                 <a:cs typeface="Courier New" pitchFamily="49" charset="0"/>
               </a:rPr>
               <a:t>div.pure</a:t>
             </a:r>
             <a:r>
-              <a:rPr lang="en-US" sz="2400" b="1" dirty="0" smtClean="0">
+              <a:rPr lang="en-US" sz="2400" b="1" dirty="0">
                 <a:latin typeface="Consolas" pitchFamily="49" charset="0"/>
                 <a:cs typeface="Courier New" pitchFamily="49" charset="0"/>
               </a:rPr>
               <a:t>-button-group</a:t>
             </a:r>
-            <a:endParaRPr lang="en-US" sz="2400" b="1" dirty="0">
-              <a:latin typeface="Consolas" pitchFamily="49" charset="0"/>
-              <a:cs typeface="Courier New" pitchFamily="49" charset="0"/>
-            </a:endParaRPr>
           </a:p>
         </p:txBody>
       </p:sp>
@@ -7654,7 +8106,7 @@
     </p:spTree>
     <p:extLst>
       <p:ext uri="{BB962C8B-B14F-4D97-AF65-F5344CB8AC3E}">
-        <p14:creationId xmlns="" xmlns:p14="http://schemas.microsoft.com/office/powerpoint/2010/main" val="3646822575"/>
+        <p14:creationId xmlns:p14="http://schemas.microsoft.com/office/powerpoint/2010/main" val="3646822575"/>
       </p:ext>
     </p:extLst>
   </p:cSld>
@@ -7664,7 +8116,7 @@
 </p:sld>
 </file>
 
-<file path=ppt/slides/slide7.xml><?xml version="1.0" encoding="utf-8"?>
+<file path=ppt/slides/slide8.xml><?xml version="1.0" encoding="utf-8"?>
 <p:sld xmlns:a="http://schemas.openxmlformats.org/drawingml/2006/main" xmlns:r="http://schemas.openxmlformats.org/officeDocument/2006/relationships" xmlns:p="http://schemas.openxmlformats.org/presentationml/2006/main">
   <p:cSld>
     <p:spTree>
@@ -7686,7 +8138,7 @@
           <p:cNvPr id="2" name="Title 1">
             <a:extLst>
               <a:ext uri="{FF2B5EF4-FFF2-40B4-BE49-F238E27FC236}">
-                <a16:creationId xmlns="" xmlns:a16="http://schemas.microsoft.com/office/drawing/2014/main" id="{7A3A6361-0FB0-184A-876F-4E074CB11346}"/>
+                <a16:creationId xmlns:a16="http://schemas.microsoft.com/office/drawing/2014/main" id="{7A3A6361-0FB0-184A-876F-4E074CB11346}"/>
               </a:ext>
             </a:extLst>
           </p:cNvPr>
@@ -7714,7 +8166,7 @@
           <p:cNvPr id="3" name="Content Placeholder 2">
             <a:extLst>
               <a:ext uri="{FF2B5EF4-FFF2-40B4-BE49-F238E27FC236}">
-                <a16:creationId xmlns="" xmlns:a16="http://schemas.microsoft.com/office/drawing/2014/main" id="{F5170470-267B-9140-85BE-1BEBB1DEDDDD}"/>
+                <a16:creationId xmlns:a16="http://schemas.microsoft.com/office/drawing/2014/main" id="{F5170470-267B-9140-85BE-1BEBB1DEDDDD}"/>
               </a:ext>
             </a:extLst>
           </p:cNvPr>
@@ -7736,96 +8188,80 @@
           <a:lstStyle/>
           <a:p>
             <a:r>
-              <a:rPr lang="en-US" dirty="0" smtClean="0"/>
+              <a:rPr lang="en-US" dirty="0"/>
               <a:t>Default: 	   </a:t>
             </a:r>
             <a:r>
-              <a:rPr lang="en-US" sz="2400" b="1" dirty="0" err="1" smtClean="0">
+              <a:rPr lang="en-US" sz="2400" b="1" dirty="0" err="1">
                 <a:latin typeface="Consolas" pitchFamily="49" charset="0"/>
                 <a:cs typeface="Courier New" pitchFamily="49" charset="0"/>
               </a:rPr>
               <a:t>table</a:t>
             </a:r>
             <a:r>
-              <a:rPr lang="en-US" b="1" dirty="0" err="1" smtClean="0">
+              <a:rPr lang="en-US" b="1" dirty="0" err="1">
                 <a:latin typeface="Consolas" pitchFamily="49" charset="0"/>
                 <a:cs typeface="Courier New" pitchFamily="49" charset="0"/>
               </a:rPr>
               <a:t>.</a:t>
             </a:r>
             <a:r>
-              <a:rPr lang="en-US" sz="2400" b="1" dirty="0" err="1" smtClean="0">
+              <a:rPr lang="en-US" sz="2400" b="1" dirty="0" err="1">
                 <a:latin typeface="Consolas" pitchFamily="49" charset="0"/>
                 <a:cs typeface="Courier New" pitchFamily="49" charset="0"/>
               </a:rPr>
               <a:t>pure</a:t>
             </a:r>
             <a:r>
-              <a:rPr lang="en-US" sz="2400" b="1" dirty="0" smtClean="0">
+              <a:rPr lang="en-US" sz="2400" b="1" dirty="0">
                 <a:latin typeface="Consolas" pitchFamily="49" charset="0"/>
                 <a:cs typeface="Courier New" pitchFamily="49" charset="0"/>
               </a:rPr>
               <a:t>-table</a:t>
             </a:r>
-            <a:endParaRPr lang="en-US" sz="2400" b="1" dirty="0">
-              <a:latin typeface="Consolas" pitchFamily="49" charset="0"/>
-              <a:cs typeface="Courier New" pitchFamily="49" charset="0"/>
-            </a:endParaRPr>
           </a:p>
           <a:p>
             <a:r>
               <a:rPr lang="en-US" dirty="0"/>
-              <a:t>Bordered: </a:t>
-            </a:r>
-            <a:r>
-              <a:rPr lang="en-US" dirty="0" smtClean="0"/>
-              <a:t>	   </a:t>
-            </a:r>
-            <a:r>
-              <a:rPr lang="en-US" sz="2400" b="1" dirty="0" err="1" smtClean="0">
+              <a:t>Bordered: 	   </a:t>
+            </a:r>
+            <a:r>
+              <a:rPr lang="en-US" sz="2400" b="1" dirty="0" err="1">
                 <a:latin typeface="Consolas" pitchFamily="49" charset="0"/>
                 <a:cs typeface="Courier New" pitchFamily="49" charset="0"/>
               </a:rPr>
               <a:t>table.pure</a:t>
             </a:r>
             <a:r>
-              <a:rPr lang="en-US" sz="2400" b="1" dirty="0" smtClean="0">
+              <a:rPr lang="en-US" sz="2400" b="1" dirty="0">
                 <a:latin typeface="Consolas" pitchFamily="49" charset="0"/>
                 <a:cs typeface="Courier New" pitchFamily="49" charset="0"/>
               </a:rPr>
               <a:t>-</a:t>
             </a:r>
             <a:r>
-              <a:rPr lang="en-US" sz="2400" b="1" dirty="0" err="1" smtClean="0">
+              <a:rPr lang="en-US" sz="2400" b="1" dirty="0" err="1">
                 <a:latin typeface="Consolas" pitchFamily="49" charset="0"/>
                 <a:cs typeface="Courier New" pitchFamily="49" charset="0"/>
               </a:rPr>
               <a:t>table.pure</a:t>
             </a:r>
             <a:r>
-              <a:rPr lang="en-US" sz="2400" b="1" dirty="0" smtClean="0">
+              <a:rPr lang="en-US" sz="2400" b="1" dirty="0">
                 <a:latin typeface="Consolas" pitchFamily="49" charset="0"/>
                 <a:cs typeface="Courier New" pitchFamily="49" charset="0"/>
               </a:rPr>
               <a:t>-table-bordered</a:t>
             </a:r>
-            <a:endParaRPr lang="en-US" sz="2400" b="1" dirty="0">
-              <a:latin typeface="Consolas" pitchFamily="49" charset="0"/>
-              <a:cs typeface="Courier New" pitchFamily="49" charset="0"/>
-            </a:endParaRPr>
-          </a:p>
-          <a:p>
-            <a:r>
-              <a:rPr lang="en-US" dirty="0" err="1" smtClean="0"/>
+          </a:p>
+          <a:p>
+            <a:r>
+              <a:rPr lang="en-US" dirty="0" err="1"/>
               <a:t>Horiz</a:t>
             </a:r>
             <a:r>
-              <a:rPr lang="en-US" dirty="0" smtClean="0"/>
-              <a:t>. </a:t>
-            </a:r>
-            <a:r>
               <a:rPr lang="en-US" dirty="0"/>
-              <a:t>borders: </a:t>
+              <a:t>. borders: </a:t>
             </a:r>
             <a:r>
               <a:rPr lang="en-US" sz="2400" b="1" dirty="0" err="1">
@@ -7859,50 +8295,42 @@
           <a:p>
             <a:r>
               <a:rPr lang="en-US" dirty="0"/>
-              <a:t>Striped: </a:t>
-            </a:r>
-            <a:r>
-              <a:rPr lang="en-US" dirty="0" smtClean="0"/>
-              <a:t>	</a:t>
-            </a:r>
-            <a:r>
-              <a:rPr lang="en-US" dirty="0" smtClean="0">
+              <a:t>Striped: 	</a:t>
+            </a:r>
+            <a:r>
+              <a:rPr lang="en-US" dirty="0">
                 <a:latin typeface="Consolas" pitchFamily="49" charset="0"/>
               </a:rPr>
               <a:t> </a:t>
             </a:r>
             <a:r>
-              <a:rPr lang="en-US" sz="2400" b="1" dirty="0" err="1" smtClean="0">
+              <a:rPr lang="en-US" sz="2400" b="1" dirty="0" err="1">
                 <a:latin typeface="Consolas" pitchFamily="49" charset="0"/>
                 <a:cs typeface="Courier New" pitchFamily="49" charset="0"/>
               </a:rPr>
               <a:t>table.pure</a:t>
             </a:r>
             <a:r>
-              <a:rPr lang="en-US" sz="2400" b="1" dirty="0" smtClean="0">
+              <a:rPr lang="en-US" sz="2400" b="1" dirty="0">
                 <a:latin typeface="Consolas" pitchFamily="49" charset="0"/>
                 <a:cs typeface="Courier New" pitchFamily="49" charset="0"/>
               </a:rPr>
               <a:t>-</a:t>
             </a:r>
             <a:r>
-              <a:rPr lang="en-US" sz="2400" b="1" dirty="0" err="1" smtClean="0">
+              <a:rPr lang="en-US" sz="2400" b="1" dirty="0" err="1">
                 <a:latin typeface="Consolas" pitchFamily="49" charset="0"/>
                 <a:cs typeface="Courier New" pitchFamily="49" charset="0"/>
               </a:rPr>
               <a:t>table.pure</a:t>
             </a:r>
             <a:r>
-              <a:rPr lang="en-US" sz="2400" b="1" dirty="0" smtClean="0">
+              <a:rPr lang="en-US" sz="2400" b="1" dirty="0">
                 <a:latin typeface="Consolas" pitchFamily="49" charset="0"/>
                 <a:cs typeface="Courier New" pitchFamily="49" charset="0"/>
               </a:rPr>
               <a:t>-table-striped</a:t>
             </a:r>
-            <a:endParaRPr lang="en-US" sz="2400" b="1" dirty="0">
-              <a:latin typeface="Consolas" pitchFamily="49" charset="0"/>
-              <a:cs typeface="Courier New" pitchFamily="49" charset="0"/>
-            </a:endParaRPr>
           </a:p>
           <a:p>
             <a:endParaRPr lang="en-US" dirty="0"/>
@@ -7951,7 +8379,7 @@
     </p:spTree>
     <p:extLst>
       <p:ext uri="{BB962C8B-B14F-4D97-AF65-F5344CB8AC3E}">
-        <p14:creationId xmlns="" xmlns:p14="http://schemas.microsoft.com/office/powerpoint/2010/main" val="1220394970"/>
+        <p14:creationId xmlns:p14="http://schemas.microsoft.com/office/powerpoint/2010/main" val="1220394970"/>
       </p:ext>
     </p:extLst>
   </p:cSld>
@@ -7961,7 +8389,7 @@
 </p:sld>
 </file>
 
-<file path=ppt/slides/slide8.xml><?xml version="1.0" encoding="utf-8"?>
+<file path=ppt/slides/slide9.xml><?xml version="1.0" encoding="utf-8"?>
 <p:sld xmlns:a="http://schemas.openxmlformats.org/drawingml/2006/main" xmlns:r="http://schemas.openxmlformats.org/officeDocument/2006/relationships" xmlns:p="http://schemas.openxmlformats.org/presentationml/2006/main">
   <p:cSld>
     <p:spTree>
@@ -8018,7 +8446,7 @@
           <p:cNvPr id="2" name="Title 1">
             <a:extLst>
               <a:ext uri="{FF2B5EF4-FFF2-40B4-BE49-F238E27FC236}">
-                <a16:creationId xmlns="" xmlns:a16="http://schemas.microsoft.com/office/drawing/2014/main" id="{043FFD13-69DF-2740-84AA-8DA07A9DC346}"/>
+                <a16:creationId xmlns:a16="http://schemas.microsoft.com/office/drawing/2014/main" id="{043FFD13-69DF-2740-84AA-8DA07A9DC346}"/>
               </a:ext>
             </a:extLst>
           </p:cNvPr>
@@ -8046,7 +8474,7 @@
           <p:cNvPr id="3" name="Content Placeholder 2">
             <a:extLst>
               <a:ext uri="{FF2B5EF4-FFF2-40B4-BE49-F238E27FC236}">
-                <a16:creationId xmlns="" xmlns:a16="http://schemas.microsoft.com/office/drawing/2014/main" id="{B2A14A99-F678-9D42-BE91-73BCDF2B017F}"/>
+                <a16:creationId xmlns:a16="http://schemas.microsoft.com/office/drawing/2014/main" id="{B2A14A99-F678-9D42-BE91-73BCDF2B017F}"/>
               </a:ext>
             </a:extLst>
           </p:cNvPr>
@@ -8078,610 +8506,219 @@
               <a:t>default</a:t>
             </a:r>
             <a:r>
-              <a:rPr lang="en-US" dirty="0" smtClean="0"/>
+              <a:rPr lang="en-US" dirty="0"/>
               <a:t>): 	</a:t>
             </a:r>
             <a:r>
-              <a:rPr lang="en-US" sz="2400" b="1" dirty="0" smtClean="0">
-                <a:latin typeface="Consolas" pitchFamily="49" charset="0"/>
-                <a:cs typeface="Courier New" pitchFamily="49" charset="0"/>
-              </a:rPr>
-              <a:t>pure-menu</a:t>
-            </a:r>
-            <a:r>
               <a:rPr lang="en-US" sz="2400" b="1" dirty="0">
                 <a:latin typeface="Consolas" pitchFamily="49" charset="0"/>
                 <a:cs typeface="Courier New" pitchFamily="49" charset="0"/>
               </a:rPr>
-              <a:t>, pure-menu-heading, </a:t>
-            </a:r>
-            <a:endParaRPr lang="en-US" sz="2400" b="1" dirty="0" smtClean="0">
-              <a:latin typeface="Consolas" pitchFamily="49" charset="0"/>
-              <a:cs typeface="Courier New" pitchFamily="49" charset="0"/>
-            </a:endParaRPr>
+              <a:t>pure-menu, pure-menu-heading, </a:t>
+            </a:r>
           </a:p>
           <a:p>
             <a:pPr>
               <a:buNone/>
             </a:pPr>
             <a:r>
-              <a:rPr lang="en-US" sz="2400" b="1" dirty="0" smtClean="0">
+              <a:rPr lang="en-US" sz="2400" b="1" dirty="0">
                 <a:latin typeface="Consolas" pitchFamily="49" charset="0"/>
                 <a:cs typeface="Consolas" panose="020B0609020204030204" pitchFamily="49" charset="0"/>
               </a:rPr>
               <a:t>					</a:t>
             </a:r>
             <a:r>
-              <a:rPr lang="en-US" sz="2400" b="1" dirty="0" err="1" smtClean="0">
+              <a:rPr lang="en-US" sz="2400" b="1" dirty="0" err="1">
                 <a:latin typeface="Consolas" pitchFamily="49" charset="0"/>
                 <a:cs typeface="Consolas" panose="020B0609020204030204" pitchFamily="49" charset="0"/>
               </a:rPr>
               <a:t>ul.pure</a:t>
             </a:r>
             <a:r>
-              <a:rPr lang="en-US" sz="2400" b="1" dirty="0" smtClean="0">
+              <a:rPr lang="en-US" sz="2400" b="1" dirty="0">
                 <a:latin typeface="Consolas" pitchFamily="49" charset="0"/>
                 <a:cs typeface="Consolas" panose="020B0609020204030204" pitchFamily="49" charset="0"/>
               </a:rPr>
-              <a:t>-menu-list</a:t>
+              <a:t>-menu-list, </a:t>
+            </a:r>
+            <a:r>
+              <a:rPr lang="en-US" sz="2400" b="1" dirty="0" err="1">
+                <a:latin typeface="Consolas" pitchFamily="49" charset="0"/>
+                <a:cs typeface="Consolas" panose="020B0609020204030204" pitchFamily="49" charset="0"/>
+              </a:rPr>
+              <a:t>li.pure</a:t>
             </a:r>
             <a:r>
               <a:rPr lang="en-US" sz="2400" b="1" dirty="0">
                 <a:latin typeface="Consolas" pitchFamily="49" charset="0"/>
                 <a:cs typeface="Consolas" panose="020B0609020204030204" pitchFamily="49" charset="0"/>
               </a:rPr>
-              <a:t>, </a:t>
-            </a:r>
-            <a:r>
-              <a:rPr lang="en-US" sz="2400" b="1" dirty="0" err="1">
-                <a:latin typeface="Consolas" pitchFamily="49" charset="0"/>
-                <a:cs typeface="Consolas" panose="020B0609020204030204" pitchFamily="49" charset="0"/>
-              </a:rPr>
-              <a:t>li.pure</a:t>
-            </a:r>
-            <a:r>
-              <a:rPr lang="en-US" sz="2400" b="1" dirty="0">
-                <a:latin typeface="Consolas" pitchFamily="49" charset="0"/>
-                <a:cs typeface="Consolas" panose="020B0609020204030204" pitchFamily="49" charset="0"/>
-              </a:rPr>
               <a:t>-menu-item</a:t>
             </a:r>
           </a:p>
           <a:p>
             <a:r>
               <a:rPr lang="en-US" dirty="0"/>
-              <a:t>Horizontal: </a:t>
-            </a:r>
-            <a:r>
-              <a:rPr lang="en-US" dirty="0" smtClean="0"/>
-              <a:t>	</a:t>
-            </a:r>
-            <a:r>
-              <a:rPr lang="en-US" sz="2400" b="1" dirty="0" smtClean="0">
-                <a:latin typeface="Consolas" panose="020B0609020204030204" pitchFamily="49" charset="0"/>
-                <a:cs typeface="Consolas" panose="020B0609020204030204" pitchFamily="49" charset="0"/>
-              </a:rPr>
-              <a:t>pure-menu-horizontal</a:t>
-            </a:r>
-            <a:endParaRPr lang="en-US" sz="2400" b="1" dirty="0">
-              <a:latin typeface="Consolas" panose="020B0609020204030204" pitchFamily="49" charset="0"/>
-              <a:cs typeface="Consolas" panose="020B0609020204030204" pitchFamily="49" charset="0"/>
-            </a:endParaRPr>
-          </a:p>
-          <a:p>
-            <a:r>
-              <a:rPr lang="en-US" dirty="0"/>
-              <a:t>Selected: </a:t>
-            </a:r>
-            <a:r>
-              <a:rPr lang="en-US" dirty="0" smtClean="0"/>
-              <a:t>	</a:t>
-            </a:r>
-            <a:r>
-              <a:rPr lang="en-US" sz="2400" b="1" dirty="0" smtClean="0">
-                <a:latin typeface="Consolas" panose="020B0609020204030204" pitchFamily="49" charset="0"/>
-                <a:cs typeface="Consolas" panose="020B0609020204030204" pitchFamily="49" charset="0"/>
-              </a:rPr>
-              <a:t>pure-menu-selected</a:t>
-            </a:r>
-            <a:endParaRPr lang="en-US" sz="2400" b="1" dirty="0">
-              <a:latin typeface="Consolas" panose="020B0609020204030204" pitchFamily="49" charset="0"/>
-              <a:cs typeface="Consolas" panose="020B0609020204030204" pitchFamily="49" charset="0"/>
-            </a:endParaRPr>
-          </a:p>
-          <a:p>
-            <a:r>
-              <a:rPr lang="en-US" dirty="0"/>
-              <a:t>Disabled: </a:t>
-            </a:r>
-            <a:r>
-              <a:rPr lang="en-US" dirty="0" smtClean="0"/>
-              <a:t>	</a:t>
-            </a:r>
-            <a:r>
-              <a:rPr lang="en-US" sz="2400" b="1" dirty="0" smtClean="0">
-                <a:latin typeface="Consolas" panose="020B0609020204030204" pitchFamily="49" charset="0"/>
-                <a:cs typeface="Consolas" panose="020B0609020204030204" pitchFamily="49" charset="0"/>
-              </a:rPr>
-              <a:t>pure-menu-disabled</a:t>
-            </a:r>
-            <a:endParaRPr lang="en-US" sz="2400" b="1" dirty="0">
-              <a:latin typeface="Consolas" panose="020B0609020204030204" pitchFamily="49" charset="0"/>
-              <a:cs typeface="Consolas" panose="020B0609020204030204" pitchFamily="49" charset="0"/>
-            </a:endParaRPr>
-          </a:p>
-          <a:p>
-            <a:r>
-              <a:rPr lang="en-US" dirty="0"/>
-              <a:t>Dropdowns: </a:t>
-            </a:r>
-            <a:r>
-              <a:rPr lang="en-US" dirty="0" smtClean="0"/>
-              <a:t>	</a:t>
-            </a:r>
-            <a:r>
-              <a:rPr lang="en-US" sz="2400" b="1" dirty="0" err="1" smtClean="0">
-                <a:latin typeface="Consolas" panose="020B0609020204030204" pitchFamily="49" charset="0"/>
-                <a:cs typeface="Consolas" panose="020B0609020204030204" pitchFamily="49" charset="0"/>
-              </a:rPr>
-              <a:t>ul.pure</a:t>
-            </a:r>
-            <a:r>
-              <a:rPr lang="en-US" sz="2400" b="1" dirty="0" smtClean="0">
-                <a:latin typeface="Consolas" panose="020B0609020204030204" pitchFamily="49" charset="0"/>
-                <a:cs typeface="Consolas" panose="020B0609020204030204" pitchFamily="49" charset="0"/>
-              </a:rPr>
-              <a:t>-menu-list</a:t>
+              <a:t>Horizontal: 	</a:t>
             </a:r>
             <a:r>
               <a:rPr lang="en-US" sz="2400" b="1" dirty="0">
                 <a:latin typeface="Consolas" panose="020B0609020204030204" pitchFamily="49" charset="0"/>
                 <a:cs typeface="Consolas" panose="020B0609020204030204" pitchFamily="49" charset="0"/>
               </a:rPr>
-              <a:t>, </a:t>
-            </a:r>
-            <a:endParaRPr lang="en-US" sz="2400" b="1" dirty="0" smtClean="0">
-              <a:latin typeface="Consolas" panose="020B0609020204030204" pitchFamily="49" charset="0"/>
-              <a:cs typeface="Consolas" panose="020B0609020204030204" pitchFamily="49" charset="0"/>
-            </a:endParaRPr>
+              <a:t>pure-menu-horizontal</a:t>
+            </a:r>
+          </a:p>
+          <a:p>
+            <a:r>
+              <a:rPr lang="en-US" dirty="0"/>
+              <a:t>Selected: 	</a:t>
+            </a:r>
+            <a:r>
+              <a:rPr lang="en-US" sz="2400" b="1" dirty="0">
+                <a:latin typeface="Consolas" panose="020B0609020204030204" pitchFamily="49" charset="0"/>
+                <a:cs typeface="Consolas" panose="020B0609020204030204" pitchFamily="49" charset="0"/>
+              </a:rPr>
+              <a:t>pure-menu-selected</a:t>
+            </a:r>
+          </a:p>
+          <a:p>
+            <a:r>
+              <a:rPr lang="en-US" dirty="0"/>
+              <a:t>Disabled: 	</a:t>
+            </a:r>
+            <a:r>
+              <a:rPr lang="en-US" sz="2400" b="1" dirty="0">
+                <a:latin typeface="Consolas" panose="020B0609020204030204" pitchFamily="49" charset="0"/>
+                <a:cs typeface="Consolas" panose="020B0609020204030204" pitchFamily="49" charset="0"/>
+              </a:rPr>
+              <a:t>pure-menu-disabled</a:t>
+            </a:r>
+          </a:p>
+          <a:p>
+            <a:r>
+              <a:rPr lang="en-US" dirty="0"/>
+              <a:t>Dropdowns: 	</a:t>
+            </a:r>
+            <a:r>
+              <a:rPr lang="en-US" sz="2400" b="1" dirty="0" err="1">
+                <a:latin typeface="Consolas" panose="020B0609020204030204" pitchFamily="49" charset="0"/>
+                <a:cs typeface="Consolas" panose="020B0609020204030204" pitchFamily="49" charset="0"/>
+              </a:rPr>
+              <a:t>ul.pure</a:t>
+            </a:r>
+            <a:r>
+              <a:rPr lang="en-US" sz="2400" b="1" dirty="0">
+                <a:latin typeface="Consolas" panose="020B0609020204030204" pitchFamily="49" charset="0"/>
+                <a:cs typeface="Consolas" panose="020B0609020204030204" pitchFamily="49" charset="0"/>
+              </a:rPr>
+              <a:t>-menu-list, </a:t>
+            </a:r>
           </a:p>
           <a:p>
             <a:pPr>
               <a:buNone/>
             </a:pPr>
             <a:r>
-              <a:rPr lang="en-US" sz="2400" b="1" dirty="0" smtClean="0">
-                <a:latin typeface="Consolas" panose="020B0609020204030204" pitchFamily="49" charset="0"/>
-                <a:cs typeface="Consolas" panose="020B0609020204030204" pitchFamily="49" charset="0"/>
-              </a:rPr>
-              <a:t>	</a:t>
-            </a:r>
-            <a:r>
-              <a:rPr lang="en-US" sz="2400" b="1" dirty="0" smtClean="0">
-                <a:latin typeface="Consolas" panose="020B0609020204030204" pitchFamily="49" charset="0"/>
-                <a:cs typeface="Consolas" panose="020B0609020204030204" pitchFamily="49" charset="0"/>
-              </a:rPr>
-              <a:t>			</a:t>
-            </a:r>
-            <a:r>
-              <a:rPr lang="en-US" sz="2400" b="1" dirty="0" err="1" smtClean="0">
-                <a:latin typeface="Consolas" panose="020B0609020204030204" pitchFamily="49" charset="0"/>
-                <a:cs typeface="Consolas" panose="020B0609020204030204" pitchFamily="49" charset="0"/>
-              </a:rPr>
-              <a:t>li.pure</a:t>
-            </a:r>
-            <a:r>
-              <a:rPr lang="en-US" sz="2400" b="1" dirty="0" smtClean="0">
-                <a:latin typeface="Consolas" panose="020B0609020204030204" pitchFamily="49" charset="0"/>
-                <a:cs typeface="Consolas" panose="020B0609020204030204" pitchFamily="49" charset="0"/>
-              </a:rPr>
-              <a:t>-menu-item</a:t>
-            </a:r>
-            <a:endParaRPr lang="en-US" sz="2400" b="1" dirty="0">
-              <a:latin typeface="Consolas" panose="020B0609020204030204" pitchFamily="49" charset="0"/>
-              <a:cs typeface="Consolas" panose="020B0609020204030204" pitchFamily="49" charset="0"/>
-            </a:endParaRPr>
-          </a:p>
-          <a:p>
-            <a:r>
-              <a:rPr lang="en-US" dirty="0"/>
-              <a:t>Submenus: </a:t>
-            </a:r>
-            <a:r>
-              <a:rPr lang="en-US" dirty="0" smtClean="0"/>
-              <a:t>	</a:t>
-            </a:r>
-            <a:r>
-              <a:rPr lang="en-US" sz="2400" b="1" dirty="0" err="1" smtClean="0">
-                <a:latin typeface="Consolas" panose="020B0609020204030204" pitchFamily="49" charset="0"/>
-                <a:cs typeface="Consolas" panose="020B0609020204030204" pitchFamily="49" charset="0"/>
-              </a:rPr>
-              <a:t>li.pure</a:t>
-            </a:r>
-            <a:r>
-              <a:rPr lang="en-US" sz="2400" b="1" dirty="0" smtClean="0">
-                <a:latin typeface="Consolas" panose="020B0609020204030204" pitchFamily="49" charset="0"/>
-                <a:cs typeface="Consolas" panose="020B0609020204030204" pitchFamily="49" charset="0"/>
-              </a:rPr>
-              <a:t>-menu-has-children</a:t>
-            </a:r>
-            <a:r>
               <a:rPr lang="en-US" sz="2400" b="1" dirty="0">
                 <a:latin typeface="Consolas" panose="020B0609020204030204" pitchFamily="49" charset="0"/>
                 <a:cs typeface="Consolas" panose="020B0609020204030204" pitchFamily="49" charset="0"/>
               </a:rPr>
-              <a:t>, </a:t>
-            </a:r>
-            <a:endParaRPr lang="en-US" sz="2400" b="1" dirty="0" smtClean="0">
-              <a:latin typeface="Consolas" panose="020B0609020204030204" pitchFamily="49" charset="0"/>
-              <a:cs typeface="Consolas" panose="020B0609020204030204" pitchFamily="49" charset="0"/>
-            </a:endParaRPr>
+              <a:t>				</a:t>
+            </a:r>
+            <a:r>
+              <a:rPr lang="en-US" sz="2400" b="1" dirty="0" err="1">
+                <a:latin typeface="Consolas" panose="020B0609020204030204" pitchFamily="49" charset="0"/>
+                <a:cs typeface="Consolas" panose="020B0609020204030204" pitchFamily="49" charset="0"/>
+              </a:rPr>
+              <a:t>li.pure</a:t>
+            </a:r>
+            <a:r>
+              <a:rPr lang="en-US" sz="2400" b="1" dirty="0">
+                <a:latin typeface="Consolas" panose="020B0609020204030204" pitchFamily="49" charset="0"/>
+                <a:cs typeface="Consolas" panose="020B0609020204030204" pitchFamily="49" charset="0"/>
+              </a:rPr>
+              <a:t>-menu-item</a:t>
+            </a:r>
+          </a:p>
+          <a:p>
+            <a:r>
+              <a:rPr lang="en-US" dirty="0"/>
+              <a:t>Submenus: 	</a:t>
+            </a:r>
+            <a:r>
+              <a:rPr lang="en-US" sz="2400" b="1" dirty="0" err="1">
+                <a:latin typeface="Consolas" panose="020B0609020204030204" pitchFamily="49" charset="0"/>
+                <a:cs typeface="Consolas" panose="020B0609020204030204" pitchFamily="49" charset="0"/>
+              </a:rPr>
+              <a:t>li.pure</a:t>
+            </a:r>
+            <a:r>
+              <a:rPr lang="en-US" sz="2400" b="1" dirty="0">
+                <a:latin typeface="Consolas" panose="020B0609020204030204" pitchFamily="49" charset="0"/>
+                <a:cs typeface="Consolas" panose="020B0609020204030204" pitchFamily="49" charset="0"/>
+              </a:rPr>
+              <a:t>-menu-has-children, </a:t>
+            </a:r>
           </a:p>
           <a:p>
             <a:pPr>
               <a:buNone/>
             </a:pPr>
             <a:r>
-              <a:rPr lang="en-US" sz="2400" b="1" dirty="0" smtClean="0">
+              <a:rPr lang="en-US" sz="2400" b="1" dirty="0">
                 <a:latin typeface="Consolas" panose="020B0609020204030204" pitchFamily="49" charset="0"/>
                 <a:cs typeface="Consolas" panose="020B0609020204030204" pitchFamily="49" charset="0"/>
               </a:rPr>
-              <a:t>	</a:t>
-            </a:r>
-            <a:r>
-              <a:rPr lang="en-US" sz="2400" b="1" dirty="0" smtClean="0">
+              <a:t>				</a:t>
+            </a:r>
+            <a:r>
+              <a:rPr lang="en-US" sz="2400" b="1" dirty="0" err="1">
                 <a:latin typeface="Consolas" panose="020B0609020204030204" pitchFamily="49" charset="0"/>
                 <a:cs typeface="Consolas" panose="020B0609020204030204" pitchFamily="49" charset="0"/>
               </a:rPr>
-              <a:t>			</a:t>
-            </a:r>
-            <a:r>
-              <a:rPr lang="en-US" sz="2400" b="1" dirty="0" err="1" smtClean="0">
+              <a:t>ul.pure</a:t>
+            </a:r>
+            <a:r>
+              <a:rPr lang="en-US" sz="2400" b="1" dirty="0">
                 <a:latin typeface="Consolas" panose="020B0609020204030204" pitchFamily="49" charset="0"/>
                 <a:cs typeface="Consolas" panose="020B0609020204030204" pitchFamily="49" charset="0"/>
               </a:rPr>
-              <a:t>ul.pure</a:t>
-            </a:r>
-            <a:r>
-              <a:rPr lang="en-US" sz="2400" b="1" dirty="0" smtClean="0">
+              <a:t>-menu-children</a:t>
+            </a:r>
+          </a:p>
+          <a:p>
+            <a:r>
+              <a:rPr lang="en-US" dirty="0"/>
+              <a:t>Scrollable (</a:t>
+            </a:r>
+            <a:r>
+              <a:rPr lang="en-US" i="1" dirty="0" err="1"/>
+              <a:t>horiz</a:t>
+            </a:r>
+            <a:r>
+              <a:rPr lang="en-US" i="1" dirty="0"/>
+              <a:t>. &amp; vert.</a:t>
+            </a:r>
+            <a:r>
+              <a:rPr lang="en-US" dirty="0"/>
+              <a:t>):  </a:t>
+            </a:r>
+            <a:r>
+              <a:rPr lang="en-US" sz="2400" b="1" dirty="0">
                 <a:latin typeface="Consolas" panose="020B0609020204030204" pitchFamily="49" charset="0"/>
                 <a:cs typeface="Consolas" panose="020B0609020204030204" pitchFamily="49" charset="0"/>
               </a:rPr>
-              <a:t>-menu-children</a:t>
-            </a:r>
-            <a:endParaRPr lang="en-US" sz="2400" b="1" dirty="0">
-              <a:latin typeface="Consolas" panose="020B0609020204030204" pitchFamily="49" charset="0"/>
-              <a:cs typeface="Consolas" panose="020B0609020204030204" pitchFamily="49" charset="0"/>
-            </a:endParaRPr>
-          </a:p>
-          <a:p>
-            <a:r>
-              <a:rPr lang="en-US" dirty="0"/>
-              <a:t>Scrollable </a:t>
-            </a:r>
-            <a:r>
-              <a:rPr lang="en-US" dirty="0" smtClean="0"/>
-              <a:t>(</a:t>
-            </a:r>
-            <a:r>
-              <a:rPr lang="en-US" i="1" dirty="0" err="1" smtClean="0"/>
-              <a:t>horiz</a:t>
-            </a:r>
-            <a:r>
-              <a:rPr lang="en-US" i="1" dirty="0" smtClean="0"/>
-              <a:t>. </a:t>
-            </a:r>
-            <a:r>
-              <a:rPr lang="en-US" i="1" dirty="0"/>
-              <a:t>&amp; </a:t>
-            </a:r>
-            <a:r>
-              <a:rPr lang="en-US" i="1" dirty="0" smtClean="0"/>
-              <a:t>vert.</a:t>
-            </a:r>
-            <a:r>
-              <a:rPr lang="en-US" dirty="0" smtClean="0"/>
-              <a:t>):  </a:t>
-            </a:r>
-            <a:r>
-              <a:rPr lang="en-US" sz="2400" b="1" dirty="0" smtClean="0">
-                <a:latin typeface="Consolas" panose="020B0609020204030204" pitchFamily="49" charset="0"/>
-                <a:cs typeface="Consolas" panose="020B0609020204030204" pitchFamily="49" charset="0"/>
-              </a:rPr>
               <a:t>pure-menu-scrollable</a:t>
             </a:r>
-            <a:endParaRPr lang="en-US" sz="2400" b="1" dirty="0">
-              <a:latin typeface="Consolas" panose="020B0609020204030204" pitchFamily="49" charset="0"/>
-              <a:cs typeface="Consolas" panose="020B0609020204030204" pitchFamily="49" charset="0"/>
-            </a:endParaRPr>
           </a:p>
         </p:txBody>
       </p:sp>
     </p:spTree>
     <p:extLst>
       <p:ext uri="{BB962C8B-B14F-4D97-AF65-F5344CB8AC3E}">
-        <p14:creationId xmlns="" xmlns:p14="http://schemas.microsoft.com/office/powerpoint/2010/main" val="1304859677"/>
-      </p:ext>
-    </p:extLst>
-  </p:cSld>
-  <p:clrMapOvr>
-    <a:masterClrMapping/>
-  </p:clrMapOvr>
-</p:sld>
-</file>
-
-<file path=ppt/slides/slide9.xml><?xml version="1.0" encoding="utf-8"?>
-<p:sld xmlns:a="http://schemas.openxmlformats.org/drawingml/2006/main" xmlns:r="http://schemas.openxmlformats.org/officeDocument/2006/relationships" xmlns:p="http://schemas.openxmlformats.org/presentationml/2006/main">
-  <p:cSld>
-    <p:spTree>
-      <p:nvGrpSpPr>
-        <p:cNvPr id="1" name=""/>
-        <p:cNvGrpSpPr/>
-        <p:nvPr/>
-      </p:nvGrpSpPr>
-      <p:grpSpPr>
-        <a:xfrm>
-          <a:off x="0" y="0"/>
-          <a:ext cx="0" cy="0"/>
-          <a:chOff x="0" y="0"/>
-          <a:chExt cx="0" cy="0"/>
-        </a:xfrm>
-      </p:grpSpPr>
-      <p:sp>
-        <p:nvSpPr>
-          <p:cNvPr id="2" name="Title 1">
-            <a:extLst>
-              <a:ext uri="{FF2B5EF4-FFF2-40B4-BE49-F238E27FC236}">
-                <a16:creationId xmlns="" xmlns:a16="http://schemas.microsoft.com/office/drawing/2014/main" id="{6859FF66-1696-3047-9E70-47E82CF971C6}"/>
-              </a:ext>
-            </a:extLst>
-          </p:cNvPr>
-          <p:cNvSpPr>
-            <a:spLocks noGrp="1"/>
-          </p:cNvSpPr>
-          <p:nvPr>
-            <p:ph type="title"/>
-          </p:nvPr>
-        </p:nvSpPr>
-        <p:spPr/>
-        <p:txBody>
-          <a:bodyPr/>
-          <a:lstStyle/>
-          <a:p>
-            <a:r>
-              <a:rPr lang="en-US" dirty="0"/>
-              <a:t>Pros and Cons</a:t>
-            </a:r>
-          </a:p>
-        </p:txBody>
-      </p:sp>
-      <p:sp>
-        <p:nvSpPr>
-          <p:cNvPr id="3" name="Content Placeholder 2">
-            <a:extLst>
-              <a:ext uri="{FF2B5EF4-FFF2-40B4-BE49-F238E27FC236}">
-                <a16:creationId xmlns="" xmlns:a16="http://schemas.microsoft.com/office/drawing/2014/main" id="{82707A08-4548-1949-A67F-4D5F8E3F8256}"/>
-              </a:ext>
-            </a:extLst>
-          </p:cNvPr>
-          <p:cNvSpPr>
-            <a:spLocks noGrp="1"/>
-          </p:cNvSpPr>
-          <p:nvPr>
-            <p:ph idx="1"/>
-          </p:nvPr>
-        </p:nvSpPr>
-        <p:spPr>
-          <a:xfrm>
-            <a:off x="609600" y="1775192"/>
-            <a:ext cx="11734800" cy="4625609"/>
-          </a:xfrm>
-        </p:spPr>
-        <p:txBody>
-          <a:bodyPr>
-            <a:normAutofit fontScale="92500" lnSpcReduction="10000"/>
-          </a:bodyPr>
-          <a:lstStyle/>
-          <a:p>
-            <a:r>
-              <a:rPr lang="en-US" b="1" dirty="0"/>
-              <a:t>Pros</a:t>
-            </a:r>
-            <a:r>
-              <a:rPr lang="en-US" dirty="0"/>
-              <a:t>:</a:t>
-            </a:r>
-          </a:p>
-          <a:p>
-            <a:pPr lvl="1"/>
-            <a:r>
-              <a:rPr lang="en-US" dirty="0"/>
-              <a:t>Very small </a:t>
-            </a:r>
-            <a:r>
-              <a:rPr lang="en-US" dirty="0" smtClean="0"/>
-              <a:t>footprint</a:t>
-            </a:r>
-          </a:p>
-          <a:p>
-            <a:pPr lvl="1"/>
-            <a:r>
-              <a:rPr lang="en-US" dirty="0" smtClean="0"/>
-              <a:t>Cross-browser compatibility </a:t>
-            </a:r>
-            <a:r>
-              <a:rPr lang="en-US" sz="2000" i="1" dirty="0" smtClean="0"/>
-              <a:t>(Normalize.css)</a:t>
-            </a:r>
-            <a:endParaRPr lang="en-US" i="1" dirty="0"/>
-          </a:p>
-          <a:p>
-            <a:pPr lvl="1"/>
-            <a:r>
-              <a:rPr lang="en-US" dirty="0"/>
-              <a:t>Easily </a:t>
-            </a:r>
-            <a:r>
-              <a:rPr lang="en-US" dirty="0" smtClean="0"/>
-              <a:t>extended</a:t>
-            </a:r>
-          </a:p>
-          <a:p>
-            <a:pPr lvl="1"/>
-            <a:r>
-              <a:rPr lang="en-US" dirty="0" smtClean="0"/>
-              <a:t>Plays nice with other frameworks like Bootstrap</a:t>
-            </a:r>
-            <a:endParaRPr lang="en-US" dirty="0"/>
-          </a:p>
-          <a:p>
-            <a:pPr lvl="1"/>
-            <a:r>
-              <a:rPr lang="en-US" dirty="0" smtClean="0"/>
-              <a:t>Installation via </a:t>
-            </a:r>
-            <a:r>
-              <a:rPr lang="en-US" dirty="0" err="1" smtClean="0"/>
-              <a:t>npm</a:t>
-            </a:r>
-            <a:r>
-              <a:rPr lang="en-US" dirty="0"/>
-              <a:t>, bower, composure, </a:t>
-            </a:r>
-            <a:r>
-              <a:rPr lang="en-US" dirty="0" smtClean="0"/>
-              <a:t>or CDN</a:t>
-            </a:r>
-          </a:p>
-          <a:p>
-            <a:pPr lvl="1"/>
-            <a:endParaRPr lang="en-US" sz="1800" dirty="0"/>
-          </a:p>
-          <a:p>
-            <a:r>
-              <a:rPr lang="en-US" b="1" dirty="0"/>
-              <a:t>Cons</a:t>
-            </a:r>
-            <a:r>
-              <a:rPr lang="en-US" dirty="0"/>
-              <a:t>:</a:t>
-            </a:r>
-          </a:p>
-          <a:p>
-            <a:pPr lvl="1"/>
-            <a:r>
-              <a:rPr lang="en-US" dirty="0"/>
-              <a:t>Fewer features </a:t>
-            </a:r>
-            <a:r>
-              <a:rPr lang="en-US" dirty="0" err="1" smtClean="0"/>
-              <a:t>vs</a:t>
-            </a:r>
-            <a:r>
-              <a:rPr lang="en-US" dirty="0" smtClean="0"/>
-              <a:t> larger </a:t>
-            </a:r>
-            <a:r>
-              <a:rPr lang="en-US" dirty="0"/>
-              <a:t>CSS </a:t>
-            </a:r>
-            <a:r>
-              <a:rPr lang="en-US" dirty="0" smtClean="0"/>
-              <a:t>frameworks </a:t>
-            </a:r>
-            <a:r>
-              <a:rPr lang="en-US" i="1" dirty="0" smtClean="0"/>
-              <a:t>(focuses on min. functional feature set)</a:t>
-            </a:r>
-          </a:p>
-          <a:p>
-            <a:pPr lvl="1"/>
-            <a:r>
-              <a:rPr lang="en-US" dirty="0" smtClean="0"/>
-              <a:t>Not suited for beginners </a:t>
-            </a:r>
-            <a:r>
-              <a:rPr lang="en-US" i="1" dirty="0" smtClean="0"/>
-              <a:t>(no ready-access to multitude of styles)</a:t>
-            </a:r>
-            <a:endParaRPr lang="en-US" i="1" dirty="0"/>
-          </a:p>
-        </p:txBody>
-      </p:sp>
-      <p:grpSp>
-        <p:nvGrpSpPr>
-          <p:cNvPr id="8" name="Group 7"/>
-          <p:cNvGrpSpPr/>
-          <p:nvPr/>
-        </p:nvGrpSpPr>
-        <p:grpSpPr>
-          <a:xfrm>
-            <a:off x="8068838" y="1659717"/>
-            <a:ext cx="3812852" cy="1695958"/>
-            <a:chOff x="6946242" y="2094120"/>
-            <a:chExt cx="3319192" cy="1476378"/>
-          </a:xfrm>
-        </p:grpSpPr>
-        <p:pic>
-          <p:nvPicPr>
-            <p:cNvPr id="15366" name="Picture 6" descr="Image result for pros and cons"/>
-            <p:cNvPicPr>
-              <a:picLocks noChangeAspect="1" noChangeArrowheads="1"/>
-            </p:cNvPicPr>
-            <p:nvPr/>
-          </p:nvPicPr>
-          <p:blipFill>
-            <a:blip r:embed="rId2"/>
-            <a:srcRect/>
-            <a:stretch>
-              <a:fillRect/>
-            </a:stretch>
-          </p:blipFill>
-          <p:spPr bwMode="auto">
-            <a:xfrm>
-              <a:off x="6946242" y="2094120"/>
-              <a:ext cx="3319192" cy="1476378"/>
-            </a:xfrm>
-            <a:prstGeom prst="rect">
-              <a:avLst/>
-            </a:prstGeom>
-            <a:noFill/>
-          </p:spPr>
-        </p:pic>
-        <p:sp>
-          <p:nvSpPr>
-            <p:cNvPr id="7" name="Rectangle 6"/>
-            <p:cNvSpPr/>
-            <p:nvPr/>
-          </p:nvSpPr>
-          <p:spPr>
-            <a:xfrm>
-              <a:off x="8436634" y="2665562"/>
-              <a:ext cx="365890" cy="348307"/>
-            </a:xfrm>
-            <a:prstGeom prst="rect">
-              <a:avLst/>
-            </a:prstGeom>
-          </p:spPr>
-          <p:txBody>
-            <a:bodyPr wrap="none">
-              <a:spAutoFit/>
-            </a:bodyPr>
-            <a:lstStyle/>
-            <a:p>
-              <a:r>
-                <a:rPr lang="en-US" sz="2000" b="1" dirty="0" err="1" smtClean="0"/>
-                <a:t>vs</a:t>
-              </a:r>
-              <a:endParaRPr lang="en-US" b="1" dirty="0"/>
-            </a:p>
-          </p:txBody>
-        </p:sp>
-      </p:grpSp>
-    </p:spTree>
-    <p:extLst>
-      <p:ext uri="{BB962C8B-B14F-4D97-AF65-F5344CB8AC3E}">
-        <p14:creationId xmlns="" xmlns:p14="http://schemas.microsoft.com/office/powerpoint/2010/main" val="2836895410"/>
+        <p14:creationId xmlns:p14="http://schemas.microsoft.com/office/powerpoint/2010/main" val="1304859677"/>
       </p:ext>
     </p:extLst>
   </p:cSld>

--- a/SWE_632_Tech_Talk__PureCSS.pptx
+++ b/SWE_632_Tech_Talk__PureCSS.pptx
@@ -220,7 +220,7 @@
           <a:p>
             <a:fld id="{1F3CD97B-9297-474E-B3F1-AAEE98B265C2}" type="datetimeFigureOut">
               <a:rPr lang="en-US" smtClean="0"/>
-              <a:t>3/19/18</a:t>
+              <a:t>3/20/18</a:t>
             </a:fld>
             <a:endParaRPr lang="en-US"/>
           </a:p>
@@ -810,7 +810,7 @@
             <a:fld id="{5C2F51AC-1738-2043-BD99-BD04DC72ED2F}" type="datetimeFigureOut">
               <a:rPr lang="en-US" smtClean="0"/>
               <a:pPr/>
-              <a:t>3/19/18</a:t>
+              <a:t>3/20/18</a:t>
             </a:fld>
             <a:endParaRPr lang="en-US"/>
           </a:p>
@@ -1028,7 +1028,7 @@
             <a:fld id="{5C2F51AC-1738-2043-BD99-BD04DC72ED2F}" type="datetimeFigureOut">
               <a:rPr lang="en-US" smtClean="0"/>
               <a:pPr/>
-              <a:t>3/19/18</a:t>
+              <a:t>3/20/18</a:t>
             </a:fld>
             <a:endParaRPr lang="en-US"/>
           </a:p>
@@ -1301,7 +1301,7 @@
             <a:fld id="{5C2F51AC-1738-2043-BD99-BD04DC72ED2F}" type="datetimeFigureOut">
               <a:rPr lang="en-US" smtClean="0"/>
               <a:pPr/>
-              <a:t>3/19/18</a:t>
+              <a:t>3/20/18</a:t>
             </a:fld>
             <a:endParaRPr lang="en-US"/>
           </a:p>
@@ -1477,7 +1477,7 @@
             <a:fld id="{5C2F51AC-1738-2043-BD99-BD04DC72ED2F}" type="datetimeFigureOut">
               <a:rPr lang="en-US" smtClean="0"/>
               <a:pPr/>
-              <a:t>3/19/18</a:t>
+              <a:t>3/20/18</a:t>
             </a:fld>
             <a:endParaRPr lang="en-US"/>
           </a:p>
@@ -1832,7 +1832,7 @@
             <a:fld id="{5C2F51AC-1738-2043-BD99-BD04DC72ED2F}" type="datetimeFigureOut">
               <a:rPr lang="en-US" smtClean="0"/>
               <a:pPr/>
-              <a:t>3/19/18</a:t>
+              <a:t>3/20/18</a:t>
             </a:fld>
             <a:endParaRPr lang="en-US"/>
           </a:p>
@@ -2118,7 +2118,7 @@
             <a:fld id="{5C2F51AC-1738-2043-BD99-BD04DC72ED2F}" type="datetimeFigureOut">
               <a:rPr lang="en-US" smtClean="0"/>
               <a:pPr/>
-              <a:t>3/19/18</a:t>
+              <a:t>3/20/18</a:t>
             </a:fld>
             <a:endParaRPr lang="en-US"/>
           </a:p>
@@ -2541,7 +2541,7 @@
             <a:fld id="{5C2F51AC-1738-2043-BD99-BD04DC72ED2F}" type="datetimeFigureOut">
               <a:rPr lang="en-US" smtClean="0"/>
               <a:pPr/>
-              <a:t>3/19/18</a:t>
+              <a:t>3/20/18</a:t>
             </a:fld>
             <a:endParaRPr lang="en-US"/>
           </a:p>
@@ -2655,7 +2655,7 @@
             <a:fld id="{5C2F51AC-1738-2043-BD99-BD04DC72ED2F}" type="datetimeFigureOut">
               <a:rPr lang="en-US" smtClean="0"/>
               <a:pPr/>
-              <a:t>3/19/18</a:t>
+              <a:t>3/20/18</a:t>
             </a:fld>
             <a:endParaRPr lang="en-US"/>
           </a:p>
@@ -2747,7 +2747,7 @@
             <a:fld id="{5C2F51AC-1738-2043-BD99-BD04DC72ED2F}" type="datetimeFigureOut">
               <a:rPr lang="en-US" smtClean="0"/>
               <a:pPr/>
-              <a:t>3/19/18</a:t>
+              <a:t>3/20/18</a:t>
             </a:fld>
             <a:endParaRPr lang="en-US"/>
           </a:p>
@@ -3026,7 +3026,7 @@
             <a:fld id="{5C2F51AC-1738-2043-BD99-BD04DC72ED2F}" type="datetimeFigureOut">
               <a:rPr lang="en-US" smtClean="0"/>
               <a:pPr/>
-              <a:t>3/19/18</a:t>
+              <a:t>3/20/18</a:t>
             </a:fld>
             <a:endParaRPr lang="en-US"/>
           </a:p>
@@ -3389,7 +3389,7 @@
             <a:fld id="{5C2F51AC-1738-2043-BD99-BD04DC72ED2F}" type="datetimeFigureOut">
               <a:rPr lang="en-US" smtClean="0"/>
               <a:pPr/>
-              <a:t>3/19/18</a:t>
+              <a:t>3/20/18</a:t>
             </a:fld>
             <a:endParaRPr lang="en-US"/>
           </a:p>
@@ -3814,7 +3814,7 @@
             <a:fld id="{5C2F51AC-1738-2043-BD99-BD04DC72ED2F}" type="datetimeFigureOut">
               <a:rPr lang="en-US" smtClean="0"/>
               <a:pPr/>
-              <a:t>3/19/18</a:t>
+              <a:t>3/20/18</a:t>
             </a:fld>
             <a:endParaRPr lang="en-US"/>
           </a:p>
@@ -5638,6 +5638,49 @@
           </a:ln>
         </p:spPr>
       </p:pic>
+      <p:sp>
+        <p:nvSpPr>
+          <p:cNvPr id="8" name="Rectangle 7">
+            <a:extLst>
+              <a:ext uri="{FF2B5EF4-FFF2-40B4-BE49-F238E27FC236}">
+                <a16:creationId xmlns:a16="http://schemas.microsoft.com/office/drawing/2014/main" id="{C5E4D9F5-3620-4344-B87B-363C02E4509A}"/>
+              </a:ext>
+            </a:extLst>
+          </p:cNvPr>
+          <p:cNvSpPr/>
+          <p:nvPr/>
+        </p:nvSpPr>
+        <p:spPr>
+          <a:xfrm>
+            <a:off x="4829975" y="6488668"/>
+            <a:ext cx="7383817" cy="369332"/>
+          </a:xfrm>
+          <a:prstGeom prst="rect">
+            <a:avLst/>
+          </a:prstGeom>
+        </p:spPr>
+        <p:txBody>
+          <a:bodyPr wrap="none">
+            <a:spAutoFit/>
+          </a:bodyPr>
+          <a:lstStyle/>
+          <a:p>
+            <a:pPr algn="ctr"/>
+            <a:r>
+              <a:rPr lang="en-US" i="1" dirty="0"/>
+              <a:t>*compiled by analyzing framework files, documentation, and </a:t>
+            </a:r>
+            <a:r>
+              <a:rPr lang="en-US" i="1" dirty="0" err="1"/>
+              <a:t>GitHub</a:t>
+            </a:r>
+            <a:r>
+              <a:rPr lang="en-US" i="1" dirty="0"/>
+              <a:t> statistics</a:t>
+            </a:r>
+          </a:p>
+        </p:txBody>
+      </p:sp>
     </p:spTree>
     <p:extLst>
       <p:ext uri="{BB962C8B-B14F-4D97-AF65-F5344CB8AC3E}">
